--- a/Slides/Slide 1 Intro to Python.pptx
+++ b/Slides/Slide 1 Intro to Python.pptx
@@ -1,29 +1,29 @@
 
 <file path=ppt/presentation.xml><?xml version="1.0" encoding="utf-8"?>
-<p:presentation xmlns:a="http://schemas.openxmlformats.org/drawingml/2006/main" xmlns:r="http://schemas.openxmlformats.org/officeDocument/2006/relationships" xmlns:mc="http://schemas.openxmlformats.org/markup-compatibility/2006" xmlns:mv="urn:schemas-microsoft-com:mac:vml" xmlns:p="http://schemas.openxmlformats.org/presentationml/2006/main" xmlns:c="http://schemas.openxmlformats.org/drawingml/2006/chart" xmlns:dgm="http://schemas.openxmlformats.org/drawingml/2006/diagram" xmlns:o="urn:schemas-microsoft-com:office:office" xmlns:v="urn:schemas-microsoft-com:vml" xmlns:pvml="urn:schemas-microsoft-com:office:powerpoint" xmlns:com="http://schemas.openxmlformats.org/drawingml/2006/compatibility" xmlns:p14="http://schemas.microsoft.com/office/powerpoint/2010/main" xmlns:p15="http://schemas.microsoft.com/office/powerpoint/2012/main" xmlns:ahyp="http://schemas.microsoft.com/office/drawing/2018/hyperlinkcolor" autoCompressPictures="0" strictFirstAndLastChars="0" saveSubsetFonts="1">
+<p:presentation xmlns:a="http://schemas.openxmlformats.org/drawingml/2006/main" xmlns:r="http://schemas.openxmlformats.org/officeDocument/2006/relationships" xmlns:p="http://schemas.openxmlformats.org/presentationml/2006/main" strictFirstAndLastChars="0" saveSubsetFonts="1" autoCompressPictures="0">
   <p:sldMasterIdLst>
-    <p:sldMasterId id="2147483659" r:id="rId4"/>
+    <p:sldMasterId id="2147483659" r:id="rId1"/>
   </p:sldMasterIdLst>
   <p:notesMasterIdLst>
-    <p:notesMasterId r:id="rId5"/>
+    <p:notesMasterId r:id="rId13"/>
   </p:notesMasterIdLst>
   <p:sldIdLst>
-    <p:sldId id="256" r:id="rId6"/>
-    <p:sldId id="257" r:id="rId7"/>
-    <p:sldId id="258" r:id="rId8"/>
-    <p:sldId id="259" r:id="rId9"/>
-    <p:sldId id="260" r:id="rId10"/>
-    <p:sldId id="261" r:id="rId11"/>
-    <p:sldId id="262" r:id="rId12"/>
-    <p:sldId id="263" r:id="rId13"/>
-    <p:sldId id="264" r:id="rId14"/>
-    <p:sldId id="265" r:id="rId15"/>
-    <p:sldId id="266" r:id="rId16"/>
+    <p:sldId id="256" r:id="rId2"/>
+    <p:sldId id="257" r:id="rId3"/>
+    <p:sldId id="258" r:id="rId4"/>
+    <p:sldId id="259" r:id="rId5"/>
+    <p:sldId id="260" r:id="rId6"/>
+    <p:sldId id="261" r:id="rId7"/>
+    <p:sldId id="262" r:id="rId8"/>
+    <p:sldId id="263" r:id="rId9"/>
+    <p:sldId id="264" r:id="rId10"/>
+    <p:sldId id="265" r:id="rId11"/>
+    <p:sldId id="266" r:id="rId12"/>
   </p:sldIdLst>
-  <p:sldSz cy="5143500" cx="9144000"/>
+  <p:sldSz cx="9144000" cy="5143500" type="screen16x9"/>
   <p:notesSz cx="6858000" cy="9144000"/>
   <p:defaultTextStyle>
-    <a:defPPr lvl="0" marR="0" rtl="0" algn="l">
+    <a:defPPr marR="0" lvl="0" algn="l" rtl="0">
       <a:lnSpc>
         <a:spcPct val="100000"/>
       </a:lnSpc>
@@ -34,7 +34,7 @@
         <a:spcPts val="0"/>
       </a:spcAft>
     </a:defPPr>
-    <a:lvl1pPr lvl="0" marR="0" rtl="0" algn="l">
+    <a:lvl1pPr marR="0" lvl="0" algn="l" rtl="0">
       <a:lnSpc>
         <a:spcPct val="100000"/>
       </a:lnSpc>
@@ -48,7 +48,7 @@
         <a:srgbClr val="000000"/>
       </a:buClr>
       <a:buFont typeface="Arial"/>
-      <a:defRPr b="0" i="0" sz="1400" u="none" cap="none" strike="noStrike">
+      <a:defRPr sz="1400" b="0" i="0" u="none" strike="noStrike" cap="none">
         <a:solidFill>
           <a:srgbClr val="000000"/>
         </a:solidFill>
@@ -58,7 +58,7 @@
         <a:sym typeface="Arial"/>
       </a:defRPr>
     </a:lvl1pPr>
-    <a:lvl2pPr lvl="1" marR="0" rtl="0" algn="l">
+    <a:lvl2pPr marR="0" lvl="1" algn="l" rtl="0">
       <a:lnSpc>
         <a:spcPct val="100000"/>
       </a:lnSpc>
@@ -72,7 +72,7 @@
         <a:srgbClr val="000000"/>
       </a:buClr>
       <a:buFont typeface="Arial"/>
-      <a:defRPr b="0" i="0" sz="1400" u="none" cap="none" strike="noStrike">
+      <a:defRPr sz="1400" b="0" i="0" u="none" strike="noStrike" cap="none">
         <a:solidFill>
           <a:srgbClr val="000000"/>
         </a:solidFill>
@@ -82,7 +82,7 @@
         <a:sym typeface="Arial"/>
       </a:defRPr>
     </a:lvl2pPr>
-    <a:lvl3pPr lvl="2" marR="0" rtl="0" algn="l">
+    <a:lvl3pPr marR="0" lvl="2" algn="l" rtl="0">
       <a:lnSpc>
         <a:spcPct val="100000"/>
       </a:lnSpc>
@@ -96,7 +96,7 @@
         <a:srgbClr val="000000"/>
       </a:buClr>
       <a:buFont typeface="Arial"/>
-      <a:defRPr b="0" i="0" sz="1400" u="none" cap="none" strike="noStrike">
+      <a:defRPr sz="1400" b="0" i="0" u="none" strike="noStrike" cap="none">
         <a:solidFill>
           <a:srgbClr val="000000"/>
         </a:solidFill>
@@ -106,7 +106,7 @@
         <a:sym typeface="Arial"/>
       </a:defRPr>
     </a:lvl3pPr>
-    <a:lvl4pPr lvl="3" marR="0" rtl="0" algn="l">
+    <a:lvl4pPr marR="0" lvl="3" algn="l" rtl="0">
       <a:lnSpc>
         <a:spcPct val="100000"/>
       </a:lnSpc>
@@ -120,7 +120,7 @@
         <a:srgbClr val="000000"/>
       </a:buClr>
       <a:buFont typeface="Arial"/>
-      <a:defRPr b="0" i="0" sz="1400" u="none" cap="none" strike="noStrike">
+      <a:defRPr sz="1400" b="0" i="0" u="none" strike="noStrike" cap="none">
         <a:solidFill>
           <a:srgbClr val="000000"/>
         </a:solidFill>
@@ -130,7 +130,7 @@
         <a:sym typeface="Arial"/>
       </a:defRPr>
     </a:lvl4pPr>
-    <a:lvl5pPr lvl="4" marR="0" rtl="0" algn="l">
+    <a:lvl5pPr marR="0" lvl="4" algn="l" rtl="0">
       <a:lnSpc>
         <a:spcPct val="100000"/>
       </a:lnSpc>
@@ -144,7 +144,7 @@
         <a:srgbClr val="000000"/>
       </a:buClr>
       <a:buFont typeface="Arial"/>
-      <a:defRPr b="0" i="0" sz="1400" u="none" cap="none" strike="noStrike">
+      <a:defRPr sz="1400" b="0" i="0" u="none" strike="noStrike" cap="none">
         <a:solidFill>
           <a:srgbClr val="000000"/>
         </a:solidFill>
@@ -154,7 +154,7 @@
         <a:sym typeface="Arial"/>
       </a:defRPr>
     </a:lvl5pPr>
-    <a:lvl6pPr lvl="5" marR="0" rtl="0" algn="l">
+    <a:lvl6pPr marR="0" lvl="5" algn="l" rtl="0">
       <a:lnSpc>
         <a:spcPct val="100000"/>
       </a:lnSpc>
@@ -168,7 +168,7 @@
         <a:srgbClr val="000000"/>
       </a:buClr>
       <a:buFont typeface="Arial"/>
-      <a:defRPr b="0" i="0" sz="1400" u="none" cap="none" strike="noStrike">
+      <a:defRPr sz="1400" b="0" i="0" u="none" strike="noStrike" cap="none">
         <a:solidFill>
           <a:srgbClr val="000000"/>
         </a:solidFill>
@@ -178,7 +178,7 @@
         <a:sym typeface="Arial"/>
       </a:defRPr>
     </a:lvl6pPr>
-    <a:lvl7pPr lvl="6" marR="0" rtl="0" algn="l">
+    <a:lvl7pPr marR="0" lvl="6" algn="l" rtl="0">
       <a:lnSpc>
         <a:spcPct val="100000"/>
       </a:lnSpc>
@@ -192,7 +192,7 @@
         <a:srgbClr val="000000"/>
       </a:buClr>
       <a:buFont typeface="Arial"/>
-      <a:defRPr b="0" i="0" sz="1400" u="none" cap="none" strike="noStrike">
+      <a:defRPr sz="1400" b="0" i="0" u="none" strike="noStrike" cap="none">
         <a:solidFill>
           <a:srgbClr val="000000"/>
         </a:solidFill>
@@ -202,7 +202,7 @@
         <a:sym typeface="Arial"/>
       </a:defRPr>
     </a:lvl7pPr>
-    <a:lvl8pPr lvl="7" marR="0" rtl="0" algn="l">
+    <a:lvl8pPr marR="0" lvl="7" algn="l" rtl="0">
       <a:lnSpc>
         <a:spcPct val="100000"/>
       </a:lnSpc>
@@ -216,7 +216,7 @@
         <a:srgbClr val="000000"/>
       </a:buClr>
       <a:buFont typeface="Arial"/>
-      <a:defRPr b="0" i="0" sz="1400" u="none" cap="none" strike="noStrike">
+      <a:defRPr sz="1400" b="0" i="0" u="none" strike="noStrike" cap="none">
         <a:solidFill>
           <a:srgbClr val="000000"/>
         </a:solidFill>
@@ -226,7 +226,7 @@
         <a:sym typeface="Arial"/>
       </a:defRPr>
     </a:lvl8pPr>
-    <a:lvl9pPr lvl="8" marR="0" rtl="0" algn="l">
+    <a:lvl9pPr marR="0" lvl="8" algn="l" rtl="0">
       <a:lnSpc>
         <a:spcPct val="100000"/>
       </a:lnSpc>
@@ -240,7 +240,7 @@
         <a:srgbClr val="000000"/>
       </a:buClr>
       <a:buFont typeface="Arial"/>
-      <a:defRPr b="0" i="0" sz="1400" u="none" cap="none" strike="noStrike">
+      <a:defRPr sz="1400" b="0" i="0" u="none" strike="noStrike" cap="none">
         <a:solidFill>
           <a:srgbClr val="000000"/>
         </a:solidFill>
@@ -253,7 +253,7 @@
   </p:defaultTextStyle>
   <p:extLst>
     <p:ext uri="{EFAFB233-063F-42B5-8137-9DF3F51BA10A}">
-      <p15:sldGuideLst>
+      <p15:sldGuideLst xmlns:p15="http://schemas.microsoft.com/office/powerpoint/2012/main">
         <p15:guide id="1" orient="horz" pos="1620">
           <p15:clr>
             <a:srgbClr val="747775"/>
@@ -270,12 +270,61 @@
 </p:presentation>
 </file>
 
+<file path=ppt/changesInfos/changesInfo1.xml><?xml version="1.0" encoding="utf-8"?>
+<pc:chgInfo xmlns:a="http://schemas.openxmlformats.org/drawingml/2006/main" xmlns:r="http://schemas.openxmlformats.org/officeDocument/2006/relationships" xmlns:ac="http://schemas.microsoft.com/office/drawing/2013/main/command" xmlns:pc="http://schemas.microsoft.com/office/powerpoint/2013/main/command">
+  <pc:docChgLst>
+    <pc:chgData name="1.0 Programming" userId="d9944a5f9a1f43e9" providerId="LiveId" clId="{9280625E-6389-4490-8660-39F296A1B198}"/>
+    <pc:docChg chg="custSel modSld">
+      <pc:chgData name="1.0 Programming" userId="d9944a5f9a1f43e9" providerId="LiveId" clId="{9280625E-6389-4490-8660-39F296A1B198}" dt="2025-01-21T08:58:52.312" v="30" actId="20577"/>
+      <pc:docMkLst>
+        <pc:docMk/>
+      </pc:docMkLst>
+      <pc:sldChg chg="modSp">
+        <pc:chgData name="1.0 Programming" userId="d9944a5f9a1f43e9" providerId="LiveId" clId="{9280625E-6389-4490-8660-39F296A1B198}" dt="2025-01-21T08:45:10.318" v="8" actId="27636"/>
+        <pc:sldMkLst>
+          <pc:docMk/>
+          <pc:sldMk cId="0" sldId="261"/>
+        </pc:sldMkLst>
+        <pc:spChg chg="mod">
+          <ac:chgData name="1.0 Programming" userId="d9944a5f9a1f43e9" providerId="LiveId" clId="{9280625E-6389-4490-8660-39F296A1B198}" dt="2025-01-21T08:45:10.318" v="8" actId="27636"/>
+          <ac:spMkLst>
+            <pc:docMk/>
+            <pc:sldMk cId="0" sldId="261"/>
+            <ac:spMk id="85" creationId="{00000000-0000-0000-0000-000000000000}"/>
+          </ac:spMkLst>
+        </pc:spChg>
+      </pc:sldChg>
+      <pc:sldChg chg="modSp">
+        <pc:chgData name="1.0 Programming" userId="d9944a5f9a1f43e9" providerId="LiveId" clId="{9280625E-6389-4490-8660-39F296A1B198}" dt="2025-01-21T08:58:52.312" v="30" actId="20577"/>
+        <pc:sldMkLst>
+          <pc:docMk/>
+          <pc:sldMk cId="0" sldId="264"/>
+        </pc:sldMkLst>
+        <pc:spChg chg="mod">
+          <ac:chgData name="1.0 Programming" userId="d9944a5f9a1f43e9" providerId="LiveId" clId="{9280625E-6389-4490-8660-39F296A1B198}" dt="2025-01-21T08:58:52.312" v="30" actId="20577"/>
+          <ac:spMkLst>
+            <pc:docMk/>
+            <pc:sldMk cId="0" sldId="264"/>
+            <ac:spMk id="103" creationId="{00000000-0000-0000-0000-000000000000}"/>
+          </ac:spMkLst>
+        </pc:spChg>
+      </pc:sldChg>
+    </pc:docChg>
+  </pc:docChgLst>
+</pc:chgInfo>
+</file>
+
 <file path=ppt/notesMasters/notesMaster1.xml><?xml version="1.0" encoding="utf-8"?>
-<p:notesMaster xmlns:a="http://schemas.openxmlformats.org/drawingml/2006/main" xmlns:r="http://schemas.openxmlformats.org/officeDocument/2006/relationships" xmlns:mc="http://schemas.openxmlformats.org/markup-compatibility/2006" xmlns:mv="urn:schemas-microsoft-com:mac:vml" xmlns:p="http://schemas.openxmlformats.org/presentationml/2006/main" xmlns:c="http://schemas.openxmlformats.org/drawingml/2006/chart" xmlns:dgm="http://schemas.openxmlformats.org/drawingml/2006/diagram" xmlns:o="urn:schemas-microsoft-com:office:office" xmlns:v="urn:schemas-microsoft-com:vml" xmlns:pvml="urn:schemas-microsoft-com:office:powerpoint" xmlns:com="http://schemas.openxmlformats.org/drawingml/2006/compatibility" xmlns:p14="http://schemas.microsoft.com/office/powerpoint/2010/main" xmlns:p15="http://schemas.microsoft.com/office/powerpoint/2012/main" xmlns:ahyp="http://schemas.microsoft.com/office/drawing/2018/hyperlinkcolor">
+<p:notesMaster xmlns:a="http://schemas.openxmlformats.org/drawingml/2006/main" xmlns:r="http://schemas.openxmlformats.org/officeDocument/2006/relationships" xmlns:p="http://schemas.openxmlformats.org/presentationml/2006/main">
   <p:cSld>
+    <p:bg>
+      <p:bgRef idx="1001">
+        <a:schemeClr val="bg1"/>
+      </p:bgRef>
+    </p:bg>
     <p:spTree>
       <p:nvGrpSpPr>
-        <p:cNvPr id="2" name="Shape 2"/>
+        <p:cNvPr id="1" name="Shape 2"/>
         <p:cNvGrpSpPr/>
         <p:nvPr/>
       </p:nvGrpSpPr>
@@ -290,9 +339,11 @@
       <p:sp>
         <p:nvSpPr>
           <p:cNvPr id="3" name="Google Shape;3;n"/>
-          <p:cNvSpPr/>
+          <p:cNvSpPr>
+            <a:spLocks noGrp="1" noRot="1" noChangeAspect="1"/>
+          </p:cNvSpPr>
           <p:nvPr>
-            <p:ph idx="2" type="sldImg"/>
+            <p:ph type="sldImg" idx="2"/>
           </p:nvPr>
         </p:nvSpPr>
         <p:spPr>
@@ -301,9 +352,13 @@
             <a:ext cx="6096075" cy="3429000"/>
           </a:xfrm>
           <a:custGeom>
-            <a:rect b="b" l="l" r="r" t="t"/>
+            <a:avLst/>
+            <a:gdLst/>
+            <a:ahLst/>
+            <a:cxnLst/>
+            <a:rect l="l" t="t" r="r" b="b"/>
             <a:pathLst>
-              <a:path extrusionOk="0" h="120000" w="120000">
+              <a:path w="120000" h="120000" extrusionOk="0">
                 <a:moveTo>
                   <a:pt x="0" y="0"/>
                 </a:moveTo>
@@ -321,23 +376,25 @@
             </a:pathLst>
           </a:custGeom>
           <a:noFill/>
-          <a:ln cap="flat" cmpd="sng" w="9525">
+          <a:ln w="9525" cap="flat" cmpd="sng">
             <a:solidFill>
               <a:srgbClr val="000000"/>
             </a:solidFill>
             <a:prstDash val="solid"/>
             <a:round/>
-            <a:headEnd len="sm" w="sm" type="none"/>
-            <a:tailEnd len="sm" w="sm" type="none"/>
+            <a:headEnd type="none" w="sm" len="sm"/>
+            <a:tailEnd type="none" w="sm" len="sm"/>
           </a:ln>
         </p:spPr>
       </p:sp>
       <p:sp>
         <p:nvSpPr>
           <p:cNvPr id="4" name="Google Shape;4;n"/>
-          <p:cNvSpPr txBox="1"/>
+          <p:cNvSpPr txBox="1">
+            <a:spLocks noGrp="1"/>
+          </p:cNvSpPr>
           <p:nvPr>
-            <p:ph idx="1" type="body"/>
+            <p:ph type="body" idx="1"/>
           </p:nvPr>
         </p:nvSpPr>
         <p:spPr>
@@ -354,11 +411,11 @@
           </a:ln>
         </p:spPr>
         <p:txBody>
-          <a:bodyPr anchorCtr="0" anchor="t" bIns="91425" lIns="91425" spcFirstLastPara="1" rIns="91425" wrap="square" tIns="91425">
+          <a:bodyPr spcFirstLastPara="1" wrap="square" lIns="91425" tIns="91425" rIns="91425" bIns="91425" anchor="t" anchorCtr="0">
             <a:noAutofit/>
           </a:bodyPr>
           <a:lstStyle>
-            <a:lvl1pPr indent="-298450" lvl="0" marL="457200">
+            <a:lvl1pPr marL="457200" lvl="0" indent="-298450">
               <a:spcBef>
                 <a:spcPts val="0"/>
               </a:spcBef>
@@ -369,7 +426,7 @@
               <a:buChar char="●"/>
               <a:defRPr sz="1100"/>
             </a:lvl1pPr>
-            <a:lvl2pPr indent="-298450" lvl="1" marL="914400">
+            <a:lvl2pPr marL="914400" lvl="1" indent="-298450">
               <a:spcBef>
                 <a:spcPts val="0"/>
               </a:spcBef>
@@ -380,7 +437,7 @@
               <a:buChar char="○"/>
               <a:defRPr sz="1100"/>
             </a:lvl2pPr>
-            <a:lvl3pPr indent="-298450" lvl="2" marL="1371600">
+            <a:lvl3pPr marL="1371600" lvl="2" indent="-298450">
               <a:spcBef>
                 <a:spcPts val="0"/>
               </a:spcBef>
@@ -391,7 +448,7 @@
               <a:buChar char="■"/>
               <a:defRPr sz="1100"/>
             </a:lvl3pPr>
-            <a:lvl4pPr indent="-298450" lvl="3" marL="1828800">
+            <a:lvl4pPr marL="1828800" lvl="3" indent="-298450">
               <a:spcBef>
                 <a:spcPts val="0"/>
               </a:spcBef>
@@ -402,7 +459,7 @@
               <a:buChar char="●"/>
               <a:defRPr sz="1100"/>
             </a:lvl4pPr>
-            <a:lvl5pPr indent="-298450" lvl="4" marL="2286000">
+            <a:lvl5pPr marL="2286000" lvl="4" indent="-298450">
               <a:spcBef>
                 <a:spcPts val="0"/>
               </a:spcBef>
@@ -413,7 +470,7 @@
               <a:buChar char="○"/>
               <a:defRPr sz="1100"/>
             </a:lvl5pPr>
-            <a:lvl6pPr indent="-298450" lvl="5" marL="2743200">
+            <a:lvl6pPr marL="2743200" lvl="5" indent="-298450">
               <a:spcBef>
                 <a:spcPts val="0"/>
               </a:spcBef>
@@ -424,7 +481,7 @@
               <a:buChar char="■"/>
               <a:defRPr sz="1100"/>
             </a:lvl6pPr>
-            <a:lvl7pPr indent="-298450" lvl="6" marL="3200400">
+            <a:lvl7pPr marL="3200400" lvl="6" indent="-298450">
               <a:spcBef>
                 <a:spcPts val="0"/>
               </a:spcBef>
@@ -435,7 +492,7 @@
               <a:buChar char="●"/>
               <a:defRPr sz="1100"/>
             </a:lvl7pPr>
-            <a:lvl8pPr indent="-298450" lvl="7" marL="3657600">
+            <a:lvl8pPr marL="3657600" lvl="7" indent="-298450">
               <a:spcBef>
                 <a:spcPts val="0"/>
               </a:spcBef>
@@ -446,7 +503,7 @@
               <a:buChar char="○"/>
               <a:defRPr sz="1100"/>
             </a:lvl8pPr>
-            <a:lvl9pPr indent="-298450" lvl="8" marL="4114800">
+            <a:lvl9pPr marL="4114800" lvl="8" indent="-298450">
               <a:spcBef>
                 <a:spcPts val="0"/>
               </a:spcBef>
@@ -458,14 +515,16 @@
               <a:defRPr sz="1100"/>
             </a:lvl9pPr>
           </a:lstStyle>
-          <a:p/>
+          <a:p>
+            <a:endParaRPr/>
+          </a:p>
         </p:txBody>
       </p:sp>
     </p:spTree>
   </p:cSld>
-  <p:clrMap accent1="accent1" accent2="accent2" accent3="accent3" accent4="accent4" accent5="accent5" accent6="accent6" bg1="lt1" bg2="dk2" tx1="dk1" tx2="lt2" folHlink="folHlink" hlink="hlink"/>
+  <p:clrMap bg1="lt1" tx1="dk1" bg2="dk2" tx2="lt2" accent1="accent1" accent2="accent2" accent3="accent3" accent4="accent4" accent5="accent5" accent6="accent6" hlink="hlink" folHlink="folHlink"/>
   <p:notesStyle>
-    <a:defPPr lvl="0" marR="0" rtl="0" algn="l">
+    <a:defPPr marR="0" lvl="0" algn="l" rtl="0">
       <a:lnSpc>
         <a:spcPct val="100000"/>
       </a:lnSpc>
@@ -476,7 +535,7 @@
         <a:spcPts val="0"/>
       </a:spcAft>
     </a:defPPr>
-    <a:lvl1pPr lvl="0" marR="0" rtl="0" algn="l">
+    <a:lvl1pPr marR="0" lvl="0" algn="l" rtl="0">
       <a:lnSpc>
         <a:spcPct val="100000"/>
       </a:lnSpc>
@@ -490,7 +549,7 @@
         <a:srgbClr val="000000"/>
       </a:buClr>
       <a:buFont typeface="Arial"/>
-      <a:defRPr b="0" i="0" sz="1400" u="none" cap="none" strike="noStrike">
+      <a:defRPr sz="1400" b="0" i="0" u="none" strike="noStrike" cap="none">
         <a:solidFill>
           <a:srgbClr val="000000"/>
         </a:solidFill>
@@ -500,7 +559,7 @@
         <a:sym typeface="Arial"/>
       </a:defRPr>
     </a:lvl1pPr>
-    <a:lvl2pPr lvl="1" marR="0" rtl="0" algn="l">
+    <a:lvl2pPr marR="0" lvl="1" algn="l" rtl="0">
       <a:lnSpc>
         <a:spcPct val="100000"/>
       </a:lnSpc>
@@ -514,7 +573,7 @@
         <a:srgbClr val="000000"/>
       </a:buClr>
       <a:buFont typeface="Arial"/>
-      <a:defRPr b="0" i="0" sz="1400" u="none" cap="none" strike="noStrike">
+      <a:defRPr sz="1400" b="0" i="0" u="none" strike="noStrike" cap="none">
         <a:solidFill>
           <a:srgbClr val="000000"/>
         </a:solidFill>
@@ -524,7 +583,7 @@
         <a:sym typeface="Arial"/>
       </a:defRPr>
     </a:lvl2pPr>
-    <a:lvl3pPr lvl="2" marR="0" rtl="0" algn="l">
+    <a:lvl3pPr marR="0" lvl="2" algn="l" rtl="0">
       <a:lnSpc>
         <a:spcPct val="100000"/>
       </a:lnSpc>
@@ -538,7 +597,7 @@
         <a:srgbClr val="000000"/>
       </a:buClr>
       <a:buFont typeface="Arial"/>
-      <a:defRPr b="0" i="0" sz="1400" u="none" cap="none" strike="noStrike">
+      <a:defRPr sz="1400" b="0" i="0" u="none" strike="noStrike" cap="none">
         <a:solidFill>
           <a:srgbClr val="000000"/>
         </a:solidFill>
@@ -548,7 +607,7 @@
         <a:sym typeface="Arial"/>
       </a:defRPr>
     </a:lvl3pPr>
-    <a:lvl4pPr lvl="3" marR="0" rtl="0" algn="l">
+    <a:lvl4pPr marR="0" lvl="3" algn="l" rtl="0">
       <a:lnSpc>
         <a:spcPct val="100000"/>
       </a:lnSpc>
@@ -562,7 +621,7 @@
         <a:srgbClr val="000000"/>
       </a:buClr>
       <a:buFont typeface="Arial"/>
-      <a:defRPr b="0" i="0" sz="1400" u="none" cap="none" strike="noStrike">
+      <a:defRPr sz="1400" b="0" i="0" u="none" strike="noStrike" cap="none">
         <a:solidFill>
           <a:srgbClr val="000000"/>
         </a:solidFill>
@@ -572,7 +631,7 @@
         <a:sym typeface="Arial"/>
       </a:defRPr>
     </a:lvl4pPr>
-    <a:lvl5pPr lvl="4" marR="0" rtl="0" algn="l">
+    <a:lvl5pPr marR="0" lvl="4" algn="l" rtl="0">
       <a:lnSpc>
         <a:spcPct val="100000"/>
       </a:lnSpc>
@@ -586,7 +645,7 @@
         <a:srgbClr val="000000"/>
       </a:buClr>
       <a:buFont typeface="Arial"/>
-      <a:defRPr b="0" i="0" sz="1400" u="none" cap="none" strike="noStrike">
+      <a:defRPr sz="1400" b="0" i="0" u="none" strike="noStrike" cap="none">
         <a:solidFill>
           <a:srgbClr val="000000"/>
         </a:solidFill>
@@ -596,7 +655,7 @@
         <a:sym typeface="Arial"/>
       </a:defRPr>
     </a:lvl5pPr>
-    <a:lvl6pPr lvl="5" marR="0" rtl="0" algn="l">
+    <a:lvl6pPr marR="0" lvl="5" algn="l" rtl="0">
       <a:lnSpc>
         <a:spcPct val="100000"/>
       </a:lnSpc>
@@ -610,7 +669,7 @@
         <a:srgbClr val="000000"/>
       </a:buClr>
       <a:buFont typeface="Arial"/>
-      <a:defRPr b="0" i="0" sz="1400" u="none" cap="none" strike="noStrike">
+      <a:defRPr sz="1400" b="0" i="0" u="none" strike="noStrike" cap="none">
         <a:solidFill>
           <a:srgbClr val="000000"/>
         </a:solidFill>
@@ -620,7 +679,7 @@
         <a:sym typeface="Arial"/>
       </a:defRPr>
     </a:lvl6pPr>
-    <a:lvl7pPr lvl="6" marR="0" rtl="0" algn="l">
+    <a:lvl7pPr marR="0" lvl="6" algn="l" rtl="0">
       <a:lnSpc>
         <a:spcPct val="100000"/>
       </a:lnSpc>
@@ -634,7 +693,7 @@
         <a:srgbClr val="000000"/>
       </a:buClr>
       <a:buFont typeface="Arial"/>
-      <a:defRPr b="0" i="0" sz="1400" u="none" cap="none" strike="noStrike">
+      <a:defRPr sz="1400" b="0" i="0" u="none" strike="noStrike" cap="none">
         <a:solidFill>
           <a:srgbClr val="000000"/>
         </a:solidFill>
@@ -644,7 +703,7 @@
         <a:sym typeface="Arial"/>
       </a:defRPr>
     </a:lvl7pPr>
-    <a:lvl8pPr lvl="7" marR="0" rtl="0" algn="l">
+    <a:lvl8pPr marR="0" lvl="7" algn="l" rtl="0">
       <a:lnSpc>
         <a:spcPct val="100000"/>
       </a:lnSpc>
@@ -658,7 +717,7 @@
         <a:srgbClr val="000000"/>
       </a:buClr>
       <a:buFont typeface="Arial"/>
-      <a:defRPr b="0" i="0" sz="1400" u="none" cap="none" strike="noStrike">
+      <a:defRPr sz="1400" b="0" i="0" u="none" strike="noStrike" cap="none">
         <a:solidFill>
           <a:srgbClr val="000000"/>
         </a:solidFill>
@@ -668,7 +727,7 @@
         <a:sym typeface="Arial"/>
       </a:defRPr>
     </a:lvl8pPr>
-    <a:lvl9pPr lvl="8" marR="0" rtl="0" algn="l">
+    <a:lvl9pPr marR="0" lvl="8" algn="l" rtl="0">
       <a:lnSpc>
         <a:spcPct val="100000"/>
       </a:lnSpc>
@@ -682,7 +741,7 @@
         <a:srgbClr val="000000"/>
       </a:buClr>
       <a:buFont typeface="Arial"/>
-      <a:defRPr b="0" i="0" sz="1400" u="none" cap="none" strike="noStrike">
+      <a:defRPr sz="1400" b="0" i="0" u="none" strike="noStrike" cap="none">
         <a:solidFill>
           <a:srgbClr val="000000"/>
         </a:solidFill>
@@ -697,11 +756,11 @@
 </file>
 
 <file path=ppt/notesSlides/notesSlide1.xml><?xml version="1.0" encoding="utf-8"?>
-<p:notes xmlns:a="http://schemas.openxmlformats.org/drawingml/2006/main" xmlns:r="http://schemas.openxmlformats.org/officeDocument/2006/relationships" xmlns:mc="http://schemas.openxmlformats.org/markup-compatibility/2006" xmlns:mv="urn:schemas-microsoft-com:mac:vml" xmlns:p="http://schemas.openxmlformats.org/presentationml/2006/main" xmlns:c="http://schemas.openxmlformats.org/drawingml/2006/chart" xmlns:dgm="http://schemas.openxmlformats.org/drawingml/2006/diagram" xmlns:o="urn:schemas-microsoft-com:office:office" xmlns:v="urn:schemas-microsoft-com:vml" xmlns:pvml="urn:schemas-microsoft-com:office:powerpoint" xmlns:com="http://schemas.openxmlformats.org/drawingml/2006/compatibility" xmlns:p14="http://schemas.microsoft.com/office/powerpoint/2010/main" xmlns:p15="http://schemas.microsoft.com/office/powerpoint/2012/main" xmlns:ahyp="http://schemas.microsoft.com/office/drawing/2018/hyperlinkcolor" showMasterPhAnim="0" showMasterSp="0">
+<p:notes xmlns:a="http://schemas.openxmlformats.org/drawingml/2006/main" xmlns:r="http://schemas.openxmlformats.org/officeDocument/2006/relationships" xmlns:p="http://schemas.openxmlformats.org/presentationml/2006/main" showMasterSp="0" showMasterPhAnim="0">
   <p:cSld>
     <p:spTree>
       <p:nvGrpSpPr>
-        <p:cNvPr id="50" name="Shape 50"/>
+        <p:cNvPr id="1" name="Shape 50"/>
         <p:cNvGrpSpPr/>
         <p:nvPr/>
       </p:nvGrpSpPr>
@@ -716,9 +775,11 @@
       <p:sp>
         <p:nvSpPr>
           <p:cNvPr id="51" name="Google Shape;51;p:notes"/>
-          <p:cNvSpPr/>
+          <p:cNvSpPr>
+            <a:spLocks noGrp="1" noRot="1" noChangeAspect="1"/>
+          </p:cNvSpPr>
           <p:nvPr>
-            <p:ph idx="2" type="sldImg"/>
+            <p:ph type="sldImg" idx="2"/>
           </p:nvPr>
         </p:nvSpPr>
         <p:spPr>
@@ -727,9 +788,13 @@
             <a:ext cx="6096075" cy="3429000"/>
           </a:xfrm>
           <a:custGeom>
-            <a:rect b="b" l="l" r="r" t="t"/>
+            <a:avLst/>
+            <a:gdLst/>
+            <a:ahLst/>
+            <a:cxnLst/>
+            <a:rect l="l" t="t" r="r" b="b"/>
             <a:pathLst>
-              <a:path extrusionOk="0" h="120000" w="120000">
+              <a:path w="120000" h="120000" extrusionOk="0">
                 <a:moveTo>
                   <a:pt x="0" y="0"/>
                 </a:moveTo>
@@ -751,9 +816,11 @@
       <p:sp>
         <p:nvSpPr>
           <p:cNvPr id="52" name="Google Shape;52;p:notes"/>
-          <p:cNvSpPr txBox="1"/>
+          <p:cNvSpPr txBox="1">
+            <a:spLocks noGrp="1"/>
+          </p:cNvSpPr>
           <p:nvPr>
-            <p:ph idx="1" type="body"/>
+            <p:ph type="body" idx="1"/>
           </p:nvPr>
         </p:nvSpPr>
         <p:spPr>
@@ -766,23 +833,20 @@
           </a:prstGeom>
         </p:spPr>
         <p:txBody>
-          <a:bodyPr anchorCtr="0" anchor="t" bIns="91425" lIns="91425" spcFirstLastPara="1" rIns="91425" wrap="square" tIns="91425">
+          <a:bodyPr spcFirstLastPara="1" wrap="square" lIns="91425" tIns="91425" rIns="91425" bIns="91425" anchor="t" anchorCtr="0">
             <a:noAutofit/>
           </a:bodyPr>
           <a:lstStyle/>
           <a:p>
-            <a:pPr indent="0" lvl="0" marL="0" rtl="0" algn="l">
-              <a:spcBef>
-                <a:spcPts val="0"/>
-              </a:spcBef>
-              <a:spcAft>
-                <a:spcPts val="0"/>
-              </a:spcAft>
-              <a:buNone/>
-            </a:pPr>
-            <a:r>
-              <a:t/>
-            </a:r>
+            <a:pPr marL="0" lvl="0" indent="0" algn="l" rtl="0">
+              <a:spcBef>
+                <a:spcPts val="0"/>
+              </a:spcBef>
+              <a:spcAft>
+                <a:spcPts val="0"/>
+              </a:spcAft>
+              <a:buNone/>
+            </a:pPr>
             <a:endParaRPr/>
           </a:p>
         </p:txBody>
@@ -796,11 +860,11 @@
 </file>
 
 <file path=ppt/notesSlides/notesSlide10.xml><?xml version="1.0" encoding="utf-8"?>
-<p:notes xmlns:a="http://schemas.openxmlformats.org/drawingml/2006/main" xmlns:r="http://schemas.openxmlformats.org/officeDocument/2006/relationships" xmlns:mc="http://schemas.openxmlformats.org/markup-compatibility/2006" xmlns:mv="urn:schemas-microsoft-com:mac:vml" xmlns:p="http://schemas.openxmlformats.org/presentationml/2006/main" xmlns:c="http://schemas.openxmlformats.org/drawingml/2006/chart" xmlns:dgm="http://schemas.openxmlformats.org/drawingml/2006/diagram" xmlns:o="urn:schemas-microsoft-com:office:office" xmlns:v="urn:schemas-microsoft-com:vml" xmlns:pvml="urn:schemas-microsoft-com:office:powerpoint" xmlns:com="http://schemas.openxmlformats.org/drawingml/2006/compatibility" xmlns:p14="http://schemas.microsoft.com/office/powerpoint/2010/main" xmlns:p15="http://schemas.microsoft.com/office/powerpoint/2012/main" xmlns:ahyp="http://schemas.microsoft.com/office/drawing/2018/hyperlinkcolor" showMasterPhAnim="0" showMasterSp="0">
+<p:notes xmlns:a="http://schemas.openxmlformats.org/drawingml/2006/main" xmlns:r="http://schemas.openxmlformats.org/officeDocument/2006/relationships" xmlns:p="http://schemas.openxmlformats.org/presentationml/2006/main" showMasterSp="0" showMasterPhAnim="0">
   <p:cSld>
     <p:spTree>
       <p:nvGrpSpPr>
-        <p:cNvPr id="104" name="Shape 104"/>
+        <p:cNvPr id="1" name="Shape 104"/>
         <p:cNvGrpSpPr/>
         <p:nvPr/>
       </p:nvGrpSpPr>
@@ -815,9 +879,11 @@
       <p:sp>
         <p:nvSpPr>
           <p:cNvPr id="105" name="Google Shape;105;g2af3eaca496_0_73:notes"/>
-          <p:cNvSpPr/>
+          <p:cNvSpPr>
+            <a:spLocks noGrp="1" noRot="1" noChangeAspect="1"/>
+          </p:cNvSpPr>
           <p:nvPr>
-            <p:ph idx="2" type="sldImg"/>
+            <p:ph type="sldImg" idx="2"/>
           </p:nvPr>
         </p:nvSpPr>
         <p:spPr>
@@ -826,9 +892,13 @@
             <a:ext cx="6096000" cy="3429000"/>
           </a:xfrm>
           <a:custGeom>
-            <a:rect b="b" l="l" r="r" t="t"/>
+            <a:avLst/>
+            <a:gdLst/>
+            <a:ahLst/>
+            <a:cxnLst/>
+            <a:rect l="l" t="t" r="r" b="b"/>
             <a:pathLst>
-              <a:path extrusionOk="0" h="120000" w="120000">
+              <a:path w="120000" h="120000" extrusionOk="0">
                 <a:moveTo>
                   <a:pt x="0" y="0"/>
                 </a:moveTo>
@@ -850,9 +920,11 @@
       <p:sp>
         <p:nvSpPr>
           <p:cNvPr id="106" name="Google Shape;106;g2af3eaca496_0_73:notes"/>
-          <p:cNvSpPr txBox="1"/>
+          <p:cNvSpPr txBox="1">
+            <a:spLocks noGrp="1"/>
+          </p:cNvSpPr>
           <p:nvPr>
-            <p:ph idx="1" type="body"/>
+            <p:ph type="body" idx="1"/>
           </p:nvPr>
         </p:nvSpPr>
         <p:spPr>
@@ -865,23 +937,20 @@
           </a:prstGeom>
         </p:spPr>
         <p:txBody>
-          <a:bodyPr anchorCtr="0" anchor="t" bIns="91425" lIns="91425" spcFirstLastPara="1" rIns="91425" wrap="square" tIns="91425">
+          <a:bodyPr spcFirstLastPara="1" wrap="square" lIns="91425" tIns="91425" rIns="91425" bIns="91425" anchor="t" anchorCtr="0">
             <a:noAutofit/>
           </a:bodyPr>
           <a:lstStyle/>
           <a:p>
-            <a:pPr indent="0" lvl="0" marL="0" rtl="0" algn="l">
-              <a:spcBef>
-                <a:spcPts val="0"/>
-              </a:spcBef>
-              <a:spcAft>
-                <a:spcPts val="0"/>
-              </a:spcAft>
-              <a:buNone/>
-            </a:pPr>
-            <a:r>
-              <a:t/>
-            </a:r>
+            <a:pPr marL="0" lvl="0" indent="0" algn="l" rtl="0">
+              <a:spcBef>
+                <a:spcPts val="0"/>
+              </a:spcBef>
+              <a:spcAft>
+                <a:spcPts val="0"/>
+              </a:spcAft>
+              <a:buNone/>
+            </a:pPr>
             <a:endParaRPr/>
           </a:p>
         </p:txBody>
@@ -895,11 +964,11 @@
 </file>
 
 <file path=ppt/notesSlides/notesSlide11.xml><?xml version="1.0" encoding="utf-8"?>
-<p:notes xmlns:a="http://schemas.openxmlformats.org/drawingml/2006/main" xmlns:r="http://schemas.openxmlformats.org/officeDocument/2006/relationships" xmlns:mc="http://schemas.openxmlformats.org/markup-compatibility/2006" xmlns:mv="urn:schemas-microsoft-com:mac:vml" xmlns:p="http://schemas.openxmlformats.org/presentationml/2006/main" xmlns:c="http://schemas.openxmlformats.org/drawingml/2006/chart" xmlns:dgm="http://schemas.openxmlformats.org/drawingml/2006/diagram" xmlns:o="urn:schemas-microsoft-com:office:office" xmlns:v="urn:schemas-microsoft-com:vml" xmlns:pvml="urn:schemas-microsoft-com:office:powerpoint" xmlns:com="http://schemas.openxmlformats.org/drawingml/2006/compatibility" xmlns:p14="http://schemas.microsoft.com/office/powerpoint/2010/main" xmlns:p15="http://schemas.microsoft.com/office/powerpoint/2012/main" xmlns:ahyp="http://schemas.microsoft.com/office/drawing/2018/hyperlinkcolor" showMasterPhAnim="0" showMasterSp="0">
+<p:notes xmlns:a="http://schemas.openxmlformats.org/drawingml/2006/main" xmlns:r="http://schemas.openxmlformats.org/officeDocument/2006/relationships" xmlns:p="http://schemas.openxmlformats.org/presentationml/2006/main" showMasterSp="0" showMasterPhAnim="0">
   <p:cSld>
     <p:spTree>
       <p:nvGrpSpPr>
-        <p:cNvPr id="110" name="Shape 110"/>
+        <p:cNvPr id="1" name="Shape 110"/>
         <p:cNvGrpSpPr/>
         <p:nvPr/>
       </p:nvGrpSpPr>
@@ -914,9 +983,11 @@
       <p:sp>
         <p:nvSpPr>
           <p:cNvPr id="111" name="Google Shape;111;g2af3eaca496_0_81:notes"/>
-          <p:cNvSpPr/>
+          <p:cNvSpPr>
+            <a:spLocks noGrp="1" noRot="1" noChangeAspect="1"/>
+          </p:cNvSpPr>
           <p:nvPr>
-            <p:ph idx="2" type="sldImg"/>
+            <p:ph type="sldImg" idx="2"/>
           </p:nvPr>
         </p:nvSpPr>
         <p:spPr>
@@ -925,9 +996,13 @@
             <a:ext cx="6096000" cy="3429000"/>
           </a:xfrm>
           <a:custGeom>
-            <a:rect b="b" l="l" r="r" t="t"/>
+            <a:avLst/>
+            <a:gdLst/>
+            <a:ahLst/>
+            <a:cxnLst/>
+            <a:rect l="l" t="t" r="r" b="b"/>
             <a:pathLst>
-              <a:path extrusionOk="0" h="120000" w="120000">
+              <a:path w="120000" h="120000" extrusionOk="0">
                 <a:moveTo>
                   <a:pt x="0" y="0"/>
                 </a:moveTo>
@@ -949,9 +1024,11 @@
       <p:sp>
         <p:nvSpPr>
           <p:cNvPr id="112" name="Google Shape;112;g2af3eaca496_0_81:notes"/>
-          <p:cNvSpPr txBox="1"/>
+          <p:cNvSpPr txBox="1">
+            <a:spLocks noGrp="1"/>
+          </p:cNvSpPr>
           <p:nvPr>
-            <p:ph idx="1" type="body"/>
+            <p:ph type="body" idx="1"/>
           </p:nvPr>
         </p:nvSpPr>
         <p:spPr>
@@ -964,12 +1041,12 @@
           </a:prstGeom>
         </p:spPr>
         <p:txBody>
-          <a:bodyPr anchorCtr="0" anchor="t" bIns="91425" lIns="91425" spcFirstLastPara="1" rIns="91425" wrap="square" tIns="91425">
+          <a:bodyPr spcFirstLastPara="1" wrap="square" lIns="91425" tIns="91425" rIns="91425" bIns="91425" anchor="t" anchorCtr="0">
             <a:noAutofit/>
           </a:bodyPr>
           <a:lstStyle/>
           <a:p>
-            <a:pPr indent="0" lvl="0" marL="0" rtl="0" algn="l">
+            <a:pPr marL="0" lvl="0" indent="0" algn="l" rtl="0">
               <a:spcBef>
                 <a:spcPts val="0"/>
               </a:spcBef>
@@ -990,7 +1067,7 @@
             <a:endParaRPr/>
           </a:p>
           <a:p>
-            <a:pPr indent="0" lvl="0" marL="0" rtl="0" algn="l">
+            <a:pPr marL="0" lvl="0" indent="0" algn="l" rtl="0">
               <a:spcBef>
                 <a:spcPts val="0"/>
               </a:spcBef>
@@ -1011,7 +1088,7 @@
             <a:endParaRPr/>
           </a:p>
           <a:p>
-            <a:pPr indent="0" lvl="0" marL="0" rtl="0" algn="l">
+            <a:pPr marL="0" lvl="0" indent="0" algn="l" rtl="0">
               <a:spcBef>
                 <a:spcPts val="0"/>
               </a:spcBef>
@@ -1032,7 +1109,7 @@
             <a:endParaRPr/>
           </a:p>
           <a:p>
-            <a:pPr indent="0" lvl="0" marL="0" rtl="0" algn="l">
+            <a:pPr marL="0" lvl="0" indent="0" algn="l" rtl="0">
               <a:spcBef>
                 <a:spcPts val="0"/>
               </a:spcBef>
@@ -1053,7 +1130,7 @@
             <a:endParaRPr/>
           </a:p>
           <a:p>
-            <a:pPr indent="0" lvl="0" marL="0" rtl="0" algn="l">
+            <a:pPr marL="0" lvl="0" indent="0" algn="l" rtl="0">
               <a:spcBef>
                 <a:spcPts val="0"/>
               </a:spcBef>
@@ -1074,7 +1151,7 @@
             <a:endParaRPr/>
           </a:p>
           <a:p>
-            <a:pPr indent="0" lvl="0" marL="0" rtl="0" algn="l">
+            <a:pPr marL="0" lvl="0" indent="0" algn="l" rtl="0">
               <a:spcBef>
                 <a:spcPts val="0"/>
               </a:spcBef>
@@ -1088,13 +1165,10 @@
               <a:buFont typeface="Arial"/>
               <a:buNone/>
             </a:pPr>
-            <a:r>
-              <a:t/>
-            </a:r>
             <a:endParaRPr/>
           </a:p>
           <a:p>
-            <a:pPr indent="0" lvl="0" marL="0" rtl="0" algn="l">
+            <a:pPr marL="0" lvl="0" indent="0" algn="l" rtl="0">
               <a:spcBef>
                 <a:spcPts val="0"/>
               </a:spcBef>
@@ -1115,7 +1189,7 @@
             <a:endParaRPr/>
           </a:p>
           <a:p>
-            <a:pPr indent="0" lvl="0" marL="0" rtl="0" algn="l">
+            <a:pPr marL="0" lvl="0" indent="0" algn="l" rtl="0">
               <a:spcBef>
                 <a:spcPts val="0"/>
               </a:spcBef>
@@ -1129,13 +1203,10 @@
               <a:buFont typeface="Arial"/>
               <a:buNone/>
             </a:pPr>
-            <a:r>
-              <a:t/>
-            </a:r>
             <a:endParaRPr/>
           </a:p>
           <a:p>
-            <a:pPr indent="0" lvl="0" marL="0" rtl="0" algn="l">
+            <a:pPr marL="0" lvl="0" indent="0" algn="l" rtl="0">
               <a:spcBef>
                 <a:spcPts val="0"/>
               </a:spcBef>
@@ -1156,7 +1227,7 @@
             <a:endParaRPr/>
           </a:p>
           <a:p>
-            <a:pPr indent="0" lvl="0" marL="0" rtl="0" algn="l">
+            <a:pPr marL="0" lvl="0" indent="0" algn="l" rtl="0">
               <a:spcBef>
                 <a:spcPts val="0"/>
               </a:spcBef>
@@ -1177,7 +1248,7 @@
             <a:endParaRPr/>
           </a:p>
           <a:p>
-            <a:pPr indent="0" lvl="0" marL="0" rtl="0" algn="l">
+            <a:pPr marL="0" lvl="0" indent="0" algn="l" rtl="0">
               <a:spcBef>
                 <a:spcPts val="0"/>
               </a:spcBef>
@@ -1191,13 +1262,10 @@
               <a:buFont typeface="Arial"/>
               <a:buNone/>
             </a:pPr>
-            <a:r>
-              <a:t/>
-            </a:r>
             <a:endParaRPr/>
           </a:p>
           <a:p>
-            <a:pPr indent="0" lvl="0" marL="0" rtl="0" algn="l">
+            <a:pPr marL="0" lvl="0" indent="0" algn="l" rtl="0">
               <a:spcBef>
                 <a:spcPts val="0"/>
               </a:spcBef>
@@ -1218,7 +1286,7 @@
             <a:endParaRPr/>
           </a:p>
           <a:p>
-            <a:pPr indent="0" lvl="0" marL="0" rtl="0" algn="l">
+            <a:pPr marL="0" lvl="0" indent="0" algn="l" rtl="0">
               <a:spcBef>
                 <a:spcPts val="0"/>
               </a:spcBef>
@@ -1239,7 +1307,7 @@
             <a:endParaRPr/>
           </a:p>
           <a:p>
-            <a:pPr indent="0" lvl="0" marL="0" rtl="0" algn="l">
+            <a:pPr marL="0" lvl="0" indent="0" algn="l" rtl="0">
               <a:spcBef>
                 <a:spcPts val="0"/>
               </a:spcBef>
@@ -1260,7 +1328,7 @@
             <a:endParaRPr/>
           </a:p>
           <a:p>
-            <a:pPr indent="0" lvl="0" marL="0" rtl="0" algn="l">
+            <a:pPr marL="0" lvl="0" indent="0" algn="l" rtl="0">
               <a:spcBef>
                 <a:spcPts val="0"/>
               </a:spcBef>
@@ -1281,7 +1349,7 @@
             <a:endParaRPr/>
           </a:p>
           <a:p>
-            <a:pPr indent="0" lvl="0" marL="0" rtl="0" algn="l">
+            <a:pPr marL="0" lvl="0" indent="0" algn="l" rtl="0">
               <a:spcBef>
                 <a:spcPts val="0"/>
               </a:spcBef>
@@ -1302,7 +1370,7 @@
             <a:endParaRPr/>
           </a:p>
           <a:p>
-            <a:pPr indent="0" lvl="0" marL="0" rtl="0" algn="l">
+            <a:pPr marL="0" lvl="0" indent="0" algn="l" rtl="0">
               <a:spcBef>
                 <a:spcPts val="0"/>
               </a:spcBef>
@@ -1323,7 +1391,7 @@
             <a:endParaRPr/>
           </a:p>
           <a:p>
-            <a:pPr indent="0" lvl="0" marL="0" rtl="0" algn="l">
+            <a:pPr marL="0" lvl="0" indent="0" algn="l" rtl="0">
               <a:spcBef>
                 <a:spcPts val="0"/>
               </a:spcBef>
@@ -1344,7 +1412,7 @@
             <a:endParaRPr/>
           </a:p>
           <a:p>
-            <a:pPr indent="0" lvl="0" marL="0" rtl="0" algn="l">
+            <a:pPr marL="0" lvl="0" indent="0" algn="l" rtl="0">
               <a:spcBef>
                 <a:spcPts val="0"/>
               </a:spcBef>
@@ -1365,7 +1433,7 @@
             <a:endParaRPr/>
           </a:p>
           <a:p>
-            <a:pPr indent="0" lvl="0" marL="0" rtl="0" algn="l">
+            <a:pPr marL="0" lvl="0" indent="0" algn="l" rtl="0">
               <a:spcBef>
                 <a:spcPts val="0"/>
               </a:spcBef>
@@ -1386,7 +1454,7 @@
             <a:endParaRPr/>
           </a:p>
           <a:p>
-            <a:pPr indent="0" lvl="0" marL="0" rtl="0" algn="l">
+            <a:pPr marL="0" lvl="0" indent="0" algn="l" rtl="0">
               <a:spcBef>
                 <a:spcPts val="0"/>
               </a:spcBef>
@@ -1407,18 +1475,15 @@
             <a:endParaRPr/>
           </a:p>
           <a:p>
-            <a:pPr indent="0" lvl="0" marL="0" rtl="0" algn="l">
-              <a:spcBef>
-                <a:spcPts val="0"/>
-              </a:spcBef>
-              <a:spcAft>
-                <a:spcPts val="0"/>
-              </a:spcAft>
-              <a:buNone/>
-            </a:pPr>
-            <a:r>
-              <a:t/>
-            </a:r>
+            <a:pPr marL="0" lvl="0" indent="0" algn="l" rtl="0">
+              <a:spcBef>
+                <a:spcPts val="0"/>
+              </a:spcBef>
+              <a:spcAft>
+                <a:spcPts val="0"/>
+              </a:spcAft>
+              <a:buNone/>
+            </a:pPr>
             <a:endParaRPr/>
           </a:p>
         </p:txBody>
@@ -1432,11 +1497,11 @@
 </file>
 
 <file path=ppt/notesSlides/notesSlide2.xml><?xml version="1.0" encoding="utf-8"?>
-<p:notes xmlns:a="http://schemas.openxmlformats.org/drawingml/2006/main" xmlns:r="http://schemas.openxmlformats.org/officeDocument/2006/relationships" xmlns:mc="http://schemas.openxmlformats.org/markup-compatibility/2006" xmlns:mv="urn:schemas-microsoft-com:mac:vml" xmlns:p="http://schemas.openxmlformats.org/presentationml/2006/main" xmlns:c="http://schemas.openxmlformats.org/drawingml/2006/chart" xmlns:dgm="http://schemas.openxmlformats.org/drawingml/2006/diagram" xmlns:o="urn:schemas-microsoft-com:office:office" xmlns:v="urn:schemas-microsoft-com:vml" xmlns:pvml="urn:schemas-microsoft-com:office:powerpoint" xmlns:com="http://schemas.openxmlformats.org/drawingml/2006/compatibility" xmlns:p14="http://schemas.microsoft.com/office/powerpoint/2010/main" xmlns:p15="http://schemas.microsoft.com/office/powerpoint/2012/main" xmlns:ahyp="http://schemas.microsoft.com/office/drawing/2018/hyperlinkcolor" showMasterPhAnim="0" showMasterSp="0">
+<p:notes xmlns:a="http://schemas.openxmlformats.org/drawingml/2006/main" xmlns:r="http://schemas.openxmlformats.org/officeDocument/2006/relationships" xmlns:p="http://schemas.openxmlformats.org/presentationml/2006/main" showMasterSp="0" showMasterPhAnim="0">
   <p:cSld>
     <p:spTree>
       <p:nvGrpSpPr>
-        <p:cNvPr id="56" name="Shape 56"/>
+        <p:cNvPr id="1" name="Shape 56"/>
         <p:cNvGrpSpPr/>
         <p:nvPr/>
       </p:nvGrpSpPr>
@@ -1451,9 +1516,11 @@
       <p:sp>
         <p:nvSpPr>
           <p:cNvPr id="57" name="Google Shape;57;g2af3eaca496_0_3:notes"/>
-          <p:cNvSpPr/>
+          <p:cNvSpPr>
+            <a:spLocks noGrp="1" noRot="1" noChangeAspect="1"/>
+          </p:cNvSpPr>
           <p:nvPr>
-            <p:ph idx="2" type="sldImg"/>
+            <p:ph type="sldImg" idx="2"/>
           </p:nvPr>
         </p:nvSpPr>
         <p:spPr>
@@ -1462,9 +1529,13 @@
             <a:ext cx="6096000" cy="3429000"/>
           </a:xfrm>
           <a:custGeom>
-            <a:rect b="b" l="l" r="r" t="t"/>
+            <a:avLst/>
+            <a:gdLst/>
+            <a:ahLst/>
+            <a:cxnLst/>
+            <a:rect l="l" t="t" r="r" b="b"/>
             <a:pathLst>
-              <a:path extrusionOk="0" h="120000" w="120000">
+              <a:path w="120000" h="120000" extrusionOk="0">
                 <a:moveTo>
                   <a:pt x="0" y="0"/>
                 </a:moveTo>
@@ -1486,9 +1557,11 @@
       <p:sp>
         <p:nvSpPr>
           <p:cNvPr id="58" name="Google Shape;58;g2af3eaca496_0_3:notes"/>
-          <p:cNvSpPr txBox="1"/>
+          <p:cNvSpPr txBox="1">
+            <a:spLocks noGrp="1"/>
+          </p:cNvSpPr>
           <p:nvPr>
-            <p:ph idx="1" type="body"/>
+            <p:ph type="body" idx="1"/>
           </p:nvPr>
         </p:nvSpPr>
         <p:spPr>
@@ -1501,23 +1574,20 @@
           </a:prstGeom>
         </p:spPr>
         <p:txBody>
-          <a:bodyPr anchorCtr="0" anchor="t" bIns="91425" lIns="91425" spcFirstLastPara="1" rIns="91425" wrap="square" tIns="91425">
+          <a:bodyPr spcFirstLastPara="1" wrap="square" lIns="91425" tIns="91425" rIns="91425" bIns="91425" anchor="t" anchorCtr="0">
             <a:noAutofit/>
           </a:bodyPr>
           <a:lstStyle/>
           <a:p>
-            <a:pPr indent="0" lvl="0" marL="0" rtl="0" algn="l">
-              <a:spcBef>
-                <a:spcPts val="0"/>
-              </a:spcBef>
-              <a:spcAft>
-                <a:spcPts val="0"/>
-              </a:spcAft>
-              <a:buNone/>
-            </a:pPr>
-            <a:r>
-              <a:t/>
-            </a:r>
+            <a:pPr marL="0" lvl="0" indent="0" algn="l" rtl="0">
+              <a:spcBef>
+                <a:spcPts val="0"/>
+              </a:spcBef>
+              <a:spcAft>
+                <a:spcPts val="0"/>
+              </a:spcAft>
+              <a:buNone/>
+            </a:pPr>
             <a:endParaRPr/>
           </a:p>
         </p:txBody>
@@ -1531,11 +1601,11 @@
 </file>
 
 <file path=ppt/notesSlides/notesSlide3.xml><?xml version="1.0" encoding="utf-8"?>
-<p:notes xmlns:a="http://schemas.openxmlformats.org/drawingml/2006/main" xmlns:r="http://schemas.openxmlformats.org/officeDocument/2006/relationships" xmlns:mc="http://schemas.openxmlformats.org/markup-compatibility/2006" xmlns:mv="urn:schemas-microsoft-com:mac:vml" xmlns:p="http://schemas.openxmlformats.org/presentationml/2006/main" xmlns:c="http://schemas.openxmlformats.org/drawingml/2006/chart" xmlns:dgm="http://schemas.openxmlformats.org/drawingml/2006/diagram" xmlns:o="urn:schemas-microsoft-com:office:office" xmlns:v="urn:schemas-microsoft-com:vml" xmlns:pvml="urn:schemas-microsoft-com:office:powerpoint" xmlns:com="http://schemas.openxmlformats.org/drawingml/2006/compatibility" xmlns:p14="http://schemas.microsoft.com/office/powerpoint/2010/main" xmlns:p15="http://schemas.microsoft.com/office/powerpoint/2012/main" xmlns:ahyp="http://schemas.microsoft.com/office/drawing/2018/hyperlinkcolor" showMasterPhAnim="0" showMasterSp="0">
+<p:notes xmlns:a="http://schemas.openxmlformats.org/drawingml/2006/main" xmlns:r="http://schemas.openxmlformats.org/officeDocument/2006/relationships" xmlns:p="http://schemas.openxmlformats.org/presentationml/2006/main" showMasterSp="0" showMasterPhAnim="0">
   <p:cSld>
     <p:spTree>
       <p:nvGrpSpPr>
-        <p:cNvPr id="62" name="Shape 62"/>
+        <p:cNvPr id="1" name="Shape 62"/>
         <p:cNvGrpSpPr/>
         <p:nvPr/>
       </p:nvGrpSpPr>
@@ -1550,9 +1620,11 @@
       <p:sp>
         <p:nvSpPr>
           <p:cNvPr id="63" name="Google Shape;63;g2af3eaca496_0_12:notes"/>
-          <p:cNvSpPr/>
+          <p:cNvSpPr>
+            <a:spLocks noGrp="1" noRot="1" noChangeAspect="1"/>
+          </p:cNvSpPr>
           <p:nvPr>
-            <p:ph idx="2" type="sldImg"/>
+            <p:ph type="sldImg" idx="2"/>
           </p:nvPr>
         </p:nvSpPr>
         <p:spPr>
@@ -1561,9 +1633,13 @@
             <a:ext cx="6096000" cy="3429000"/>
           </a:xfrm>
           <a:custGeom>
-            <a:rect b="b" l="l" r="r" t="t"/>
+            <a:avLst/>
+            <a:gdLst/>
+            <a:ahLst/>
+            <a:cxnLst/>
+            <a:rect l="l" t="t" r="r" b="b"/>
             <a:pathLst>
-              <a:path extrusionOk="0" h="120000" w="120000">
+              <a:path w="120000" h="120000" extrusionOk="0">
                 <a:moveTo>
                   <a:pt x="0" y="0"/>
                 </a:moveTo>
@@ -1585,9 +1661,11 @@
       <p:sp>
         <p:nvSpPr>
           <p:cNvPr id="64" name="Google Shape;64;g2af3eaca496_0_12:notes"/>
-          <p:cNvSpPr txBox="1"/>
+          <p:cNvSpPr txBox="1">
+            <a:spLocks noGrp="1"/>
+          </p:cNvSpPr>
           <p:nvPr>
-            <p:ph idx="1" type="body"/>
+            <p:ph type="body" idx="1"/>
           </p:nvPr>
         </p:nvSpPr>
         <p:spPr>
@@ -1600,23 +1678,20 @@
           </a:prstGeom>
         </p:spPr>
         <p:txBody>
-          <a:bodyPr anchorCtr="0" anchor="t" bIns="91425" lIns="91425" spcFirstLastPara="1" rIns="91425" wrap="square" tIns="91425">
+          <a:bodyPr spcFirstLastPara="1" wrap="square" lIns="91425" tIns="91425" rIns="91425" bIns="91425" anchor="t" anchorCtr="0">
             <a:noAutofit/>
           </a:bodyPr>
           <a:lstStyle/>
           <a:p>
-            <a:pPr indent="0" lvl="0" marL="0" rtl="0" algn="l">
-              <a:spcBef>
-                <a:spcPts val="0"/>
-              </a:spcBef>
-              <a:spcAft>
-                <a:spcPts val="0"/>
-              </a:spcAft>
-              <a:buNone/>
-            </a:pPr>
-            <a:r>
-              <a:t/>
-            </a:r>
+            <a:pPr marL="0" lvl="0" indent="0" algn="l" rtl="0">
+              <a:spcBef>
+                <a:spcPts val="0"/>
+              </a:spcBef>
+              <a:spcAft>
+                <a:spcPts val="0"/>
+              </a:spcAft>
+              <a:buNone/>
+            </a:pPr>
             <a:endParaRPr/>
           </a:p>
         </p:txBody>
@@ -1630,11 +1705,11 @@
 </file>
 
 <file path=ppt/notesSlides/notesSlide4.xml><?xml version="1.0" encoding="utf-8"?>
-<p:notes xmlns:a="http://schemas.openxmlformats.org/drawingml/2006/main" xmlns:r="http://schemas.openxmlformats.org/officeDocument/2006/relationships" xmlns:mc="http://schemas.openxmlformats.org/markup-compatibility/2006" xmlns:mv="urn:schemas-microsoft-com:mac:vml" xmlns:p="http://schemas.openxmlformats.org/presentationml/2006/main" xmlns:c="http://schemas.openxmlformats.org/drawingml/2006/chart" xmlns:dgm="http://schemas.openxmlformats.org/drawingml/2006/diagram" xmlns:o="urn:schemas-microsoft-com:office:office" xmlns:v="urn:schemas-microsoft-com:vml" xmlns:pvml="urn:schemas-microsoft-com:office:powerpoint" xmlns:com="http://schemas.openxmlformats.org/drawingml/2006/compatibility" xmlns:p14="http://schemas.microsoft.com/office/powerpoint/2010/main" xmlns:p15="http://schemas.microsoft.com/office/powerpoint/2012/main" xmlns:ahyp="http://schemas.microsoft.com/office/drawing/2018/hyperlinkcolor" showMasterPhAnim="0" showMasterSp="0">
+<p:notes xmlns:a="http://schemas.openxmlformats.org/drawingml/2006/main" xmlns:r="http://schemas.openxmlformats.org/officeDocument/2006/relationships" xmlns:p="http://schemas.openxmlformats.org/presentationml/2006/main" showMasterSp="0" showMasterPhAnim="0">
   <p:cSld>
     <p:spTree>
       <p:nvGrpSpPr>
-        <p:cNvPr id="68" name="Shape 68"/>
+        <p:cNvPr id="1" name="Shape 68"/>
         <p:cNvGrpSpPr/>
         <p:nvPr/>
       </p:nvGrpSpPr>
@@ -1649,9 +1724,11 @@
       <p:sp>
         <p:nvSpPr>
           <p:cNvPr id="69" name="Google Shape;69;g2af3eaca496_0_20:notes"/>
-          <p:cNvSpPr/>
+          <p:cNvSpPr>
+            <a:spLocks noGrp="1" noRot="1" noChangeAspect="1"/>
+          </p:cNvSpPr>
           <p:nvPr>
-            <p:ph idx="2" type="sldImg"/>
+            <p:ph type="sldImg" idx="2"/>
           </p:nvPr>
         </p:nvSpPr>
         <p:spPr>
@@ -1660,9 +1737,13 @@
             <a:ext cx="6096000" cy="3429000"/>
           </a:xfrm>
           <a:custGeom>
-            <a:rect b="b" l="l" r="r" t="t"/>
+            <a:avLst/>
+            <a:gdLst/>
+            <a:ahLst/>
+            <a:cxnLst/>
+            <a:rect l="l" t="t" r="r" b="b"/>
             <a:pathLst>
-              <a:path extrusionOk="0" h="120000" w="120000">
+              <a:path w="120000" h="120000" extrusionOk="0">
                 <a:moveTo>
                   <a:pt x="0" y="0"/>
                 </a:moveTo>
@@ -1684,9 +1765,11 @@
       <p:sp>
         <p:nvSpPr>
           <p:cNvPr id="70" name="Google Shape;70;g2af3eaca496_0_20:notes"/>
-          <p:cNvSpPr txBox="1"/>
+          <p:cNvSpPr txBox="1">
+            <a:spLocks noGrp="1"/>
+          </p:cNvSpPr>
           <p:nvPr>
-            <p:ph idx="1" type="body"/>
+            <p:ph type="body" idx="1"/>
           </p:nvPr>
         </p:nvSpPr>
         <p:spPr>
@@ -1699,23 +1782,20 @@
           </a:prstGeom>
         </p:spPr>
         <p:txBody>
-          <a:bodyPr anchorCtr="0" anchor="t" bIns="91425" lIns="91425" spcFirstLastPara="1" rIns="91425" wrap="square" tIns="91425">
+          <a:bodyPr spcFirstLastPara="1" wrap="square" lIns="91425" tIns="91425" rIns="91425" bIns="91425" anchor="t" anchorCtr="0">
             <a:noAutofit/>
           </a:bodyPr>
           <a:lstStyle/>
           <a:p>
-            <a:pPr indent="0" lvl="0" marL="0" rtl="0" algn="l">
-              <a:spcBef>
-                <a:spcPts val="0"/>
-              </a:spcBef>
-              <a:spcAft>
-                <a:spcPts val="0"/>
-              </a:spcAft>
-              <a:buNone/>
-            </a:pPr>
-            <a:r>
-              <a:t/>
-            </a:r>
+            <a:pPr marL="0" lvl="0" indent="0" algn="l" rtl="0">
+              <a:spcBef>
+                <a:spcPts val="0"/>
+              </a:spcBef>
+              <a:spcAft>
+                <a:spcPts val="0"/>
+              </a:spcAft>
+              <a:buNone/>
+            </a:pPr>
             <a:endParaRPr/>
           </a:p>
         </p:txBody>
@@ -1729,11 +1809,11 @@
 </file>
 
 <file path=ppt/notesSlides/notesSlide5.xml><?xml version="1.0" encoding="utf-8"?>
-<p:notes xmlns:a="http://schemas.openxmlformats.org/drawingml/2006/main" xmlns:r="http://schemas.openxmlformats.org/officeDocument/2006/relationships" xmlns:mc="http://schemas.openxmlformats.org/markup-compatibility/2006" xmlns:mv="urn:schemas-microsoft-com:mac:vml" xmlns:p="http://schemas.openxmlformats.org/presentationml/2006/main" xmlns:c="http://schemas.openxmlformats.org/drawingml/2006/chart" xmlns:dgm="http://schemas.openxmlformats.org/drawingml/2006/diagram" xmlns:o="urn:schemas-microsoft-com:office:office" xmlns:v="urn:schemas-microsoft-com:vml" xmlns:pvml="urn:schemas-microsoft-com:office:powerpoint" xmlns:com="http://schemas.openxmlformats.org/drawingml/2006/compatibility" xmlns:p14="http://schemas.microsoft.com/office/powerpoint/2010/main" xmlns:p15="http://schemas.microsoft.com/office/powerpoint/2012/main" xmlns:ahyp="http://schemas.microsoft.com/office/drawing/2018/hyperlinkcolor" showMasterPhAnim="0" showMasterSp="0">
+<p:notes xmlns:a="http://schemas.openxmlformats.org/drawingml/2006/main" xmlns:r="http://schemas.openxmlformats.org/officeDocument/2006/relationships" xmlns:p="http://schemas.openxmlformats.org/presentationml/2006/main" showMasterSp="0" showMasterPhAnim="0">
   <p:cSld>
     <p:spTree>
       <p:nvGrpSpPr>
-        <p:cNvPr id="74" name="Shape 74"/>
+        <p:cNvPr id="1" name="Shape 74"/>
         <p:cNvGrpSpPr/>
         <p:nvPr/>
       </p:nvGrpSpPr>
@@ -1748,9 +1828,11 @@
       <p:sp>
         <p:nvSpPr>
           <p:cNvPr id="75" name="Google Shape;75;g2af3eaca496_0_29:notes"/>
-          <p:cNvSpPr/>
+          <p:cNvSpPr>
+            <a:spLocks noGrp="1" noRot="1" noChangeAspect="1"/>
+          </p:cNvSpPr>
           <p:nvPr>
-            <p:ph idx="2" type="sldImg"/>
+            <p:ph type="sldImg" idx="2"/>
           </p:nvPr>
         </p:nvSpPr>
         <p:spPr>
@@ -1759,9 +1841,13 @@
             <a:ext cx="6096000" cy="3429000"/>
           </a:xfrm>
           <a:custGeom>
-            <a:rect b="b" l="l" r="r" t="t"/>
+            <a:avLst/>
+            <a:gdLst/>
+            <a:ahLst/>
+            <a:cxnLst/>
+            <a:rect l="l" t="t" r="r" b="b"/>
             <a:pathLst>
-              <a:path extrusionOk="0" h="120000" w="120000">
+              <a:path w="120000" h="120000" extrusionOk="0">
                 <a:moveTo>
                   <a:pt x="0" y="0"/>
                 </a:moveTo>
@@ -1783,9 +1869,11 @@
       <p:sp>
         <p:nvSpPr>
           <p:cNvPr id="76" name="Google Shape;76;g2af3eaca496_0_29:notes"/>
-          <p:cNvSpPr txBox="1"/>
+          <p:cNvSpPr txBox="1">
+            <a:spLocks noGrp="1"/>
+          </p:cNvSpPr>
           <p:nvPr>
-            <p:ph idx="1" type="body"/>
+            <p:ph type="body" idx="1"/>
           </p:nvPr>
         </p:nvSpPr>
         <p:spPr>
@@ -1798,23 +1886,20 @@
           </a:prstGeom>
         </p:spPr>
         <p:txBody>
-          <a:bodyPr anchorCtr="0" anchor="t" bIns="91425" lIns="91425" spcFirstLastPara="1" rIns="91425" wrap="square" tIns="91425">
+          <a:bodyPr spcFirstLastPara="1" wrap="square" lIns="91425" tIns="91425" rIns="91425" bIns="91425" anchor="t" anchorCtr="0">
             <a:noAutofit/>
           </a:bodyPr>
           <a:lstStyle/>
           <a:p>
-            <a:pPr indent="0" lvl="0" marL="0" rtl="0" algn="l">
-              <a:spcBef>
-                <a:spcPts val="0"/>
-              </a:spcBef>
-              <a:spcAft>
-                <a:spcPts val="0"/>
-              </a:spcAft>
-              <a:buNone/>
-            </a:pPr>
-            <a:r>
-              <a:t/>
-            </a:r>
+            <a:pPr marL="0" lvl="0" indent="0" algn="l" rtl="0">
+              <a:spcBef>
+                <a:spcPts val="0"/>
+              </a:spcBef>
+              <a:spcAft>
+                <a:spcPts val="0"/>
+              </a:spcAft>
+              <a:buNone/>
+            </a:pPr>
             <a:endParaRPr/>
           </a:p>
         </p:txBody>
@@ -1828,11 +1913,11 @@
 </file>
 
 <file path=ppt/notesSlides/notesSlide6.xml><?xml version="1.0" encoding="utf-8"?>
-<p:notes xmlns:a="http://schemas.openxmlformats.org/drawingml/2006/main" xmlns:r="http://schemas.openxmlformats.org/officeDocument/2006/relationships" xmlns:mc="http://schemas.openxmlformats.org/markup-compatibility/2006" xmlns:mv="urn:schemas-microsoft-com:mac:vml" xmlns:p="http://schemas.openxmlformats.org/presentationml/2006/main" xmlns:c="http://schemas.openxmlformats.org/drawingml/2006/chart" xmlns:dgm="http://schemas.openxmlformats.org/drawingml/2006/diagram" xmlns:o="urn:schemas-microsoft-com:office:office" xmlns:v="urn:schemas-microsoft-com:vml" xmlns:pvml="urn:schemas-microsoft-com:office:powerpoint" xmlns:com="http://schemas.openxmlformats.org/drawingml/2006/compatibility" xmlns:p14="http://schemas.microsoft.com/office/powerpoint/2010/main" xmlns:p15="http://schemas.microsoft.com/office/powerpoint/2012/main" xmlns:ahyp="http://schemas.microsoft.com/office/drawing/2018/hyperlinkcolor" showMasterPhAnim="0" showMasterSp="0">
+<p:notes xmlns:a="http://schemas.openxmlformats.org/drawingml/2006/main" xmlns:r="http://schemas.openxmlformats.org/officeDocument/2006/relationships" xmlns:p="http://schemas.openxmlformats.org/presentationml/2006/main" showMasterSp="0" showMasterPhAnim="0">
   <p:cSld>
     <p:spTree>
       <p:nvGrpSpPr>
-        <p:cNvPr id="80" name="Shape 80"/>
+        <p:cNvPr id="1" name="Shape 80"/>
         <p:cNvGrpSpPr/>
         <p:nvPr/>
       </p:nvGrpSpPr>
@@ -1847,20 +1932,26 @@
       <p:sp>
         <p:nvSpPr>
           <p:cNvPr id="81" name="Google Shape;81;g2af3eaca496_0_38:notes"/>
-          <p:cNvSpPr/>
+          <p:cNvSpPr>
+            <a:spLocks noGrp="1" noRot="1" noChangeAspect="1"/>
+          </p:cNvSpPr>
           <p:nvPr>
-            <p:ph idx="2" type="sldImg"/>
+            <p:ph type="sldImg" idx="2"/>
           </p:nvPr>
         </p:nvSpPr>
         <p:spPr>
           <a:xfrm>
-            <a:off x="381300" y="685800"/>
+            <a:off x="381000" y="685800"/>
             <a:ext cx="6096000" cy="3429000"/>
           </a:xfrm>
           <a:custGeom>
-            <a:rect b="b" l="l" r="r" t="t"/>
+            <a:avLst/>
+            <a:gdLst/>
+            <a:ahLst/>
+            <a:cxnLst/>
+            <a:rect l="l" t="t" r="r" b="b"/>
             <a:pathLst>
-              <a:path extrusionOk="0" h="120000" w="120000">
+              <a:path w="120000" h="120000" extrusionOk="0">
                 <a:moveTo>
                   <a:pt x="0" y="0"/>
                 </a:moveTo>
@@ -1882,9 +1973,11 @@
       <p:sp>
         <p:nvSpPr>
           <p:cNvPr id="82" name="Google Shape;82;g2af3eaca496_0_38:notes"/>
-          <p:cNvSpPr txBox="1"/>
+          <p:cNvSpPr txBox="1">
+            <a:spLocks noGrp="1"/>
+          </p:cNvSpPr>
           <p:nvPr>
-            <p:ph idx="1" type="body"/>
+            <p:ph type="body" idx="1"/>
           </p:nvPr>
         </p:nvSpPr>
         <p:spPr>
@@ -1897,23 +1990,20 @@
           </a:prstGeom>
         </p:spPr>
         <p:txBody>
-          <a:bodyPr anchorCtr="0" anchor="t" bIns="91425" lIns="91425" spcFirstLastPara="1" rIns="91425" wrap="square" tIns="91425">
+          <a:bodyPr spcFirstLastPara="1" wrap="square" lIns="91425" tIns="91425" rIns="91425" bIns="91425" anchor="t" anchorCtr="0">
             <a:noAutofit/>
           </a:bodyPr>
           <a:lstStyle/>
           <a:p>
-            <a:pPr indent="0" lvl="0" marL="0" rtl="0" algn="l">
-              <a:spcBef>
-                <a:spcPts val="0"/>
-              </a:spcBef>
-              <a:spcAft>
-                <a:spcPts val="0"/>
-              </a:spcAft>
-              <a:buNone/>
-            </a:pPr>
-            <a:r>
-              <a:t/>
-            </a:r>
+            <a:pPr marL="0" lvl="0" indent="0" algn="l" rtl="0">
+              <a:spcBef>
+                <a:spcPts val="0"/>
+              </a:spcBef>
+              <a:spcAft>
+                <a:spcPts val="0"/>
+              </a:spcAft>
+              <a:buNone/>
+            </a:pPr>
             <a:endParaRPr/>
           </a:p>
         </p:txBody>
@@ -1927,11 +2017,11 @@
 </file>
 
 <file path=ppt/notesSlides/notesSlide7.xml><?xml version="1.0" encoding="utf-8"?>
-<p:notes xmlns:a="http://schemas.openxmlformats.org/drawingml/2006/main" xmlns:r="http://schemas.openxmlformats.org/officeDocument/2006/relationships" xmlns:mc="http://schemas.openxmlformats.org/markup-compatibility/2006" xmlns:mv="urn:schemas-microsoft-com:mac:vml" xmlns:p="http://schemas.openxmlformats.org/presentationml/2006/main" xmlns:c="http://schemas.openxmlformats.org/drawingml/2006/chart" xmlns:dgm="http://schemas.openxmlformats.org/drawingml/2006/diagram" xmlns:o="urn:schemas-microsoft-com:office:office" xmlns:v="urn:schemas-microsoft-com:vml" xmlns:pvml="urn:schemas-microsoft-com:office:powerpoint" xmlns:com="http://schemas.openxmlformats.org/drawingml/2006/compatibility" xmlns:p14="http://schemas.microsoft.com/office/powerpoint/2010/main" xmlns:p15="http://schemas.microsoft.com/office/powerpoint/2012/main" xmlns:ahyp="http://schemas.microsoft.com/office/drawing/2018/hyperlinkcolor" showMasterPhAnim="0" showMasterSp="0">
+<p:notes xmlns:a="http://schemas.openxmlformats.org/drawingml/2006/main" xmlns:r="http://schemas.openxmlformats.org/officeDocument/2006/relationships" xmlns:p="http://schemas.openxmlformats.org/presentationml/2006/main" showMasterSp="0" showMasterPhAnim="0">
   <p:cSld>
     <p:spTree>
       <p:nvGrpSpPr>
-        <p:cNvPr id="86" name="Shape 86"/>
+        <p:cNvPr id="1" name="Shape 86"/>
         <p:cNvGrpSpPr/>
         <p:nvPr/>
       </p:nvGrpSpPr>
@@ -1946,9 +2036,11 @@
       <p:sp>
         <p:nvSpPr>
           <p:cNvPr id="87" name="Google Shape;87;g2af3eaca496_0_48:notes"/>
-          <p:cNvSpPr/>
+          <p:cNvSpPr>
+            <a:spLocks noGrp="1" noRot="1" noChangeAspect="1"/>
+          </p:cNvSpPr>
           <p:nvPr>
-            <p:ph idx="2" type="sldImg"/>
+            <p:ph type="sldImg" idx="2"/>
           </p:nvPr>
         </p:nvSpPr>
         <p:spPr>
@@ -1957,9 +2049,13 @@
             <a:ext cx="6096000" cy="3429000"/>
           </a:xfrm>
           <a:custGeom>
-            <a:rect b="b" l="l" r="r" t="t"/>
+            <a:avLst/>
+            <a:gdLst/>
+            <a:ahLst/>
+            <a:cxnLst/>
+            <a:rect l="l" t="t" r="r" b="b"/>
             <a:pathLst>
-              <a:path extrusionOk="0" h="120000" w="120000">
+              <a:path w="120000" h="120000" extrusionOk="0">
                 <a:moveTo>
                   <a:pt x="0" y="0"/>
                 </a:moveTo>
@@ -1981,9 +2077,11 @@
       <p:sp>
         <p:nvSpPr>
           <p:cNvPr id="88" name="Google Shape;88;g2af3eaca496_0_48:notes"/>
-          <p:cNvSpPr txBox="1"/>
+          <p:cNvSpPr txBox="1">
+            <a:spLocks noGrp="1"/>
+          </p:cNvSpPr>
           <p:nvPr>
-            <p:ph idx="1" type="body"/>
+            <p:ph type="body" idx="1"/>
           </p:nvPr>
         </p:nvSpPr>
         <p:spPr>
@@ -1996,23 +2094,20 @@
           </a:prstGeom>
         </p:spPr>
         <p:txBody>
-          <a:bodyPr anchorCtr="0" anchor="t" bIns="91425" lIns="91425" spcFirstLastPara="1" rIns="91425" wrap="square" tIns="91425">
+          <a:bodyPr spcFirstLastPara="1" wrap="square" lIns="91425" tIns="91425" rIns="91425" bIns="91425" anchor="t" anchorCtr="0">
             <a:noAutofit/>
           </a:bodyPr>
           <a:lstStyle/>
           <a:p>
-            <a:pPr indent="0" lvl="0" marL="0" rtl="0" algn="l">
-              <a:spcBef>
-                <a:spcPts val="0"/>
-              </a:spcBef>
-              <a:spcAft>
-                <a:spcPts val="0"/>
-              </a:spcAft>
-              <a:buNone/>
-            </a:pPr>
-            <a:r>
-              <a:t/>
-            </a:r>
+            <a:pPr marL="0" lvl="0" indent="0" algn="l" rtl="0">
+              <a:spcBef>
+                <a:spcPts val="0"/>
+              </a:spcBef>
+              <a:spcAft>
+                <a:spcPts val="0"/>
+              </a:spcAft>
+              <a:buNone/>
+            </a:pPr>
             <a:endParaRPr/>
           </a:p>
         </p:txBody>
@@ -2026,11 +2121,11 @@
 </file>
 
 <file path=ppt/notesSlides/notesSlide8.xml><?xml version="1.0" encoding="utf-8"?>
-<p:notes xmlns:a="http://schemas.openxmlformats.org/drawingml/2006/main" xmlns:r="http://schemas.openxmlformats.org/officeDocument/2006/relationships" xmlns:mc="http://schemas.openxmlformats.org/markup-compatibility/2006" xmlns:mv="urn:schemas-microsoft-com:mac:vml" xmlns:p="http://schemas.openxmlformats.org/presentationml/2006/main" xmlns:c="http://schemas.openxmlformats.org/drawingml/2006/chart" xmlns:dgm="http://schemas.openxmlformats.org/drawingml/2006/diagram" xmlns:o="urn:schemas-microsoft-com:office:office" xmlns:v="urn:schemas-microsoft-com:vml" xmlns:pvml="urn:schemas-microsoft-com:office:powerpoint" xmlns:com="http://schemas.openxmlformats.org/drawingml/2006/compatibility" xmlns:p14="http://schemas.microsoft.com/office/powerpoint/2010/main" xmlns:p15="http://schemas.microsoft.com/office/powerpoint/2012/main" xmlns:ahyp="http://schemas.microsoft.com/office/drawing/2018/hyperlinkcolor" showMasterPhAnim="0" showMasterSp="0">
+<p:notes xmlns:a="http://schemas.openxmlformats.org/drawingml/2006/main" xmlns:r="http://schemas.openxmlformats.org/officeDocument/2006/relationships" xmlns:p="http://schemas.openxmlformats.org/presentationml/2006/main" showMasterSp="0" showMasterPhAnim="0">
   <p:cSld>
     <p:spTree>
       <p:nvGrpSpPr>
-        <p:cNvPr id="92" name="Shape 92"/>
+        <p:cNvPr id="1" name="Shape 92"/>
         <p:cNvGrpSpPr/>
         <p:nvPr/>
       </p:nvGrpSpPr>
@@ -2045,9 +2140,11 @@
       <p:sp>
         <p:nvSpPr>
           <p:cNvPr id="93" name="Google Shape;93;g2af3eaca496_0_56:notes"/>
-          <p:cNvSpPr/>
+          <p:cNvSpPr>
+            <a:spLocks noGrp="1" noRot="1" noChangeAspect="1"/>
+          </p:cNvSpPr>
           <p:nvPr>
-            <p:ph idx="2" type="sldImg"/>
+            <p:ph type="sldImg" idx="2"/>
           </p:nvPr>
         </p:nvSpPr>
         <p:spPr>
@@ -2056,9 +2153,13 @@
             <a:ext cx="6096000" cy="3429000"/>
           </a:xfrm>
           <a:custGeom>
-            <a:rect b="b" l="l" r="r" t="t"/>
+            <a:avLst/>
+            <a:gdLst/>
+            <a:ahLst/>
+            <a:cxnLst/>
+            <a:rect l="l" t="t" r="r" b="b"/>
             <a:pathLst>
-              <a:path extrusionOk="0" h="120000" w="120000">
+              <a:path w="120000" h="120000" extrusionOk="0">
                 <a:moveTo>
                   <a:pt x="0" y="0"/>
                 </a:moveTo>
@@ -2080,9 +2181,11 @@
       <p:sp>
         <p:nvSpPr>
           <p:cNvPr id="94" name="Google Shape;94;g2af3eaca496_0_56:notes"/>
-          <p:cNvSpPr txBox="1"/>
+          <p:cNvSpPr txBox="1">
+            <a:spLocks noGrp="1"/>
+          </p:cNvSpPr>
           <p:nvPr>
-            <p:ph idx="1" type="body"/>
+            <p:ph type="body" idx="1"/>
           </p:nvPr>
         </p:nvSpPr>
         <p:spPr>
@@ -2095,23 +2198,20 @@
           </a:prstGeom>
         </p:spPr>
         <p:txBody>
-          <a:bodyPr anchorCtr="0" anchor="t" bIns="91425" lIns="91425" spcFirstLastPara="1" rIns="91425" wrap="square" tIns="91425">
+          <a:bodyPr spcFirstLastPara="1" wrap="square" lIns="91425" tIns="91425" rIns="91425" bIns="91425" anchor="t" anchorCtr="0">
             <a:noAutofit/>
           </a:bodyPr>
           <a:lstStyle/>
           <a:p>
-            <a:pPr indent="0" lvl="0" marL="0" rtl="0" algn="l">
-              <a:spcBef>
-                <a:spcPts val="0"/>
-              </a:spcBef>
-              <a:spcAft>
-                <a:spcPts val="0"/>
-              </a:spcAft>
-              <a:buNone/>
-            </a:pPr>
-            <a:r>
-              <a:t/>
-            </a:r>
+            <a:pPr marL="0" lvl="0" indent="0" algn="l" rtl="0">
+              <a:spcBef>
+                <a:spcPts val="0"/>
+              </a:spcBef>
+              <a:spcAft>
+                <a:spcPts val="0"/>
+              </a:spcAft>
+              <a:buNone/>
+            </a:pPr>
             <a:endParaRPr/>
           </a:p>
         </p:txBody>
@@ -2125,11 +2225,11 @@
 </file>
 
 <file path=ppt/notesSlides/notesSlide9.xml><?xml version="1.0" encoding="utf-8"?>
-<p:notes xmlns:a="http://schemas.openxmlformats.org/drawingml/2006/main" xmlns:r="http://schemas.openxmlformats.org/officeDocument/2006/relationships" xmlns:mc="http://schemas.openxmlformats.org/markup-compatibility/2006" xmlns:mv="urn:schemas-microsoft-com:mac:vml" xmlns:p="http://schemas.openxmlformats.org/presentationml/2006/main" xmlns:c="http://schemas.openxmlformats.org/drawingml/2006/chart" xmlns:dgm="http://schemas.openxmlformats.org/drawingml/2006/diagram" xmlns:o="urn:schemas-microsoft-com:office:office" xmlns:v="urn:schemas-microsoft-com:vml" xmlns:pvml="urn:schemas-microsoft-com:office:powerpoint" xmlns:com="http://schemas.openxmlformats.org/drawingml/2006/compatibility" xmlns:p14="http://schemas.microsoft.com/office/powerpoint/2010/main" xmlns:p15="http://schemas.microsoft.com/office/powerpoint/2012/main" xmlns:ahyp="http://schemas.microsoft.com/office/drawing/2018/hyperlinkcolor" showMasterPhAnim="0" showMasterSp="0">
+<p:notes xmlns:a="http://schemas.openxmlformats.org/drawingml/2006/main" xmlns:r="http://schemas.openxmlformats.org/officeDocument/2006/relationships" xmlns:p="http://schemas.openxmlformats.org/presentationml/2006/main" showMasterSp="0" showMasterPhAnim="0">
   <p:cSld>
     <p:spTree>
       <p:nvGrpSpPr>
-        <p:cNvPr id="98" name="Shape 98"/>
+        <p:cNvPr id="1" name="Shape 98"/>
         <p:cNvGrpSpPr/>
         <p:nvPr/>
       </p:nvGrpSpPr>
@@ -2144,20 +2244,26 @@
       <p:sp>
         <p:nvSpPr>
           <p:cNvPr id="99" name="Google Shape;99;g2af3eaca496_0_64:notes"/>
-          <p:cNvSpPr/>
+          <p:cNvSpPr>
+            <a:spLocks noGrp="1" noRot="1" noChangeAspect="1"/>
+          </p:cNvSpPr>
           <p:nvPr>
-            <p:ph idx="2" type="sldImg"/>
+            <p:ph type="sldImg" idx="2"/>
           </p:nvPr>
         </p:nvSpPr>
         <p:spPr>
           <a:xfrm>
-            <a:off x="381300" y="685800"/>
+            <a:off x="381000" y="685800"/>
             <a:ext cx="6096000" cy="3429000"/>
           </a:xfrm>
           <a:custGeom>
-            <a:rect b="b" l="l" r="r" t="t"/>
+            <a:avLst/>
+            <a:gdLst/>
+            <a:ahLst/>
+            <a:cxnLst/>
+            <a:rect l="l" t="t" r="r" b="b"/>
             <a:pathLst>
-              <a:path extrusionOk="0" h="120000" w="120000">
+              <a:path w="120000" h="120000" extrusionOk="0">
                 <a:moveTo>
                   <a:pt x="0" y="0"/>
                 </a:moveTo>
@@ -2179,9 +2285,11 @@
       <p:sp>
         <p:nvSpPr>
           <p:cNvPr id="100" name="Google Shape;100;g2af3eaca496_0_64:notes"/>
-          <p:cNvSpPr txBox="1"/>
+          <p:cNvSpPr txBox="1">
+            <a:spLocks noGrp="1"/>
+          </p:cNvSpPr>
           <p:nvPr>
-            <p:ph idx="1" type="body"/>
+            <p:ph type="body" idx="1"/>
           </p:nvPr>
         </p:nvSpPr>
         <p:spPr>
@@ -2194,23 +2302,20 @@
           </a:prstGeom>
         </p:spPr>
         <p:txBody>
-          <a:bodyPr anchorCtr="0" anchor="t" bIns="91425" lIns="91425" spcFirstLastPara="1" rIns="91425" wrap="square" tIns="91425">
+          <a:bodyPr spcFirstLastPara="1" wrap="square" lIns="91425" tIns="91425" rIns="91425" bIns="91425" anchor="t" anchorCtr="0">
             <a:noAutofit/>
           </a:bodyPr>
           <a:lstStyle/>
           <a:p>
-            <a:pPr indent="0" lvl="0" marL="0" rtl="0" algn="l">
-              <a:spcBef>
-                <a:spcPts val="0"/>
-              </a:spcBef>
-              <a:spcAft>
-                <a:spcPts val="0"/>
-              </a:spcAft>
-              <a:buNone/>
-            </a:pPr>
-            <a:r>
-              <a:t/>
-            </a:r>
+            <a:pPr marL="0" lvl="0" indent="0" algn="l" rtl="0">
+              <a:spcBef>
+                <a:spcPts val="0"/>
+              </a:spcBef>
+              <a:spcAft>
+                <a:spcPts val="0"/>
+              </a:spcAft>
+              <a:buNone/>
+            </a:pPr>
             <a:endParaRPr/>
           </a:p>
         </p:txBody>
@@ -2224,11 +2329,11 @@
 </file>
 
 <file path=ppt/slideLayouts/slideLayout1.xml><?xml version="1.0" encoding="utf-8"?>
-<p:sldLayout xmlns:a="http://schemas.openxmlformats.org/drawingml/2006/main" xmlns:r="http://schemas.openxmlformats.org/officeDocument/2006/relationships" xmlns:mc="http://schemas.openxmlformats.org/markup-compatibility/2006" xmlns:mv="urn:schemas-microsoft-com:mac:vml" xmlns:p="http://schemas.openxmlformats.org/presentationml/2006/main" xmlns:c="http://schemas.openxmlformats.org/drawingml/2006/chart" xmlns:dgm="http://schemas.openxmlformats.org/drawingml/2006/diagram" xmlns:o="urn:schemas-microsoft-com:office:office" xmlns:v="urn:schemas-microsoft-com:vml" xmlns:pvml="urn:schemas-microsoft-com:office:powerpoint" xmlns:com="http://schemas.openxmlformats.org/drawingml/2006/compatibility" xmlns:p14="http://schemas.microsoft.com/office/powerpoint/2010/main" xmlns:p15="http://schemas.microsoft.com/office/powerpoint/2012/main" xmlns:ahyp="http://schemas.microsoft.com/office/drawing/2018/hyperlinkcolor" matchingName="Title slide" type="title">
+<p:sldLayout xmlns:a="http://schemas.openxmlformats.org/drawingml/2006/main" xmlns:r="http://schemas.openxmlformats.org/officeDocument/2006/relationships" xmlns:p="http://schemas.openxmlformats.org/presentationml/2006/main" matchingName="Title slide" type="title">
   <p:cSld name="TITLE">
     <p:spTree>
       <p:nvGrpSpPr>
-        <p:cNvPr id="9" name="Shape 9"/>
+        <p:cNvPr id="1" name="Shape 9"/>
         <p:cNvGrpSpPr/>
         <p:nvPr/>
       </p:nvGrpSpPr>
@@ -2243,7 +2348,9 @@
       <p:sp>
         <p:nvSpPr>
           <p:cNvPr id="10" name="Google Shape;10;p2"/>
-          <p:cNvSpPr txBox="1"/>
+          <p:cNvSpPr txBox="1">
+            <a:spLocks noGrp="1"/>
+          </p:cNvSpPr>
           <p:nvPr>
             <p:ph type="ctrTitle"/>
           </p:nvPr>
@@ -2258,7 +2365,7 @@
           </a:prstGeom>
         </p:spPr>
         <p:txBody>
-          <a:bodyPr anchorCtr="0" anchor="b" bIns="91425" lIns="91425" spcFirstLastPara="1" rIns="91425" wrap="square" tIns="91425">
+          <a:bodyPr spcFirstLastPara="1" wrap="square" lIns="91425" tIns="91425" rIns="91425" bIns="91425" anchor="b" anchorCtr="0">
             <a:normAutofit/>
           </a:bodyPr>
           <a:lstStyle>
@@ -2362,15 +2469,19 @@
               <a:defRPr sz="5200"/>
             </a:lvl9pPr>
           </a:lstStyle>
-          <a:p/>
+          <a:p>
+            <a:endParaRPr/>
+          </a:p>
         </p:txBody>
       </p:sp>
       <p:sp>
         <p:nvSpPr>
           <p:cNvPr id="11" name="Google Shape;11;p2"/>
-          <p:cNvSpPr txBox="1"/>
+          <p:cNvSpPr txBox="1">
+            <a:spLocks noGrp="1"/>
+          </p:cNvSpPr>
           <p:nvPr>
-            <p:ph idx="1" type="subTitle"/>
+            <p:ph type="subTitle" idx="1"/>
           </p:nvPr>
         </p:nvSpPr>
         <p:spPr>
@@ -2383,7 +2494,7 @@
           </a:prstGeom>
         </p:spPr>
         <p:txBody>
-          <a:bodyPr anchorCtr="0" anchor="t" bIns="91425" lIns="91425" spcFirstLastPara="1" rIns="91425" wrap="square" tIns="91425">
+          <a:bodyPr spcFirstLastPara="1" wrap="square" lIns="91425" tIns="91425" rIns="91425" bIns="91425" anchor="t" anchorCtr="0">
             <a:normAutofit/>
           </a:bodyPr>
           <a:lstStyle>
@@ -2514,15 +2625,19 @@
               <a:defRPr sz="2800"/>
             </a:lvl9pPr>
           </a:lstStyle>
-          <a:p/>
+          <a:p>
+            <a:endParaRPr/>
+          </a:p>
         </p:txBody>
       </p:sp>
       <p:sp>
         <p:nvSpPr>
           <p:cNvPr id="12" name="Google Shape;12;p2"/>
-          <p:cNvSpPr txBox="1"/>
+          <p:cNvSpPr txBox="1">
+            <a:spLocks noGrp="1"/>
+          </p:cNvSpPr>
           <p:nvPr>
-            <p:ph idx="12" type="sldNum"/>
+            <p:ph type="sldNum" idx="12"/>
           </p:nvPr>
         </p:nvSpPr>
         <p:spPr>
@@ -2535,7 +2650,7 @@
           </a:prstGeom>
         </p:spPr>
         <p:txBody>
-          <a:bodyPr anchorCtr="0" anchor="ctr" bIns="91425" lIns="91425" spcFirstLastPara="1" rIns="91425" wrap="square" tIns="91425">
+          <a:bodyPr spcFirstLastPara="1" wrap="square" lIns="91425" tIns="91425" rIns="91425" bIns="91425" anchor="ctr" anchorCtr="0">
             <a:normAutofit/>
           </a:bodyPr>
           <a:lstStyle>
@@ -2577,7 +2692,7 @@
             </a:lvl9pPr>
           </a:lstStyle>
           <a:p>
-            <a:pPr indent="0" lvl="0" marL="0" rtl="0" algn="r">
+            <a:pPr marL="0" lvl="0" indent="0" algn="r" rtl="0">
               <a:spcBef>
                 <a:spcPts val="0"/>
               </a:spcBef>
@@ -2603,11 +2718,11 @@
 </file>
 
 <file path=ppt/slideLayouts/slideLayout10.xml><?xml version="1.0" encoding="utf-8"?>
-<p:sldLayout xmlns:a="http://schemas.openxmlformats.org/drawingml/2006/main" xmlns:r="http://schemas.openxmlformats.org/officeDocument/2006/relationships" xmlns:mc="http://schemas.openxmlformats.org/markup-compatibility/2006" xmlns:mv="urn:schemas-microsoft-com:mac:vml" xmlns:p="http://schemas.openxmlformats.org/presentationml/2006/main" xmlns:c="http://schemas.openxmlformats.org/drawingml/2006/chart" xmlns:dgm="http://schemas.openxmlformats.org/drawingml/2006/diagram" xmlns:o="urn:schemas-microsoft-com:office:office" xmlns:v="urn:schemas-microsoft-com:vml" xmlns:pvml="urn:schemas-microsoft-com:office:powerpoint" xmlns:com="http://schemas.openxmlformats.org/drawingml/2006/compatibility" xmlns:p14="http://schemas.microsoft.com/office/powerpoint/2010/main" xmlns:p15="http://schemas.microsoft.com/office/powerpoint/2012/main" xmlns:ahyp="http://schemas.microsoft.com/office/drawing/2018/hyperlinkcolor" matchingName="Big number">
+<p:sldLayout xmlns:a="http://schemas.openxmlformats.org/drawingml/2006/main" xmlns:r="http://schemas.openxmlformats.org/officeDocument/2006/relationships" xmlns:p="http://schemas.openxmlformats.org/presentationml/2006/main" matchingName="Big number">
   <p:cSld name="BIG_NUMBER">
     <p:spTree>
       <p:nvGrpSpPr>
-        <p:cNvPr id="44" name="Shape 44"/>
+        <p:cNvPr id="1" name="Shape 44"/>
         <p:cNvGrpSpPr/>
         <p:nvPr/>
       </p:nvGrpSpPr>
@@ -2622,9 +2737,11 @@
       <p:sp>
         <p:nvSpPr>
           <p:cNvPr id="45" name="Google Shape;45;p11"/>
-          <p:cNvSpPr txBox="1"/>
+          <p:cNvSpPr txBox="1">
+            <a:spLocks noGrp="1"/>
+          </p:cNvSpPr>
           <p:nvPr>
-            <p:ph hasCustomPrompt="1" type="title"/>
+            <p:ph type="title" hasCustomPrompt="1"/>
           </p:nvPr>
         </p:nvSpPr>
         <p:spPr>
@@ -2637,7 +2754,7 @@
           </a:prstGeom>
         </p:spPr>
         <p:txBody>
-          <a:bodyPr anchorCtr="0" anchor="b" bIns="91425" lIns="91425" spcFirstLastPara="1" rIns="91425" wrap="square" tIns="91425">
+          <a:bodyPr spcFirstLastPara="1" wrap="square" lIns="91425" tIns="91425" rIns="91425" bIns="91425" anchor="b" anchorCtr="0">
             <a:normAutofit/>
           </a:bodyPr>
           <a:lstStyle>
@@ -2751,9 +2868,11 @@
       <p:sp>
         <p:nvSpPr>
           <p:cNvPr id="46" name="Google Shape;46;p11"/>
-          <p:cNvSpPr txBox="1"/>
+          <p:cNvSpPr txBox="1">
+            <a:spLocks noGrp="1"/>
+          </p:cNvSpPr>
           <p:nvPr>
-            <p:ph idx="1" type="body"/>
+            <p:ph type="body" idx="1"/>
           </p:nvPr>
         </p:nvSpPr>
         <p:spPr>
@@ -2766,11 +2885,11 @@
           </a:prstGeom>
         </p:spPr>
         <p:txBody>
-          <a:bodyPr anchorCtr="0" anchor="t" bIns="91425" lIns="91425" spcFirstLastPara="1" rIns="91425" wrap="square" tIns="91425">
+          <a:bodyPr spcFirstLastPara="1" wrap="square" lIns="91425" tIns="91425" rIns="91425" bIns="91425" anchor="t" anchorCtr="0">
             <a:normAutofit/>
           </a:bodyPr>
           <a:lstStyle>
-            <a:lvl1pPr indent="-342900" lvl="0" marL="457200" algn="ctr">
+            <a:lvl1pPr marL="457200" lvl="0" indent="-342900" algn="ctr">
               <a:spcBef>
                 <a:spcPts val="0"/>
               </a:spcBef>
@@ -2781,7 +2900,7 @@
               <a:buChar char="●"/>
               <a:defRPr/>
             </a:lvl1pPr>
-            <a:lvl2pPr indent="-317500" lvl="1" marL="914400" algn="ctr">
+            <a:lvl2pPr marL="914400" lvl="1" indent="-317500" algn="ctr">
               <a:spcBef>
                 <a:spcPts val="0"/>
               </a:spcBef>
@@ -2792,7 +2911,7 @@
               <a:buChar char="○"/>
               <a:defRPr/>
             </a:lvl2pPr>
-            <a:lvl3pPr indent="-317500" lvl="2" marL="1371600" algn="ctr">
+            <a:lvl3pPr marL="1371600" lvl="2" indent="-317500" algn="ctr">
               <a:spcBef>
                 <a:spcPts val="0"/>
               </a:spcBef>
@@ -2803,7 +2922,7 @@
               <a:buChar char="■"/>
               <a:defRPr/>
             </a:lvl3pPr>
-            <a:lvl4pPr indent="-317500" lvl="3" marL="1828800" algn="ctr">
+            <a:lvl4pPr marL="1828800" lvl="3" indent="-317500" algn="ctr">
               <a:spcBef>
                 <a:spcPts val="0"/>
               </a:spcBef>
@@ -2814,7 +2933,7 @@
               <a:buChar char="●"/>
               <a:defRPr/>
             </a:lvl4pPr>
-            <a:lvl5pPr indent="-317500" lvl="4" marL="2286000" algn="ctr">
+            <a:lvl5pPr marL="2286000" lvl="4" indent="-317500" algn="ctr">
               <a:spcBef>
                 <a:spcPts val="0"/>
               </a:spcBef>
@@ -2825,7 +2944,7 @@
               <a:buChar char="○"/>
               <a:defRPr/>
             </a:lvl5pPr>
-            <a:lvl6pPr indent="-317500" lvl="5" marL="2743200" algn="ctr">
+            <a:lvl6pPr marL="2743200" lvl="5" indent="-317500" algn="ctr">
               <a:spcBef>
                 <a:spcPts val="0"/>
               </a:spcBef>
@@ -2836,7 +2955,7 @@
               <a:buChar char="■"/>
               <a:defRPr/>
             </a:lvl6pPr>
-            <a:lvl7pPr indent="-317500" lvl="6" marL="3200400" algn="ctr">
+            <a:lvl7pPr marL="3200400" lvl="6" indent="-317500" algn="ctr">
               <a:spcBef>
                 <a:spcPts val="0"/>
               </a:spcBef>
@@ -2847,7 +2966,7 @@
               <a:buChar char="●"/>
               <a:defRPr/>
             </a:lvl7pPr>
-            <a:lvl8pPr indent="-317500" lvl="7" marL="3657600" algn="ctr">
+            <a:lvl8pPr marL="3657600" lvl="7" indent="-317500" algn="ctr">
               <a:spcBef>
                 <a:spcPts val="0"/>
               </a:spcBef>
@@ -2858,7 +2977,7 @@
               <a:buChar char="○"/>
               <a:defRPr/>
             </a:lvl8pPr>
-            <a:lvl9pPr indent="-317500" lvl="8" marL="4114800" algn="ctr">
+            <a:lvl9pPr marL="4114800" lvl="8" indent="-317500" algn="ctr">
               <a:spcBef>
                 <a:spcPts val="0"/>
               </a:spcBef>
@@ -2870,15 +2989,19 @@
               <a:defRPr/>
             </a:lvl9pPr>
           </a:lstStyle>
-          <a:p/>
+          <a:p>
+            <a:endParaRPr/>
+          </a:p>
         </p:txBody>
       </p:sp>
       <p:sp>
         <p:nvSpPr>
           <p:cNvPr id="47" name="Google Shape;47;p11"/>
-          <p:cNvSpPr txBox="1"/>
+          <p:cNvSpPr txBox="1">
+            <a:spLocks noGrp="1"/>
+          </p:cNvSpPr>
           <p:nvPr>
-            <p:ph idx="12" type="sldNum"/>
+            <p:ph type="sldNum" idx="12"/>
           </p:nvPr>
         </p:nvSpPr>
         <p:spPr>
@@ -2891,7 +3014,7 @@
           </a:prstGeom>
         </p:spPr>
         <p:txBody>
-          <a:bodyPr anchorCtr="0" anchor="ctr" bIns="91425" lIns="91425" spcFirstLastPara="1" rIns="91425" wrap="square" tIns="91425">
+          <a:bodyPr spcFirstLastPara="1" wrap="square" lIns="91425" tIns="91425" rIns="91425" bIns="91425" anchor="ctr" anchorCtr="0">
             <a:normAutofit/>
           </a:bodyPr>
           <a:lstStyle>
@@ -2933,7 +3056,7 @@
             </a:lvl9pPr>
           </a:lstStyle>
           <a:p>
-            <a:pPr indent="0" lvl="0" marL="0" rtl="0" algn="r">
+            <a:pPr marL="0" lvl="0" indent="0" algn="r" rtl="0">
               <a:spcBef>
                 <a:spcPts val="0"/>
               </a:spcBef>
@@ -2959,11 +3082,11 @@
 </file>
 
 <file path=ppt/slideLayouts/slideLayout11.xml><?xml version="1.0" encoding="utf-8"?>
-<p:sldLayout xmlns:a="http://schemas.openxmlformats.org/drawingml/2006/main" xmlns:r="http://schemas.openxmlformats.org/officeDocument/2006/relationships" xmlns:mc="http://schemas.openxmlformats.org/markup-compatibility/2006" xmlns:mv="urn:schemas-microsoft-com:mac:vml" xmlns:p="http://schemas.openxmlformats.org/presentationml/2006/main" xmlns:c="http://schemas.openxmlformats.org/drawingml/2006/chart" xmlns:dgm="http://schemas.openxmlformats.org/drawingml/2006/diagram" xmlns:o="urn:schemas-microsoft-com:office:office" xmlns:v="urn:schemas-microsoft-com:vml" xmlns:pvml="urn:schemas-microsoft-com:office:powerpoint" xmlns:com="http://schemas.openxmlformats.org/drawingml/2006/compatibility" xmlns:p14="http://schemas.microsoft.com/office/powerpoint/2010/main" xmlns:p15="http://schemas.microsoft.com/office/powerpoint/2012/main" xmlns:ahyp="http://schemas.microsoft.com/office/drawing/2018/hyperlinkcolor" matchingName="Blank" type="blank">
+<p:sldLayout xmlns:a="http://schemas.openxmlformats.org/drawingml/2006/main" xmlns:r="http://schemas.openxmlformats.org/officeDocument/2006/relationships" xmlns:p="http://schemas.openxmlformats.org/presentationml/2006/main" matchingName="Blank" type="blank">
   <p:cSld name="BLANK">
     <p:spTree>
       <p:nvGrpSpPr>
-        <p:cNvPr id="48" name="Shape 48"/>
+        <p:cNvPr id="1" name="Shape 48"/>
         <p:cNvGrpSpPr/>
         <p:nvPr/>
       </p:nvGrpSpPr>
@@ -2978,9 +3101,11 @@
       <p:sp>
         <p:nvSpPr>
           <p:cNvPr id="49" name="Google Shape;49;p12"/>
-          <p:cNvSpPr txBox="1"/>
+          <p:cNvSpPr txBox="1">
+            <a:spLocks noGrp="1"/>
+          </p:cNvSpPr>
           <p:nvPr>
-            <p:ph idx="12" type="sldNum"/>
+            <p:ph type="sldNum" idx="12"/>
           </p:nvPr>
         </p:nvSpPr>
         <p:spPr>
@@ -2993,7 +3118,7 @@
           </a:prstGeom>
         </p:spPr>
         <p:txBody>
-          <a:bodyPr anchorCtr="0" anchor="ctr" bIns="91425" lIns="91425" spcFirstLastPara="1" rIns="91425" wrap="square" tIns="91425">
+          <a:bodyPr spcFirstLastPara="1" wrap="square" lIns="91425" tIns="91425" rIns="91425" bIns="91425" anchor="ctr" anchorCtr="0">
             <a:normAutofit/>
           </a:bodyPr>
           <a:lstStyle>
@@ -3035,7 +3160,7 @@
             </a:lvl9pPr>
           </a:lstStyle>
           <a:p>
-            <a:pPr indent="0" lvl="0" marL="0" rtl="0" algn="r">
+            <a:pPr marL="0" lvl="0" indent="0" algn="r" rtl="0">
               <a:spcBef>
                 <a:spcPts val="0"/>
               </a:spcBef>
@@ -3061,11 +3186,11 @@
 </file>
 
 <file path=ppt/slideLayouts/slideLayout2.xml><?xml version="1.0" encoding="utf-8"?>
-<p:sldLayout xmlns:a="http://schemas.openxmlformats.org/drawingml/2006/main" xmlns:r="http://schemas.openxmlformats.org/officeDocument/2006/relationships" xmlns:mc="http://schemas.openxmlformats.org/markup-compatibility/2006" xmlns:mv="urn:schemas-microsoft-com:mac:vml" xmlns:p="http://schemas.openxmlformats.org/presentationml/2006/main" xmlns:c="http://schemas.openxmlformats.org/drawingml/2006/chart" xmlns:dgm="http://schemas.openxmlformats.org/drawingml/2006/diagram" xmlns:o="urn:schemas-microsoft-com:office:office" xmlns:v="urn:schemas-microsoft-com:vml" xmlns:pvml="urn:schemas-microsoft-com:office:powerpoint" xmlns:com="http://schemas.openxmlformats.org/drawingml/2006/compatibility" xmlns:p14="http://schemas.microsoft.com/office/powerpoint/2010/main" xmlns:p15="http://schemas.microsoft.com/office/powerpoint/2012/main" xmlns:ahyp="http://schemas.microsoft.com/office/drawing/2018/hyperlinkcolor" matchingName="Section header" type="secHead">
+<p:sldLayout xmlns:a="http://schemas.openxmlformats.org/drawingml/2006/main" xmlns:r="http://schemas.openxmlformats.org/officeDocument/2006/relationships" xmlns:p="http://schemas.openxmlformats.org/presentationml/2006/main" matchingName="Section header" type="secHead">
   <p:cSld name="SECTION_HEADER">
     <p:spTree>
       <p:nvGrpSpPr>
-        <p:cNvPr id="13" name="Shape 13"/>
+        <p:cNvPr id="1" name="Shape 13"/>
         <p:cNvGrpSpPr/>
         <p:nvPr/>
       </p:nvGrpSpPr>
@@ -3080,7 +3205,9 @@
       <p:sp>
         <p:nvSpPr>
           <p:cNvPr id="14" name="Google Shape;14;p3"/>
-          <p:cNvSpPr txBox="1"/>
+          <p:cNvSpPr txBox="1">
+            <a:spLocks noGrp="1"/>
+          </p:cNvSpPr>
           <p:nvPr>
             <p:ph type="title"/>
           </p:nvPr>
@@ -3095,7 +3222,7 @@
           </a:prstGeom>
         </p:spPr>
         <p:txBody>
-          <a:bodyPr anchorCtr="0" anchor="ctr" bIns="91425" lIns="91425" spcFirstLastPara="1" rIns="91425" wrap="square" tIns="91425">
+          <a:bodyPr spcFirstLastPara="1" wrap="square" lIns="91425" tIns="91425" rIns="91425" bIns="91425" anchor="ctr" anchorCtr="0">
             <a:normAutofit/>
           </a:bodyPr>
           <a:lstStyle>
@@ -3199,15 +3326,19 @@
               <a:defRPr sz="3600"/>
             </a:lvl9pPr>
           </a:lstStyle>
-          <a:p/>
+          <a:p>
+            <a:endParaRPr/>
+          </a:p>
         </p:txBody>
       </p:sp>
       <p:sp>
         <p:nvSpPr>
           <p:cNvPr id="15" name="Google Shape;15;p3"/>
-          <p:cNvSpPr txBox="1"/>
+          <p:cNvSpPr txBox="1">
+            <a:spLocks noGrp="1"/>
+          </p:cNvSpPr>
           <p:nvPr>
-            <p:ph idx="12" type="sldNum"/>
+            <p:ph type="sldNum" idx="12"/>
           </p:nvPr>
         </p:nvSpPr>
         <p:spPr>
@@ -3220,7 +3351,7 @@
           </a:prstGeom>
         </p:spPr>
         <p:txBody>
-          <a:bodyPr anchorCtr="0" anchor="ctr" bIns="91425" lIns="91425" spcFirstLastPara="1" rIns="91425" wrap="square" tIns="91425">
+          <a:bodyPr spcFirstLastPara="1" wrap="square" lIns="91425" tIns="91425" rIns="91425" bIns="91425" anchor="ctr" anchorCtr="0">
             <a:normAutofit/>
           </a:bodyPr>
           <a:lstStyle>
@@ -3262,7 +3393,7 @@
             </a:lvl9pPr>
           </a:lstStyle>
           <a:p>
-            <a:pPr indent="0" lvl="0" marL="0" rtl="0" algn="r">
+            <a:pPr marL="0" lvl="0" indent="0" algn="r" rtl="0">
               <a:spcBef>
                 <a:spcPts val="0"/>
               </a:spcBef>
@@ -3288,11 +3419,11 @@
 </file>
 
 <file path=ppt/slideLayouts/slideLayout3.xml><?xml version="1.0" encoding="utf-8"?>
-<p:sldLayout xmlns:a="http://schemas.openxmlformats.org/drawingml/2006/main" xmlns:r="http://schemas.openxmlformats.org/officeDocument/2006/relationships" xmlns:mc="http://schemas.openxmlformats.org/markup-compatibility/2006" xmlns:mv="urn:schemas-microsoft-com:mac:vml" xmlns:p="http://schemas.openxmlformats.org/presentationml/2006/main" xmlns:c="http://schemas.openxmlformats.org/drawingml/2006/chart" xmlns:dgm="http://schemas.openxmlformats.org/drawingml/2006/diagram" xmlns:o="urn:schemas-microsoft-com:office:office" xmlns:v="urn:schemas-microsoft-com:vml" xmlns:pvml="urn:schemas-microsoft-com:office:powerpoint" xmlns:com="http://schemas.openxmlformats.org/drawingml/2006/compatibility" xmlns:p14="http://schemas.microsoft.com/office/powerpoint/2010/main" xmlns:p15="http://schemas.microsoft.com/office/powerpoint/2012/main" xmlns:ahyp="http://schemas.microsoft.com/office/drawing/2018/hyperlinkcolor" matchingName="Title and body" type="tx">
+<p:sldLayout xmlns:a="http://schemas.openxmlformats.org/drawingml/2006/main" xmlns:r="http://schemas.openxmlformats.org/officeDocument/2006/relationships" xmlns:p="http://schemas.openxmlformats.org/presentationml/2006/main" matchingName="Title and body" type="tx">
   <p:cSld name="TITLE_AND_BODY">
     <p:spTree>
       <p:nvGrpSpPr>
-        <p:cNvPr id="16" name="Shape 16"/>
+        <p:cNvPr id="1" name="Shape 16"/>
         <p:cNvGrpSpPr/>
         <p:nvPr/>
       </p:nvGrpSpPr>
@@ -3307,7 +3438,9 @@
       <p:sp>
         <p:nvSpPr>
           <p:cNvPr id="17" name="Google Shape;17;p4"/>
-          <p:cNvSpPr txBox="1"/>
+          <p:cNvSpPr txBox="1">
+            <a:spLocks noGrp="1"/>
+          </p:cNvSpPr>
           <p:nvPr>
             <p:ph type="title"/>
           </p:nvPr>
@@ -3322,7 +3455,7 @@
           </a:prstGeom>
         </p:spPr>
         <p:txBody>
-          <a:bodyPr anchorCtr="0" anchor="t" bIns="91425" lIns="91425" spcFirstLastPara="1" rIns="91425" wrap="square" tIns="91425">
+          <a:bodyPr spcFirstLastPara="1" wrap="square" lIns="91425" tIns="91425" rIns="91425" bIns="91425" anchor="t" anchorCtr="0">
             <a:normAutofit/>
           </a:bodyPr>
           <a:lstStyle>
@@ -3426,15 +3559,19 @@
               <a:defRPr/>
             </a:lvl9pPr>
           </a:lstStyle>
-          <a:p/>
+          <a:p>
+            <a:endParaRPr/>
+          </a:p>
         </p:txBody>
       </p:sp>
       <p:sp>
         <p:nvSpPr>
           <p:cNvPr id="18" name="Google Shape;18;p4"/>
-          <p:cNvSpPr txBox="1"/>
+          <p:cNvSpPr txBox="1">
+            <a:spLocks noGrp="1"/>
+          </p:cNvSpPr>
           <p:nvPr>
-            <p:ph idx="1" type="body"/>
+            <p:ph type="body" idx="1"/>
           </p:nvPr>
         </p:nvSpPr>
         <p:spPr>
@@ -3447,11 +3584,11 @@
           </a:prstGeom>
         </p:spPr>
         <p:txBody>
-          <a:bodyPr anchorCtr="0" anchor="t" bIns="91425" lIns="91425" spcFirstLastPara="1" rIns="91425" wrap="square" tIns="91425">
+          <a:bodyPr spcFirstLastPara="1" wrap="square" lIns="91425" tIns="91425" rIns="91425" bIns="91425" anchor="t" anchorCtr="0">
             <a:normAutofit/>
           </a:bodyPr>
           <a:lstStyle>
-            <a:lvl1pPr indent="-342900" lvl="0" marL="457200">
+            <a:lvl1pPr marL="457200" lvl="0" indent="-342900">
               <a:spcBef>
                 <a:spcPts val="0"/>
               </a:spcBef>
@@ -3462,7 +3599,7 @@
               <a:buChar char="●"/>
               <a:defRPr/>
             </a:lvl1pPr>
-            <a:lvl2pPr indent="-317500" lvl="1" marL="914400">
+            <a:lvl2pPr marL="914400" lvl="1" indent="-317500">
               <a:spcBef>
                 <a:spcPts val="0"/>
               </a:spcBef>
@@ -3473,7 +3610,7 @@
               <a:buChar char="○"/>
               <a:defRPr/>
             </a:lvl2pPr>
-            <a:lvl3pPr indent="-317500" lvl="2" marL="1371600">
+            <a:lvl3pPr marL="1371600" lvl="2" indent="-317500">
               <a:spcBef>
                 <a:spcPts val="0"/>
               </a:spcBef>
@@ -3484,7 +3621,7 @@
               <a:buChar char="■"/>
               <a:defRPr/>
             </a:lvl3pPr>
-            <a:lvl4pPr indent="-317500" lvl="3" marL="1828800">
+            <a:lvl4pPr marL="1828800" lvl="3" indent="-317500">
               <a:spcBef>
                 <a:spcPts val="0"/>
               </a:spcBef>
@@ -3495,7 +3632,7 @@
               <a:buChar char="●"/>
               <a:defRPr/>
             </a:lvl4pPr>
-            <a:lvl5pPr indent="-317500" lvl="4" marL="2286000">
+            <a:lvl5pPr marL="2286000" lvl="4" indent="-317500">
               <a:spcBef>
                 <a:spcPts val="0"/>
               </a:spcBef>
@@ -3506,7 +3643,7 @@
               <a:buChar char="○"/>
               <a:defRPr/>
             </a:lvl5pPr>
-            <a:lvl6pPr indent="-317500" lvl="5" marL="2743200">
+            <a:lvl6pPr marL="2743200" lvl="5" indent="-317500">
               <a:spcBef>
                 <a:spcPts val="0"/>
               </a:spcBef>
@@ -3517,7 +3654,7 @@
               <a:buChar char="■"/>
               <a:defRPr/>
             </a:lvl6pPr>
-            <a:lvl7pPr indent="-317500" lvl="6" marL="3200400">
+            <a:lvl7pPr marL="3200400" lvl="6" indent="-317500">
               <a:spcBef>
                 <a:spcPts val="0"/>
               </a:spcBef>
@@ -3528,7 +3665,7 @@
               <a:buChar char="●"/>
               <a:defRPr/>
             </a:lvl7pPr>
-            <a:lvl8pPr indent="-317500" lvl="7" marL="3657600">
+            <a:lvl8pPr marL="3657600" lvl="7" indent="-317500">
               <a:spcBef>
                 <a:spcPts val="0"/>
               </a:spcBef>
@@ -3539,7 +3676,7 @@
               <a:buChar char="○"/>
               <a:defRPr/>
             </a:lvl8pPr>
-            <a:lvl9pPr indent="-317500" lvl="8" marL="4114800">
+            <a:lvl9pPr marL="4114800" lvl="8" indent="-317500">
               <a:spcBef>
                 <a:spcPts val="0"/>
               </a:spcBef>
@@ -3551,15 +3688,19 @@
               <a:defRPr/>
             </a:lvl9pPr>
           </a:lstStyle>
-          <a:p/>
+          <a:p>
+            <a:endParaRPr/>
+          </a:p>
         </p:txBody>
       </p:sp>
       <p:sp>
         <p:nvSpPr>
           <p:cNvPr id="19" name="Google Shape;19;p4"/>
-          <p:cNvSpPr txBox="1"/>
+          <p:cNvSpPr txBox="1">
+            <a:spLocks noGrp="1"/>
+          </p:cNvSpPr>
           <p:nvPr>
-            <p:ph idx="12" type="sldNum"/>
+            <p:ph type="sldNum" idx="12"/>
           </p:nvPr>
         </p:nvSpPr>
         <p:spPr>
@@ -3572,7 +3713,7 @@
           </a:prstGeom>
         </p:spPr>
         <p:txBody>
-          <a:bodyPr anchorCtr="0" anchor="ctr" bIns="91425" lIns="91425" spcFirstLastPara="1" rIns="91425" wrap="square" tIns="91425">
+          <a:bodyPr spcFirstLastPara="1" wrap="square" lIns="91425" tIns="91425" rIns="91425" bIns="91425" anchor="ctr" anchorCtr="0">
             <a:normAutofit/>
           </a:bodyPr>
           <a:lstStyle>
@@ -3614,7 +3755,7 @@
             </a:lvl9pPr>
           </a:lstStyle>
           <a:p>
-            <a:pPr indent="0" lvl="0" marL="0" rtl="0" algn="r">
+            <a:pPr marL="0" lvl="0" indent="0" algn="r" rtl="0">
               <a:spcBef>
                 <a:spcPts val="0"/>
               </a:spcBef>
@@ -3640,11 +3781,11 @@
 </file>
 
 <file path=ppt/slideLayouts/slideLayout4.xml><?xml version="1.0" encoding="utf-8"?>
-<p:sldLayout xmlns:a="http://schemas.openxmlformats.org/drawingml/2006/main" xmlns:r="http://schemas.openxmlformats.org/officeDocument/2006/relationships" xmlns:mc="http://schemas.openxmlformats.org/markup-compatibility/2006" xmlns:mv="urn:schemas-microsoft-com:mac:vml" xmlns:p="http://schemas.openxmlformats.org/presentationml/2006/main" xmlns:c="http://schemas.openxmlformats.org/drawingml/2006/chart" xmlns:dgm="http://schemas.openxmlformats.org/drawingml/2006/diagram" xmlns:o="urn:schemas-microsoft-com:office:office" xmlns:v="urn:schemas-microsoft-com:vml" xmlns:pvml="urn:schemas-microsoft-com:office:powerpoint" xmlns:com="http://schemas.openxmlformats.org/drawingml/2006/compatibility" xmlns:p14="http://schemas.microsoft.com/office/powerpoint/2010/main" xmlns:p15="http://schemas.microsoft.com/office/powerpoint/2012/main" xmlns:ahyp="http://schemas.microsoft.com/office/drawing/2018/hyperlinkcolor" matchingName="Title and two columns" type="twoColTx">
+<p:sldLayout xmlns:a="http://schemas.openxmlformats.org/drawingml/2006/main" xmlns:r="http://schemas.openxmlformats.org/officeDocument/2006/relationships" xmlns:p="http://schemas.openxmlformats.org/presentationml/2006/main" matchingName="Title and two columns" type="twoColTx">
   <p:cSld name="TITLE_AND_TWO_COLUMNS">
     <p:spTree>
       <p:nvGrpSpPr>
-        <p:cNvPr id="20" name="Shape 20"/>
+        <p:cNvPr id="1" name="Shape 20"/>
         <p:cNvGrpSpPr/>
         <p:nvPr/>
       </p:nvGrpSpPr>
@@ -3659,7 +3800,9 @@
       <p:sp>
         <p:nvSpPr>
           <p:cNvPr id="21" name="Google Shape;21;p5"/>
-          <p:cNvSpPr txBox="1"/>
+          <p:cNvSpPr txBox="1">
+            <a:spLocks noGrp="1"/>
+          </p:cNvSpPr>
           <p:nvPr>
             <p:ph type="title"/>
           </p:nvPr>
@@ -3674,7 +3817,7 @@
           </a:prstGeom>
         </p:spPr>
         <p:txBody>
-          <a:bodyPr anchorCtr="0" anchor="t" bIns="91425" lIns="91425" spcFirstLastPara="1" rIns="91425" wrap="square" tIns="91425">
+          <a:bodyPr spcFirstLastPara="1" wrap="square" lIns="91425" tIns="91425" rIns="91425" bIns="91425" anchor="t" anchorCtr="0">
             <a:normAutofit/>
           </a:bodyPr>
           <a:lstStyle>
@@ -3778,15 +3921,19 @@
               <a:defRPr/>
             </a:lvl9pPr>
           </a:lstStyle>
-          <a:p/>
+          <a:p>
+            <a:endParaRPr/>
+          </a:p>
         </p:txBody>
       </p:sp>
       <p:sp>
         <p:nvSpPr>
           <p:cNvPr id="22" name="Google Shape;22;p5"/>
-          <p:cNvSpPr txBox="1"/>
+          <p:cNvSpPr txBox="1">
+            <a:spLocks noGrp="1"/>
+          </p:cNvSpPr>
           <p:nvPr>
-            <p:ph idx="1" type="body"/>
+            <p:ph type="body" idx="1"/>
           </p:nvPr>
         </p:nvSpPr>
         <p:spPr>
@@ -3799,11 +3946,11 @@
           </a:prstGeom>
         </p:spPr>
         <p:txBody>
-          <a:bodyPr anchorCtr="0" anchor="t" bIns="91425" lIns="91425" spcFirstLastPara="1" rIns="91425" wrap="square" tIns="91425">
+          <a:bodyPr spcFirstLastPara="1" wrap="square" lIns="91425" tIns="91425" rIns="91425" bIns="91425" anchor="t" anchorCtr="0">
             <a:normAutofit/>
           </a:bodyPr>
           <a:lstStyle>
-            <a:lvl1pPr indent="-317500" lvl="0" marL="457200">
+            <a:lvl1pPr marL="457200" lvl="0" indent="-317500">
               <a:spcBef>
                 <a:spcPts val="0"/>
               </a:spcBef>
@@ -3814,7 +3961,7 @@
               <a:buChar char="●"/>
               <a:defRPr sz="1400"/>
             </a:lvl1pPr>
-            <a:lvl2pPr indent="-304800" lvl="1" marL="914400">
+            <a:lvl2pPr marL="914400" lvl="1" indent="-304800">
               <a:spcBef>
                 <a:spcPts val="0"/>
               </a:spcBef>
@@ -3825,7 +3972,7 @@
               <a:buChar char="○"/>
               <a:defRPr sz="1200"/>
             </a:lvl2pPr>
-            <a:lvl3pPr indent="-304800" lvl="2" marL="1371600">
+            <a:lvl3pPr marL="1371600" lvl="2" indent="-304800">
               <a:spcBef>
                 <a:spcPts val="0"/>
               </a:spcBef>
@@ -3836,7 +3983,7 @@
               <a:buChar char="■"/>
               <a:defRPr sz="1200"/>
             </a:lvl3pPr>
-            <a:lvl4pPr indent="-304800" lvl="3" marL="1828800">
+            <a:lvl4pPr marL="1828800" lvl="3" indent="-304800">
               <a:spcBef>
                 <a:spcPts val="0"/>
               </a:spcBef>
@@ -3847,7 +3994,7 @@
               <a:buChar char="●"/>
               <a:defRPr sz="1200"/>
             </a:lvl4pPr>
-            <a:lvl5pPr indent="-304800" lvl="4" marL="2286000">
+            <a:lvl5pPr marL="2286000" lvl="4" indent="-304800">
               <a:spcBef>
                 <a:spcPts val="0"/>
               </a:spcBef>
@@ -3858,7 +4005,7 @@
               <a:buChar char="○"/>
               <a:defRPr sz="1200"/>
             </a:lvl5pPr>
-            <a:lvl6pPr indent="-304800" lvl="5" marL="2743200">
+            <a:lvl6pPr marL="2743200" lvl="5" indent="-304800">
               <a:spcBef>
                 <a:spcPts val="0"/>
               </a:spcBef>
@@ -3869,7 +4016,7 @@
               <a:buChar char="■"/>
               <a:defRPr sz="1200"/>
             </a:lvl6pPr>
-            <a:lvl7pPr indent="-304800" lvl="6" marL="3200400">
+            <a:lvl7pPr marL="3200400" lvl="6" indent="-304800">
               <a:spcBef>
                 <a:spcPts val="0"/>
               </a:spcBef>
@@ -3880,7 +4027,7 @@
               <a:buChar char="●"/>
               <a:defRPr sz="1200"/>
             </a:lvl7pPr>
-            <a:lvl8pPr indent="-304800" lvl="7" marL="3657600">
+            <a:lvl8pPr marL="3657600" lvl="7" indent="-304800">
               <a:spcBef>
                 <a:spcPts val="0"/>
               </a:spcBef>
@@ -3891,7 +4038,7 @@
               <a:buChar char="○"/>
               <a:defRPr sz="1200"/>
             </a:lvl8pPr>
-            <a:lvl9pPr indent="-304800" lvl="8" marL="4114800">
+            <a:lvl9pPr marL="4114800" lvl="8" indent="-304800">
               <a:spcBef>
                 <a:spcPts val="0"/>
               </a:spcBef>
@@ -3903,15 +4050,19 @@
               <a:defRPr sz="1200"/>
             </a:lvl9pPr>
           </a:lstStyle>
-          <a:p/>
+          <a:p>
+            <a:endParaRPr/>
+          </a:p>
         </p:txBody>
       </p:sp>
       <p:sp>
         <p:nvSpPr>
           <p:cNvPr id="23" name="Google Shape;23;p5"/>
-          <p:cNvSpPr txBox="1"/>
+          <p:cNvSpPr txBox="1">
+            <a:spLocks noGrp="1"/>
+          </p:cNvSpPr>
           <p:nvPr>
-            <p:ph idx="2" type="body"/>
+            <p:ph type="body" idx="2"/>
           </p:nvPr>
         </p:nvSpPr>
         <p:spPr>
@@ -3924,11 +4075,11 @@
           </a:prstGeom>
         </p:spPr>
         <p:txBody>
-          <a:bodyPr anchorCtr="0" anchor="t" bIns="91425" lIns="91425" spcFirstLastPara="1" rIns="91425" wrap="square" tIns="91425">
+          <a:bodyPr spcFirstLastPara="1" wrap="square" lIns="91425" tIns="91425" rIns="91425" bIns="91425" anchor="t" anchorCtr="0">
             <a:normAutofit/>
           </a:bodyPr>
           <a:lstStyle>
-            <a:lvl1pPr indent="-317500" lvl="0" marL="457200">
+            <a:lvl1pPr marL="457200" lvl="0" indent="-317500">
               <a:spcBef>
                 <a:spcPts val="0"/>
               </a:spcBef>
@@ -3939,7 +4090,7 @@
               <a:buChar char="●"/>
               <a:defRPr sz="1400"/>
             </a:lvl1pPr>
-            <a:lvl2pPr indent="-304800" lvl="1" marL="914400">
+            <a:lvl2pPr marL="914400" lvl="1" indent="-304800">
               <a:spcBef>
                 <a:spcPts val="0"/>
               </a:spcBef>
@@ -3950,7 +4101,7 @@
               <a:buChar char="○"/>
               <a:defRPr sz="1200"/>
             </a:lvl2pPr>
-            <a:lvl3pPr indent="-304800" lvl="2" marL="1371600">
+            <a:lvl3pPr marL="1371600" lvl="2" indent="-304800">
               <a:spcBef>
                 <a:spcPts val="0"/>
               </a:spcBef>
@@ -3961,7 +4112,7 @@
               <a:buChar char="■"/>
               <a:defRPr sz="1200"/>
             </a:lvl3pPr>
-            <a:lvl4pPr indent="-304800" lvl="3" marL="1828800">
+            <a:lvl4pPr marL="1828800" lvl="3" indent="-304800">
               <a:spcBef>
                 <a:spcPts val="0"/>
               </a:spcBef>
@@ -3972,7 +4123,7 @@
               <a:buChar char="●"/>
               <a:defRPr sz="1200"/>
             </a:lvl4pPr>
-            <a:lvl5pPr indent="-304800" lvl="4" marL="2286000">
+            <a:lvl5pPr marL="2286000" lvl="4" indent="-304800">
               <a:spcBef>
                 <a:spcPts val="0"/>
               </a:spcBef>
@@ -3983,7 +4134,7 @@
               <a:buChar char="○"/>
               <a:defRPr sz="1200"/>
             </a:lvl5pPr>
-            <a:lvl6pPr indent="-304800" lvl="5" marL="2743200">
+            <a:lvl6pPr marL="2743200" lvl="5" indent="-304800">
               <a:spcBef>
                 <a:spcPts val="0"/>
               </a:spcBef>
@@ -3994,7 +4145,7 @@
               <a:buChar char="■"/>
               <a:defRPr sz="1200"/>
             </a:lvl6pPr>
-            <a:lvl7pPr indent="-304800" lvl="6" marL="3200400">
+            <a:lvl7pPr marL="3200400" lvl="6" indent="-304800">
               <a:spcBef>
                 <a:spcPts val="0"/>
               </a:spcBef>
@@ -4005,7 +4156,7 @@
               <a:buChar char="●"/>
               <a:defRPr sz="1200"/>
             </a:lvl7pPr>
-            <a:lvl8pPr indent="-304800" lvl="7" marL="3657600">
+            <a:lvl8pPr marL="3657600" lvl="7" indent="-304800">
               <a:spcBef>
                 <a:spcPts val="0"/>
               </a:spcBef>
@@ -4016,7 +4167,7 @@
               <a:buChar char="○"/>
               <a:defRPr sz="1200"/>
             </a:lvl8pPr>
-            <a:lvl9pPr indent="-304800" lvl="8" marL="4114800">
+            <a:lvl9pPr marL="4114800" lvl="8" indent="-304800">
               <a:spcBef>
                 <a:spcPts val="0"/>
               </a:spcBef>
@@ -4028,15 +4179,19 @@
               <a:defRPr sz="1200"/>
             </a:lvl9pPr>
           </a:lstStyle>
-          <a:p/>
+          <a:p>
+            <a:endParaRPr/>
+          </a:p>
         </p:txBody>
       </p:sp>
       <p:sp>
         <p:nvSpPr>
           <p:cNvPr id="24" name="Google Shape;24;p5"/>
-          <p:cNvSpPr txBox="1"/>
+          <p:cNvSpPr txBox="1">
+            <a:spLocks noGrp="1"/>
+          </p:cNvSpPr>
           <p:nvPr>
-            <p:ph idx="12" type="sldNum"/>
+            <p:ph type="sldNum" idx="12"/>
           </p:nvPr>
         </p:nvSpPr>
         <p:spPr>
@@ -4049,7 +4204,7 @@
           </a:prstGeom>
         </p:spPr>
         <p:txBody>
-          <a:bodyPr anchorCtr="0" anchor="ctr" bIns="91425" lIns="91425" spcFirstLastPara="1" rIns="91425" wrap="square" tIns="91425">
+          <a:bodyPr spcFirstLastPara="1" wrap="square" lIns="91425" tIns="91425" rIns="91425" bIns="91425" anchor="ctr" anchorCtr="0">
             <a:normAutofit/>
           </a:bodyPr>
           <a:lstStyle>
@@ -4091,7 +4246,7 @@
             </a:lvl9pPr>
           </a:lstStyle>
           <a:p>
-            <a:pPr indent="0" lvl="0" marL="0" rtl="0" algn="r">
+            <a:pPr marL="0" lvl="0" indent="0" algn="r" rtl="0">
               <a:spcBef>
                 <a:spcPts val="0"/>
               </a:spcBef>
@@ -4117,11 +4272,11 @@
 </file>
 
 <file path=ppt/slideLayouts/slideLayout5.xml><?xml version="1.0" encoding="utf-8"?>
-<p:sldLayout xmlns:a="http://schemas.openxmlformats.org/drawingml/2006/main" xmlns:r="http://schemas.openxmlformats.org/officeDocument/2006/relationships" xmlns:mc="http://schemas.openxmlformats.org/markup-compatibility/2006" xmlns:mv="urn:schemas-microsoft-com:mac:vml" xmlns:p="http://schemas.openxmlformats.org/presentationml/2006/main" xmlns:c="http://schemas.openxmlformats.org/drawingml/2006/chart" xmlns:dgm="http://schemas.openxmlformats.org/drawingml/2006/diagram" xmlns:o="urn:schemas-microsoft-com:office:office" xmlns:v="urn:schemas-microsoft-com:vml" xmlns:pvml="urn:schemas-microsoft-com:office:powerpoint" xmlns:com="http://schemas.openxmlformats.org/drawingml/2006/compatibility" xmlns:p14="http://schemas.microsoft.com/office/powerpoint/2010/main" xmlns:p15="http://schemas.microsoft.com/office/powerpoint/2012/main" xmlns:ahyp="http://schemas.microsoft.com/office/drawing/2018/hyperlinkcolor" matchingName="Title only" type="titleOnly">
+<p:sldLayout xmlns:a="http://schemas.openxmlformats.org/drawingml/2006/main" xmlns:r="http://schemas.openxmlformats.org/officeDocument/2006/relationships" xmlns:p="http://schemas.openxmlformats.org/presentationml/2006/main" matchingName="Title only" type="titleOnly">
   <p:cSld name="TITLE_ONLY">
     <p:spTree>
       <p:nvGrpSpPr>
-        <p:cNvPr id="25" name="Shape 25"/>
+        <p:cNvPr id="1" name="Shape 25"/>
         <p:cNvGrpSpPr/>
         <p:nvPr/>
       </p:nvGrpSpPr>
@@ -4136,7 +4291,9 @@
       <p:sp>
         <p:nvSpPr>
           <p:cNvPr id="26" name="Google Shape;26;p6"/>
-          <p:cNvSpPr txBox="1"/>
+          <p:cNvSpPr txBox="1">
+            <a:spLocks noGrp="1"/>
+          </p:cNvSpPr>
           <p:nvPr>
             <p:ph type="title"/>
           </p:nvPr>
@@ -4151,7 +4308,7 @@
           </a:prstGeom>
         </p:spPr>
         <p:txBody>
-          <a:bodyPr anchorCtr="0" anchor="t" bIns="91425" lIns="91425" spcFirstLastPara="1" rIns="91425" wrap="square" tIns="91425">
+          <a:bodyPr spcFirstLastPara="1" wrap="square" lIns="91425" tIns="91425" rIns="91425" bIns="91425" anchor="t" anchorCtr="0">
             <a:normAutofit/>
           </a:bodyPr>
           <a:lstStyle>
@@ -4255,15 +4412,19 @@
               <a:defRPr/>
             </a:lvl9pPr>
           </a:lstStyle>
-          <a:p/>
+          <a:p>
+            <a:endParaRPr/>
+          </a:p>
         </p:txBody>
       </p:sp>
       <p:sp>
         <p:nvSpPr>
           <p:cNvPr id="27" name="Google Shape;27;p6"/>
-          <p:cNvSpPr txBox="1"/>
+          <p:cNvSpPr txBox="1">
+            <a:spLocks noGrp="1"/>
+          </p:cNvSpPr>
           <p:nvPr>
-            <p:ph idx="12" type="sldNum"/>
+            <p:ph type="sldNum" idx="12"/>
           </p:nvPr>
         </p:nvSpPr>
         <p:spPr>
@@ -4276,7 +4437,7 @@
           </a:prstGeom>
         </p:spPr>
         <p:txBody>
-          <a:bodyPr anchorCtr="0" anchor="ctr" bIns="91425" lIns="91425" spcFirstLastPara="1" rIns="91425" wrap="square" tIns="91425">
+          <a:bodyPr spcFirstLastPara="1" wrap="square" lIns="91425" tIns="91425" rIns="91425" bIns="91425" anchor="ctr" anchorCtr="0">
             <a:normAutofit/>
           </a:bodyPr>
           <a:lstStyle>
@@ -4318,7 +4479,7 @@
             </a:lvl9pPr>
           </a:lstStyle>
           <a:p>
-            <a:pPr indent="0" lvl="0" marL="0" rtl="0" algn="r">
+            <a:pPr marL="0" lvl="0" indent="0" algn="r" rtl="0">
               <a:spcBef>
                 <a:spcPts val="0"/>
               </a:spcBef>
@@ -4344,11 +4505,11 @@
 </file>
 
 <file path=ppt/slideLayouts/slideLayout6.xml><?xml version="1.0" encoding="utf-8"?>
-<p:sldLayout xmlns:a="http://schemas.openxmlformats.org/drawingml/2006/main" xmlns:r="http://schemas.openxmlformats.org/officeDocument/2006/relationships" xmlns:mc="http://schemas.openxmlformats.org/markup-compatibility/2006" xmlns:mv="urn:schemas-microsoft-com:mac:vml" xmlns:p="http://schemas.openxmlformats.org/presentationml/2006/main" xmlns:c="http://schemas.openxmlformats.org/drawingml/2006/chart" xmlns:dgm="http://schemas.openxmlformats.org/drawingml/2006/diagram" xmlns:o="urn:schemas-microsoft-com:office:office" xmlns:v="urn:schemas-microsoft-com:vml" xmlns:pvml="urn:schemas-microsoft-com:office:powerpoint" xmlns:com="http://schemas.openxmlformats.org/drawingml/2006/compatibility" xmlns:p14="http://schemas.microsoft.com/office/powerpoint/2010/main" xmlns:p15="http://schemas.microsoft.com/office/powerpoint/2012/main" xmlns:ahyp="http://schemas.microsoft.com/office/drawing/2018/hyperlinkcolor" matchingName="One column text">
+<p:sldLayout xmlns:a="http://schemas.openxmlformats.org/drawingml/2006/main" xmlns:r="http://schemas.openxmlformats.org/officeDocument/2006/relationships" xmlns:p="http://schemas.openxmlformats.org/presentationml/2006/main" matchingName="One column text">
   <p:cSld name="ONE_COLUMN_TEXT">
     <p:spTree>
       <p:nvGrpSpPr>
-        <p:cNvPr id="28" name="Shape 28"/>
+        <p:cNvPr id="1" name="Shape 28"/>
         <p:cNvGrpSpPr/>
         <p:nvPr/>
       </p:nvGrpSpPr>
@@ -4363,7 +4524,9 @@
       <p:sp>
         <p:nvSpPr>
           <p:cNvPr id="29" name="Google Shape;29;p7"/>
-          <p:cNvSpPr txBox="1"/>
+          <p:cNvSpPr txBox="1">
+            <a:spLocks noGrp="1"/>
+          </p:cNvSpPr>
           <p:nvPr>
             <p:ph type="title"/>
           </p:nvPr>
@@ -4378,7 +4541,7 @@
           </a:prstGeom>
         </p:spPr>
         <p:txBody>
-          <a:bodyPr anchorCtr="0" anchor="b" bIns="91425" lIns="91425" spcFirstLastPara="1" rIns="91425" wrap="square" tIns="91425">
+          <a:bodyPr spcFirstLastPara="1" wrap="square" lIns="91425" tIns="91425" rIns="91425" bIns="91425" anchor="b" anchorCtr="0">
             <a:normAutofit/>
           </a:bodyPr>
           <a:lstStyle>
@@ -4482,15 +4645,19 @@
               <a:defRPr sz="2400"/>
             </a:lvl9pPr>
           </a:lstStyle>
-          <a:p/>
+          <a:p>
+            <a:endParaRPr/>
+          </a:p>
         </p:txBody>
       </p:sp>
       <p:sp>
         <p:nvSpPr>
           <p:cNvPr id="30" name="Google Shape;30;p7"/>
-          <p:cNvSpPr txBox="1"/>
+          <p:cNvSpPr txBox="1">
+            <a:spLocks noGrp="1"/>
+          </p:cNvSpPr>
           <p:nvPr>
-            <p:ph idx="1" type="body"/>
+            <p:ph type="body" idx="1"/>
           </p:nvPr>
         </p:nvSpPr>
         <p:spPr>
@@ -4503,11 +4670,11 @@
           </a:prstGeom>
         </p:spPr>
         <p:txBody>
-          <a:bodyPr anchorCtr="0" anchor="t" bIns="91425" lIns="91425" spcFirstLastPara="1" rIns="91425" wrap="square" tIns="91425">
+          <a:bodyPr spcFirstLastPara="1" wrap="square" lIns="91425" tIns="91425" rIns="91425" bIns="91425" anchor="t" anchorCtr="0">
             <a:normAutofit/>
           </a:bodyPr>
           <a:lstStyle>
-            <a:lvl1pPr indent="-304800" lvl="0" marL="457200">
+            <a:lvl1pPr marL="457200" lvl="0" indent="-304800">
               <a:spcBef>
                 <a:spcPts val="0"/>
               </a:spcBef>
@@ -4518,7 +4685,7 @@
               <a:buChar char="●"/>
               <a:defRPr sz="1200"/>
             </a:lvl1pPr>
-            <a:lvl2pPr indent="-304800" lvl="1" marL="914400">
+            <a:lvl2pPr marL="914400" lvl="1" indent="-304800">
               <a:spcBef>
                 <a:spcPts val="0"/>
               </a:spcBef>
@@ -4529,7 +4696,7 @@
               <a:buChar char="○"/>
               <a:defRPr sz="1200"/>
             </a:lvl2pPr>
-            <a:lvl3pPr indent="-304800" lvl="2" marL="1371600">
+            <a:lvl3pPr marL="1371600" lvl="2" indent="-304800">
               <a:spcBef>
                 <a:spcPts val="0"/>
               </a:spcBef>
@@ -4540,7 +4707,7 @@
               <a:buChar char="■"/>
               <a:defRPr sz="1200"/>
             </a:lvl3pPr>
-            <a:lvl4pPr indent="-304800" lvl="3" marL="1828800">
+            <a:lvl4pPr marL="1828800" lvl="3" indent="-304800">
               <a:spcBef>
                 <a:spcPts val="0"/>
               </a:spcBef>
@@ -4551,7 +4718,7 @@
               <a:buChar char="●"/>
               <a:defRPr sz="1200"/>
             </a:lvl4pPr>
-            <a:lvl5pPr indent="-304800" lvl="4" marL="2286000">
+            <a:lvl5pPr marL="2286000" lvl="4" indent="-304800">
               <a:spcBef>
                 <a:spcPts val="0"/>
               </a:spcBef>
@@ -4562,7 +4729,7 @@
               <a:buChar char="○"/>
               <a:defRPr sz="1200"/>
             </a:lvl5pPr>
-            <a:lvl6pPr indent="-304800" lvl="5" marL="2743200">
+            <a:lvl6pPr marL="2743200" lvl="5" indent="-304800">
               <a:spcBef>
                 <a:spcPts val="0"/>
               </a:spcBef>
@@ -4573,7 +4740,7 @@
               <a:buChar char="■"/>
               <a:defRPr sz="1200"/>
             </a:lvl6pPr>
-            <a:lvl7pPr indent="-304800" lvl="6" marL="3200400">
+            <a:lvl7pPr marL="3200400" lvl="6" indent="-304800">
               <a:spcBef>
                 <a:spcPts val="0"/>
               </a:spcBef>
@@ -4584,7 +4751,7 @@
               <a:buChar char="●"/>
               <a:defRPr sz="1200"/>
             </a:lvl7pPr>
-            <a:lvl8pPr indent="-304800" lvl="7" marL="3657600">
+            <a:lvl8pPr marL="3657600" lvl="7" indent="-304800">
               <a:spcBef>
                 <a:spcPts val="0"/>
               </a:spcBef>
@@ -4595,7 +4762,7 @@
               <a:buChar char="○"/>
               <a:defRPr sz="1200"/>
             </a:lvl8pPr>
-            <a:lvl9pPr indent="-304800" lvl="8" marL="4114800">
+            <a:lvl9pPr marL="4114800" lvl="8" indent="-304800">
               <a:spcBef>
                 <a:spcPts val="0"/>
               </a:spcBef>
@@ -4607,15 +4774,19 @@
               <a:defRPr sz="1200"/>
             </a:lvl9pPr>
           </a:lstStyle>
-          <a:p/>
+          <a:p>
+            <a:endParaRPr/>
+          </a:p>
         </p:txBody>
       </p:sp>
       <p:sp>
         <p:nvSpPr>
           <p:cNvPr id="31" name="Google Shape;31;p7"/>
-          <p:cNvSpPr txBox="1"/>
+          <p:cNvSpPr txBox="1">
+            <a:spLocks noGrp="1"/>
+          </p:cNvSpPr>
           <p:nvPr>
-            <p:ph idx="12" type="sldNum"/>
+            <p:ph type="sldNum" idx="12"/>
           </p:nvPr>
         </p:nvSpPr>
         <p:spPr>
@@ -4628,7 +4799,7 @@
           </a:prstGeom>
         </p:spPr>
         <p:txBody>
-          <a:bodyPr anchorCtr="0" anchor="ctr" bIns="91425" lIns="91425" spcFirstLastPara="1" rIns="91425" wrap="square" tIns="91425">
+          <a:bodyPr spcFirstLastPara="1" wrap="square" lIns="91425" tIns="91425" rIns="91425" bIns="91425" anchor="ctr" anchorCtr="0">
             <a:normAutofit/>
           </a:bodyPr>
           <a:lstStyle>
@@ -4670,7 +4841,7 @@
             </a:lvl9pPr>
           </a:lstStyle>
           <a:p>
-            <a:pPr indent="0" lvl="0" marL="0" rtl="0" algn="r">
+            <a:pPr marL="0" lvl="0" indent="0" algn="r" rtl="0">
               <a:spcBef>
                 <a:spcPts val="0"/>
               </a:spcBef>
@@ -4696,11 +4867,11 @@
 </file>
 
 <file path=ppt/slideLayouts/slideLayout7.xml><?xml version="1.0" encoding="utf-8"?>
-<p:sldLayout xmlns:a="http://schemas.openxmlformats.org/drawingml/2006/main" xmlns:r="http://schemas.openxmlformats.org/officeDocument/2006/relationships" xmlns:mc="http://schemas.openxmlformats.org/markup-compatibility/2006" xmlns:mv="urn:schemas-microsoft-com:mac:vml" xmlns:p="http://schemas.openxmlformats.org/presentationml/2006/main" xmlns:c="http://schemas.openxmlformats.org/drawingml/2006/chart" xmlns:dgm="http://schemas.openxmlformats.org/drawingml/2006/diagram" xmlns:o="urn:schemas-microsoft-com:office:office" xmlns:v="urn:schemas-microsoft-com:vml" xmlns:pvml="urn:schemas-microsoft-com:office:powerpoint" xmlns:com="http://schemas.openxmlformats.org/drawingml/2006/compatibility" xmlns:p14="http://schemas.microsoft.com/office/powerpoint/2010/main" xmlns:p15="http://schemas.microsoft.com/office/powerpoint/2012/main" xmlns:ahyp="http://schemas.microsoft.com/office/drawing/2018/hyperlinkcolor" matchingName="Main point">
+<p:sldLayout xmlns:a="http://schemas.openxmlformats.org/drawingml/2006/main" xmlns:r="http://schemas.openxmlformats.org/officeDocument/2006/relationships" xmlns:p="http://schemas.openxmlformats.org/presentationml/2006/main" matchingName="Main point">
   <p:cSld name="MAIN_POINT">
     <p:spTree>
       <p:nvGrpSpPr>
-        <p:cNvPr id="32" name="Shape 32"/>
+        <p:cNvPr id="1" name="Shape 32"/>
         <p:cNvGrpSpPr/>
         <p:nvPr/>
       </p:nvGrpSpPr>
@@ -4715,7 +4886,9 @@
       <p:sp>
         <p:nvSpPr>
           <p:cNvPr id="33" name="Google Shape;33;p8"/>
-          <p:cNvSpPr txBox="1"/>
+          <p:cNvSpPr txBox="1">
+            <a:spLocks noGrp="1"/>
+          </p:cNvSpPr>
           <p:nvPr>
             <p:ph type="title"/>
           </p:nvPr>
@@ -4730,7 +4903,7 @@
           </a:prstGeom>
         </p:spPr>
         <p:txBody>
-          <a:bodyPr anchorCtr="0" anchor="ctr" bIns="91425" lIns="91425" spcFirstLastPara="1" rIns="91425" wrap="square" tIns="91425">
+          <a:bodyPr spcFirstLastPara="1" wrap="square" lIns="91425" tIns="91425" rIns="91425" bIns="91425" anchor="ctr" anchorCtr="0">
             <a:normAutofit/>
           </a:bodyPr>
           <a:lstStyle>
@@ -4834,15 +5007,19 @@
               <a:defRPr sz="4800"/>
             </a:lvl9pPr>
           </a:lstStyle>
-          <a:p/>
+          <a:p>
+            <a:endParaRPr/>
+          </a:p>
         </p:txBody>
       </p:sp>
       <p:sp>
         <p:nvSpPr>
           <p:cNvPr id="34" name="Google Shape;34;p8"/>
-          <p:cNvSpPr txBox="1"/>
+          <p:cNvSpPr txBox="1">
+            <a:spLocks noGrp="1"/>
+          </p:cNvSpPr>
           <p:nvPr>
-            <p:ph idx="12" type="sldNum"/>
+            <p:ph type="sldNum" idx="12"/>
           </p:nvPr>
         </p:nvSpPr>
         <p:spPr>
@@ -4855,7 +5032,7 @@
           </a:prstGeom>
         </p:spPr>
         <p:txBody>
-          <a:bodyPr anchorCtr="0" anchor="ctr" bIns="91425" lIns="91425" spcFirstLastPara="1" rIns="91425" wrap="square" tIns="91425">
+          <a:bodyPr spcFirstLastPara="1" wrap="square" lIns="91425" tIns="91425" rIns="91425" bIns="91425" anchor="ctr" anchorCtr="0">
             <a:normAutofit/>
           </a:bodyPr>
           <a:lstStyle>
@@ -4897,7 +5074,7 @@
             </a:lvl9pPr>
           </a:lstStyle>
           <a:p>
-            <a:pPr indent="0" lvl="0" marL="0" rtl="0" algn="r">
+            <a:pPr marL="0" lvl="0" indent="0" algn="r" rtl="0">
               <a:spcBef>
                 <a:spcPts val="0"/>
               </a:spcBef>
@@ -4923,11 +5100,11 @@
 </file>
 
 <file path=ppt/slideLayouts/slideLayout8.xml><?xml version="1.0" encoding="utf-8"?>
-<p:sldLayout xmlns:a="http://schemas.openxmlformats.org/drawingml/2006/main" xmlns:r="http://schemas.openxmlformats.org/officeDocument/2006/relationships" xmlns:mc="http://schemas.openxmlformats.org/markup-compatibility/2006" xmlns:mv="urn:schemas-microsoft-com:mac:vml" xmlns:p="http://schemas.openxmlformats.org/presentationml/2006/main" xmlns:c="http://schemas.openxmlformats.org/drawingml/2006/chart" xmlns:dgm="http://schemas.openxmlformats.org/drawingml/2006/diagram" xmlns:o="urn:schemas-microsoft-com:office:office" xmlns:v="urn:schemas-microsoft-com:vml" xmlns:pvml="urn:schemas-microsoft-com:office:powerpoint" xmlns:com="http://schemas.openxmlformats.org/drawingml/2006/compatibility" xmlns:p14="http://schemas.microsoft.com/office/powerpoint/2010/main" xmlns:p15="http://schemas.microsoft.com/office/powerpoint/2012/main" xmlns:ahyp="http://schemas.microsoft.com/office/drawing/2018/hyperlinkcolor" matchingName="Section title and description">
+<p:sldLayout xmlns:a="http://schemas.openxmlformats.org/drawingml/2006/main" xmlns:r="http://schemas.openxmlformats.org/officeDocument/2006/relationships" xmlns:p="http://schemas.openxmlformats.org/presentationml/2006/main" matchingName="Section title and description">
   <p:cSld name="SECTION_TITLE_AND_DESCRIPTION">
     <p:spTree>
       <p:nvGrpSpPr>
-        <p:cNvPr id="35" name="Shape 35"/>
+        <p:cNvPr id="1" name="Shape 35"/>
         <p:cNvGrpSpPr/>
         <p:nvPr/>
       </p:nvGrpSpPr>
@@ -4961,23 +5138,20 @@
           </a:ln>
         </p:spPr>
         <p:txBody>
-          <a:bodyPr anchorCtr="0" anchor="ctr" bIns="91425" lIns="91425" spcFirstLastPara="1" rIns="91425" wrap="square" tIns="91425">
+          <a:bodyPr spcFirstLastPara="1" wrap="square" lIns="91425" tIns="91425" rIns="91425" bIns="91425" anchor="ctr" anchorCtr="0">
             <a:noAutofit/>
           </a:bodyPr>
           <a:lstStyle/>
           <a:p>
-            <a:pPr indent="0" lvl="0" marL="0" rtl="0" algn="l">
-              <a:spcBef>
-                <a:spcPts val="0"/>
-              </a:spcBef>
-              <a:spcAft>
-                <a:spcPts val="0"/>
-              </a:spcAft>
-              <a:buNone/>
-            </a:pPr>
-            <a:r>
-              <a:t/>
-            </a:r>
+            <a:pPr marL="0" lvl="0" indent="0" algn="l" rtl="0">
+              <a:spcBef>
+                <a:spcPts val="0"/>
+              </a:spcBef>
+              <a:spcAft>
+                <a:spcPts val="0"/>
+              </a:spcAft>
+              <a:buNone/>
+            </a:pPr>
             <a:endParaRPr/>
           </a:p>
         </p:txBody>
@@ -4985,7 +5159,9 @@
       <p:sp>
         <p:nvSpPr>
           <p:cNvPr id="37" name="Google Shape;37;p9"/>
-          <p:cNvSpPr txBox="1"/>
+          <p:cNvSpPr txBox="1">
+            <a:spLocks noGrp="1"/>
+          </p:cNvSpPr>
           <p:nvPr>
             <p:ph type="title"/>
           </p:nvPr>
@@ -5000,7 +5176,7 @@
           </a:prstGeom>
         </p:spPr>
         <p:txBody>
-          <a:bodyPr anchorCtr="0" anchor="b" bIns="91425" lIns="91425" spcFirstLastPara="1" rIns="91425" wrap="square" tIns="91425">
+          <a:bodyPr spcFirstLastPara="1" wrap="square" lIns="91425" tIns="91425" rIns="91425" bIns="91425" anchor="b" anchorCtr="0">
             <a:normAutofit/>
           </a:bodyPr>
           <a:lstStyle>
@@ -5104,15 +5280,19 @@
               <a:defRPr sz="4200"/>
             </a:lvl9pPr>
           </a:lstStyle>
-          <a:p/>
+          <a:p>
+            <a:endParaRPr/>
+          </a:p>
         </p:txBody>
       </p:sp>
       <p:sp>
         <p:nvSpPr>
           <p:cNvPr id="38" name="Google Shape;38;p9"/>
-          <p:cNvSpPr txBox="1"/>
+          <p:cNvSpPr txBox="1">
+            <a:spLocks noGrp="1"/>
+          </p:cNvSpPr>
           <p:nvPr>
-            <p:ph idx="1" type="subTitle"/>
+            <p:ph type="subTitle" idx="1"/>
           </p:nvPr>
         </p:nvSpPr>
         <p:spPr>
@@ -5125,7 +5305,7 @@
           </a:prstGeom>
         </p:spPr>
         <p:txBody>
-          <a:bodyPr anchorCtr="0" anchor="t" bIns="91425" lIns="91425" spcFirstLastPara="1" rIns="91425" wrap="square" tIns="91425">
+          <a:bodyPr spcFirstLastPara="1" wrap="square" lIns="91425" tIns="91425" rIns="91425" bIns="91425" anchor="t" anchorCtr="0">
             <a:normAutofit/>
           </a:bodyPr>
           <a:lstStyle>
@@ -5256,15 +5436,19 @@
               <a:defRPr sz="2100"/>
             </a:lvl9pPr>
           </a:lstStyle>
-          <a:p/>
+          <a:p>
+            <a:endParaRPr/>
+          </a:p>
         </p:txBody>
       </p:sp>
       <p:sp>
         <p:nvSpPr>
           <p:cNvPr id="39" name="Google Shape;39;p9"/>
-          <p:cNvSpPr txBox="1"/>
+          <p:cNvSpPr txBox="1">
+            <a:spLocks noGrp="1"/>
+          </p:cNvSpPr>
           <p:nvPr>
-            <p:ph idx="2" type="body"/>
+            <p:ph type="body" idx="2"/>
           </p:nvPr>
         </p:nvSpPr>
         <p:spPr>
@@ -5277,11 +5461,11 @@
           </a:prstGeom>
         </p:spPr>
         <p:txBody>
-          <a:bodyPr anchorCtr="0" anchor="ctr" bIns="91425" lIns="91425" spcFirstLastPara="1" rIns="91425" wrap="square" tIns="91425">
+          <a:bodyPr spcFirstLastPara="1" wrap="square" lIns="91425" tIns="91425" rIns="91425" bIns="91425" anchor="ctr" anchorCtr="0">
             <a:normAutofit/>
           </a:bodyPr>
           <a:lstStyle>
-            <a:lvl1pPr indent="-342900" lvl="0" marL="457200">
+            <a:lvl1pPr marL="457200" lvl="0" indent="-342900">
               <a:spcBef>
                 <a:spcPts val="0"/>
               </a:spcBef>
@@ -5299,7 +5483,7 @@
                 </a:solidFill>
               </a:defRPr>
             </a:lvl1pPr>
-            <a:lvl2pPr indent="-317500" lvl="1" marL="914400">
+            <a:lvl2pPr marL="914400" lvl="1" indent="-317500">
               <a:spcBef>
                 <a:spcPts val="0"/>
               </a:spcBef>
@@ -5317,7 +5501,7 @@
                 </a:solidFill>
               </a:defRPr>
             </a:lvl2pPr>
-            <a:lvl3pPr indent="-317500" lvl="2" marL="1371600">
+            <a:lvl3pPr marL="1371600" lvl="2" indent="-317500">
               <a:spcBef>
                 <a:spcPts val="0"/>
               </a:spcBef>
@@ -5335,7 +5519,7 @@
                 </a:solidFill>
               </a:defRPr>
             </a:lvl3pPr>
-            <a:lvl4pPr indent="-317500" lvl="3" marL="1828800">
+            <a:lvl4pPr marL="1828800" lvl="3" indent="-317500">
               <a:spcBef>
                 <a:spcPts val="0"/>
               </a:spcBef>
@@ -5353,7 +5537,7 @@
                 </a:solidFill>
               </a:defRPr>
             </a:lvl4pPr>
-            <a:lvl5pPr indent="-317500" lvl="4" marL="2286000">
+            <a:lvl5pPr marL="2286000" lvl="4" indent="-317500">
               <a:spcBef>
                 <a:spcPts val="0"/>
               </a:spcBef>
@@ -5371,7 +5555,7 @@
                 </a:solidFill>
               </a:defRPr>
             </a:lvl5pPr>
-            <a:lvl6pPr indent="-317500" lvl="5" marL="2743200">
+            <a:lvl6pPr marL="2743200" lvl="5" indent="-317500">
               <a:spcBef>
                 <a:spcPts val="0"/>
               </a:spcBef>
@@ -5389,7 +5573,7 @@
                 </a:solidFill>
               </a:defRPr>
             </a:lvl6pPr>
-            <a:lvl7pPr indent="-317500" lvl="6" marL="3200400">
+            <a:lvl7pPr marL="3200400" lvl="6" indent="-317500">
               <a:spcBef>
                 <a:spcPts val="0"/>
               </a:spcBef>
@@ -5407,7 +5591,7 @@
                 </a:solidFill>
               </a:defRPr>
             </a:lvl7pPr>
-            <a:lvl8pPr indent="-317500" lvl="7" marL="3657600">
+            <a:lvl8pPr marL="3657600" lvl="7" indent="-317500">
               <a:spcBef>
                 <a:spcPts val="0"/>
               </a:spcBef>
@@ -5425,7 +5609,7 @@
                 </a:solidFill>
               </a:defRPr>
             </a:lvl8pPr>
-            <a:lvl9pPr indent="-317500" lvl="8" marL="4114800">
+            <a:lvl9pPr marL="4114800" lvl="8" indent="-317500">
               <a:spcBef>
                 <a:spcPts val="0"/>
               </a:spcBef>
@@ -5444,15 +5628,19 @@
               </a:defRPr>
             </a:lvl9pPr>
           </a:lstStyle>
-          <a:p/>
+          <a:p>
+            <a:endParaRPr/>
+          </a:p>
         </p:txBody>
       </p:sp>
       <p:sp>
         <p:nvSpPr>
           <p:cNvPr id="40" name="Google Shape;40;p9"/>
-          <p:cNvSpPr txBox="1"/>
+          <p:cNvSpPr txBox="1">
+            <a:spLocks noGrp="1"/>
+          </p:cNvSpPr>
           <p:nvPr>
-            <p:ph idx="12" type="sldNum"/>
+            <p:ph type="sldNum" idx="12"/>
           </p:nvPr>
         </p:nvSpPr>
         <p:spPr>
@@ -5465,7 +5653,7 @@
           </a:prstGeom>
         </p:spPr>
         <p:txBody>
-          <a:bodyPr anchorCtr="0" anchor="ctr" bIns="91425" lIns="91425" spcFirstLastPara="1" rIns="91425" wrap="square" tIns="91425">
+          <a:bodyPr spcFirstLastPara="1" wrap="square" lIns="91425" tIns="91425" rIns="91425" bIns="91425" anchor="ctr" anchorCtr="0">
             <a:normAutofit/>
           </a:bodyPr>
           <a:lstStyle>
@@ -5507,7 +5695,7 @@
             </a:lvl9pPr>
           </a:lstStyle>
           <a:p>
-            <a:pPr indent="0" lvl="0" marL="0" rtl="0" algn="r">
+            <a:pPr marL="0" lvl="0" indent="0" algn="r" rtl="0">
               <a:spcBef>
                 <a:spcPts val="0"/>
               </a:spcBef>
@@ -5533,11 +5721,11 @@
 </file>
 
 <file path=ppt/slideLayouts/slideLayout9.xml><?xml version="1.0" encoding="utf-8"?>
-<p:sldLayout xmlns:a="http://schemas.openxmlformats.org/drawingml/2006/main" xmlns:r="http://schemas.openxmlformats.org/officeDocument/2006/relationships" xmlns:mc="http://schemas.openxmlformats.org/markup-compatibility/2006" xmlns:mv="urn:schemas-microsoft-com:mac:vml" xmlns:p="http://schemas.openxmlformats.org/presentationml/2006/main" xmlns:c="http://schemas.openxmlformats.org/drawingml/2006/chart" xmlns:dgm="http://schemas.openxmlformats.org/drawingml/2006/diagram" xmlns:o="urn:schemas-microsoft-com:office:office" xmlns:v="urn:schemas-microsoft-com:vml" xmlns:pvml="urn:schemas-microsoft-com:office:powerpoint" xmlns:com="http://schemas.openxmlformats.org/drawingml/2006/compatibility" xmlns:p14="http://schemas.microsoft.com/office/powerpoint/2010/main" xmlns:p15="http://schemas.microsoft.com/office/powerpoint/2012/main" xmlns:ahyp="http://schemas.microsoft.com/office/drawing/2018/hyperlinkcolor" matchingName="Caption">
+<p:sldLayout xmlns:a="http://schemas.openxmlformats.org/drawingml/2006/main" xmlns:r="http://schemas.openxmlformats.org/officeDocument/2006/relationships" xmlns:p="http://schemas.openxmlformats.org/presentationml/2006/main" matchingName="Caption">
   <p:cSld name="CAPTION_ONLY">
     <p:spTree>
       <p:nvGrpSpPr>
-        <p:cNvPr id="41" name="Shape 41"/>
+        <p:cNvPr id="1" name="Shape 41"/>
         <p:cNvGrpSpPr/>
         <p:nvPr/>
       </p:nvGrpSpPr>
@@ -5552,9 +5740,11 @@
       <p:sp>
         <p:nvSpPr>
           <p:cNvPr id="42" name="Google Shape;42;p10"/>
-          <p:cNvSpPr txBox="1"/>
+          <p:cNvSpPr txBox="1">
+            <a:spLocks noGrp="1"/>
+          </p:cNvSpPr>
           <p:nvPr>
-            <p:ph idx="1" type="body"/>
+            <p:ph type="body" idx="1"/>
           </p:nvPr>
         </p:nvSpPr>
         <p:spPr>
@@ -5567,11 +5757,11 @@
           </a:prstGeom>
         </p:spPr>
         <p:txBody>
-          <a:bodyPr anchorCtr="0" anchor="ctr" bIns="91425" lIns="91425" spcFirstLastPara="1" rIns="91425" wrap="square" tIns="91425">
+          <a:bodyPr spcFirstLastPara="1" wrap="square" lIns="91425" tIns="91425" rIns="91425" bIns="91425" anchor="ctr" anchorCtr="0">
             <a:normAutofit/>
           </a:bodyPr>
           <a:lstStyle>
-            <a:lvl1pPr indent="-228600" lvl="0" marL="457200">
+            <a:lvl1pPr marL="457200" lvl="0" indent="-228600">
               <a:lnSpc>
                 <a:spcPct val="100000"/>
               </a:lnSpc>
@@ -5586,15 +5776,19 @@
               <a:defRPr/>
             </a:lvl1pPr>
           </a:lstStyle>
-          <a:p/>
+          <a:p>
+            <a:endParaRPr/>
+          </a:p>
         </p:txBody>
       </p:sp>
       <p:sp>
         <p:nvSpPr>
           <p:cNvPr id="43" name="Google Shape;43;p10"/>
-          <p:cNvSpPr txBox="1"/>
+          <p:cNvSpPr txBox="1">
+            <a:spLocks noGrp="1"/>
+          </p:cNvSpPr>
           <p:nvPr>
-            <p:ph idx="12" type="sldNum"/>
+            <p:ph type="sldNum" idx="12"/>
           </p:nvPr>
         </p:nvSpPr>
         <p:spPr>
@@ -5607,7 +5801,7 @@
           </a:prstGeom>
         </p:spPr>
         <p:txBody>
-          <a:bodyPr anchorCtr="0" anchor="ctr" bIns="91425" lIns="91425" spcFirstLastPara="1" rIns="91425" wrap="square" tIns="91425">
+          <a:bodyPr spcFirstLastPara="1" wrap="square" lIns="91425" tIns="91425" rIns="91425" bIns="91425" anchor="ctr" anchorCtr="0">
             <a:normAutofit/>
           </a:bodyPr>
           <a:lstStyle>
@@ -5649,7 +5843,7 @@
             </a:lvl9pPr>
           </a:lstStyle>
           <a:p>
-            <a:pPr indent="0" lvl="0" marL="0" rtl="0" algn="r">
+            <a:pPr marL="0" lvl="0" indent="0" algn="r" rtl="0">
               <a:spcBef>
                 <a:spcPts val="0"/>
               </a:spcBef>
@@ -5675,18 +5869,19 @@
 </file>
 
 <file path=ppt/slideMasters/slideMaster1.xml><?xml version="1.0" encoding="utf-8"?>
-<p:sldMaster xmlns:a="http://schemas.openxmlformats.org/drawingml/2006/main" xmlns:r="http://schemas.openxmlformats.org/officeDocument/2006/relationships" xmlns:mc="http://schemas.openxmlformats.org/markup-compatibility/2006" xmlns:mv="urn:schemas-microsoft-com:mac:vml" xmlns:p="http://schemas.openxmlformats.org/presentationml/2006/main" xmlns:c="http://schemas.openxmlformats.org/drawingml/2006/chart" xmlns:dgm="http://schemas.openxmlformats.org/drawingml/2006/diagram" xmlns:o="urn:schemas-microsoft-com:office:office" xmlns:v="urn:schemas-microsoft-com:vml" xmlns:pvml="urn:schemas-microsoft-com:office:powerpoint" xmlns:com="http://schemas.openxmlformats.org/drawingml/2006/compatibility" xmlns:p14="http://schemas.microsoft.com/office/powerpoint/2010/main" xmlns:p15="http://schemas.microsoft.com/office/powerpoint/2012/main" xmlns:ahyp="http://schemas.microsoft.com/office/drawing/2018/hyperlinkcolor">
+<p:sldMaster xmlns:a="http://schemas.openxmlformats.org/drawingml/2006/main" xmlns:r="http://schemas.openxmlformats.org/officeDocument/2006/relationships" xmlns:p="http://schemas.openxmlformats.org/presentationml/2006/main">
   <p:cSld name="simple-dark-2">
     <p:bg>
       <p:bgPr>
         <a:solidFill>
           <a:schemeClr val="lt1"/>
         </a:solidFill>
+        <a:effectLst/>
       </p:bgPr>
     </p:bg>
     <p:spTree>
       <p:nvGrpSpPr>
-        <p:cNvPr id="5" name="Shape 5"/>
+        <p:cNvPr id="1" name="Shape 5"/>
         <p:cNvGrpSpPr/>
         <p:nvPr/>
       </p:nvGrpSpPr>
@@ -5701,7 +5896,9 @@
       <p:sp>
         <p:nvSpPr>
           <p:cNvPr id="6" name="Google Shape;6;p1"/>
-          <p:cNvSpPr txBox="1"/>
+          <p:cNvSpPr txBox="1">
+            <a:spLocks noGrp="1"/>
+          </p:cNvSpPr>
           <p:nvPr>
             <p:ph type="title"/>
           </p:nvPr>
@@ -5720,7 +5917,7 @@
           </a:ln>
         </p:spPr>
         <p:txBody>
-          <a:bodyPr anchorCtr="0" anchor="t" bIns="91425" lIns="91425" spcFirstLastPara="1" rIns="91425" wrap="square" tIns="91425">
+          <a:bodyPr spcFirstLastPara="1" wrap="square" lIns="91425" tIns="91425" rIns="91425" bIns="91425" anchor="t" anchorCtr="0">
             <a:normAutofit/>
           </a:bodyPr>
           <a:lstStyle>
@@ -5887,15 +6084,19 @@
               </a:defRPr>
             </a:lvl9pPr>
           </a:lstStyle>
-          <a:p/>
+          <a:p>
+            <a:endParaRPr/>
+          </a:p>
         </p:txBody>
       </p:sp>
       <p:sp>
         <p:nvSpPr>
           <p:cNvPr id="7" name="Google Shape;7;p1"/>
-          <p:cNvSpPr txBox="1"/>
+          <p:cNvSpPr txBox="1">
+            <a:spLocks noGrp="1"/>
+          </p:cNvSpPr>
           <p:nvPr>
-            <p:ph idx="1" type="body"/>
+            <p:ph type="body" idx="1"/>
           </p:nvPr>
         </p:nvSpPr>
         <p:spPr>
@@ -5912,11 +6113,11 @@
           </a:ln>
         </p:spPr>
         <p:txBody>
-          <a:bodyPr anchorCtr="0" anchor="t" bIns="91425" lIns="91425" spcFirstLastPara="1" rIns="91425" wrap="square" tIns="91425">
+          <a:bodyPr spcFirstLastPara="1" wrap="square" lIns="91425" tIns="91425" rIns="91425" bIns="91425" anchor="t" anchorCtr="0">
             <a:normAutofit/>
           </a:bodyPr>
           <a:lstStyle>
-            <a:lvl1pPr indent="-342900" lvl="0" marL="457200">
+            <a:lvl1pPr marL="457200" lvl="0" indent="-342900">
               <a:lnSpc>
                 <a:spcPct val="115000"/>
               </a:lnSpc>
@@ -5937,7 +6138,7 @@
                 </a:solidFill>
               </a:defRPr>
             </a:lvl1pPr>
-            <a:lvl2pPr indent="-317500" lvl="1" marL="914400">
+            <a:lvl2pPr marL="914400" lvl="1" indent="-317500">
               <a:lnSpc>
                 <a:spcPct val="115000"/>
               </a:lnSpc>
@@ -5958,7 +6159,7 @@
                 </a:solidFill>
               </a:defRPr>
             </a:lvl2pPr>
-            <a:lvl3pPr indent="-317500" lvl="2" marL="1371600">
+            <a:lvl3pPr marL="1371600" lvl="2" indent="-317500">
               <a:lnSpc>
                 <a:spcPct val="115000"/>
               </a:lnSpc>
@@ -5979,7 +6180,7 @@
                 </a:solidFill>
               </a:defRPr>
             </a:lvl3pPr>
-            <a:lvl4pPr indent="-317500" lvl="3" marL="1828800">
+            <a:lvl4pPr marL="1828800" lvl="3" indent="-317500">
               <a:lnSpc>
                 <a:spcPct val="115000"/>
               </a:lnSpc>
@@ -6000,7 +6201,7 @@
                 </a:solidFill>
               </a:defRPr>
             </a:lvl4pPr>
-            <a:lvl5pPr indent="-317500" lvl="4" marL="2286000">
+            <a:lvl5pPr marL="2286000" lvl="4" indent="-317500">
               <a:lnSpc>
                 <a:spcPct val="115000"/>
               </a:lnSpc>
@@ -6021,7 +6222,7 @@
                 </a:solidFill>
               </a:defRPr>
             </a:lvl5pPr>
-            <a:lvl6pPr indent="-317500" lvl="5" marL="2743200">
+            <a:lvl6pPr marL="2743200" lvl="5" indent="-317500">
               <a:lnSpc>
                 <a:spcPct val="115000"/>
               </a:lnSpc>
@@ -6042,7 +6243,7 @@
                 </a:solidFill>
               </a:defRPr>
             </a:lvl6pPr>
-            <a:lvl7pPr indent="-317500" lvl="6" marL="3200400">
+            <a:lvl7pPr marL="3200400" lvl="6" indent="-317500">
               <a:lnSpc>
                 <a:spcPct val="115000"/>
               </a:lnSpc>
@@ -6063,7 +6264,7 @@
                 </a:solidFill>
               </a:defRPr>
             </a:lvl7pPr>
-            <a:lvl8pPr indent="-317500" lvl="7" marL="3657600">
+            <a:lvl8pPr marL="3657600" lvl="7" indent="-317500">
               <a:lnSpc>
                 <a:spcPct val="115000"/>
               </a:lnSpc>
@@ -6084,7 +6285,7 @@
                 </a:solidFill>
               </a:defRPr>
             </a:lvl8pPr>
-            <a:lvl9pPr indent="-317500" lvl="8" marL="4114800">
+            <a:lvl9pPr marL="4114800" lvl="8" indent="-317500">
               <a:lnSpc>
                 <a:spcPct val="115000"/>
               </a:lnSpc>
@@ -6106,15 +6307,19 @@
               </a:defRPr>
             </a:lvl9pPr>
           </a:lstStyle>
-          <a:p/>
+          <a:p>
+            <a:endParaRPr/>
+          </a:p>
         </p:txBody>
       </p:sp>
       <p:sp>
         <p:nvSpPr>
           <p:cNvPr id="8" name="Google Shape;8;p1"/>
-          <p:cNvSpPr txBox="1"/>
+          <p:cNvSpPr txBox="1">
+            <a:spLocks noGrp="1"/>
+          </p:cNvSpPr>
           <p:nvPr>
-            <p:ph idx="12" type="sldNum"/>
+            <p:ph type="sldNum" idx="12"/>
           </p:nvPr>
         </p:nvSpPr>
         <p:spPr>
@@ -6131,7 +6336,7 @@
           </a:ln>
         </p:spPr>
         <p:txBody>
-          <a:bodyPr anchorCtr="0" anchor="ctr" bIns="91425" lIns="91425" spcFirstLastPara="1" rIns="91425" wrap="square" tIns="91425">
+          <a:bodyPr spcFirstLastPara="1" wrap="square" lIns="91425" tIns="91425" rIns="91425" bIns="91425" anchor="ctr" anchorCtr="0">
             <a:normAutofit/>
           </a:bodyPr>
           <a:lstStyle>
@@ -6209,7 +6414,7 @@
             </a:lvl9pPr>
           </a:lstStyle>
           <a:p>
-            <a:pPr indent="0" lvl="0" marL="0" rtl="0" algn="r">
+            <a:pPr marL="0" lvl="0" indent="0" algn="r" rtl="0">
               <a:spcBef>
                 <a:spcPts val="0"/>
               </a:spcBef>
@@ -6228,7 +6433,7 @@
       </p:sp>
     </p:spTree>
   </p:cSld>
-  <p:clrMap accent1="accent1" accent2="accent2" accent3="accent3" accent4="accent4" accent5="accent5" accent6="accent6" bg1="lt1" bg2="dk2" tx1="dk1" tx2="lt2" folHlink="folHlink" hlink="hlink"/>
+  <p:clrMap bg1="lt1" tx1="dk1" bg2="dk2" tx2="lt2" accent1="accent1" accent2="accent2" accent3="accent3" accent4="accent4" accent5="accent5" accent6="accent6" hlink="hlink" folHlink="folHlink"/>
   <p:sldLayoutIdLst>
     <p:sldLayoutId id="2147483648" r:id="rId1"/>
     <p:sldLayoutId id="2147483649" r:id="rId2"/>
@@ -6242,10 +6447,10 @@
     <p:sldLayoutId id="2147483657" r:id="rId10"/>
     <p:sldLayoutId id="2147483658" r:id="rId11"/>
   </p:sldLayoutIdLst>
-  <p:hf dt="0" ftr="0" hdr="0" sldNum="0"/>
+  <p:hf sldNum="0" hdr="0" ftr="0" dt="0"/>
   <p:txStyles>
     <p:titleStyle>
-      <a:defPPr lvl="0" marR="0" rtl="0" algn="l">
+      <a:defPPr marR="0" lvl="0" algn="l" rtl="0">
         <a:lnSpc>
           <a:spcPct val="100000"/>
         </a:lnSpc>
@@ -6256,7 +6461,7 @@
           <a:spcPts val="0"/>
         </a:spcAft>
       </a:defPPr>
-      <a:lvl1pPr lvl="0" marR="0" rtl="0" algn="l">
+      <a:lvl1pPr marR="0" lvl="0" algn="l" rtl="0">
         <a:lnSpc>
           <a:spcPct val="100000"/>
         </a:lnSpc>
@@ -6270,7 +6475,7 @@
           <a:srgbClr val="000000"/>
         </a:buClr>
         <a:buFont typeface="Arial"/>
-        <a:defRPr b="0" i="0" sz="1400" u="none" cap="none" strike="noStrike">
+        <a:defRPr sz="1400" b="0" i="0" u="none" strike="noStrike" cap="none">
           <a:solidFill>
             <a:srgbClr val="000000"/>
           </a:solidFill>
@@ -6280,7 +6485,7 @@
           <a:sym typeface="Arial"/>
         </a:defRPr>
       </a:lvl1pPr>
-      <a:lvl2pPr lvl="1" marR="0" rtl="0" algn="l">
+      <a:lvl2pPr marR="0" lvl="1" algn="l" rtl="0">
         <a:lnSpc>
           <a:spcPct val="100000"/>
         </a:lnSpc>
@@ -6294,7 +6499,7 @@
           <a:srgbClr val="000000"/>
         </a:buClr>
         <a:buFont typeface="Arial"/>
-        <a:defRPr b="0" i="0" sz="1400" u="none" cap="none" strike="noStrike">
+        <a:defRPr sz="1400" b="0" i="0" u="none" strike="noStrike" cap="none">
           <a:solidFill>
             <a:srgbClr val="000000"/>
           </a:solidFill>
@@ -6304,7 +6509,7 @@
           <a:sym typeface="Arial"/>
         </a:defRPr>
       </a:lvl2pPr>
-      <a:lvl3pPr lvl="2" marR="0" rtl="0" algn="l">
+      <a:lvl3pPr marR="0" lvl="2" algn="l" rtl="0">
         <a:lnSpc>
           <a:spcPct val="100000"/>
         </a:lnSpc>
@@ -6318,7 +6523,7 @@
           <a:srgbClr val="000000"/>
         </a:buClr>
         <a:buFont typeface="Arial"/>
-        <a:defRPr b="0" i="0" sz="1400" u="none" cap="none" strike="noStrike">
+        <a:defRPr sz="1400" b="0" i="0" u="none" strike="noStrike" cap="none">
           <a:solidFill>
             <a:srgbClr val="000000"/>
           </a:solidFill>
@@ -6328,7 +6533,7 @@
           <a:sym typeface="Arial"/>
         </a:defRPr>
       </a:lvl3pPr>
-      <a:lvl4pPr lvl="3" marR="0" rtl="0" algn="l">
+      <a:lvl4pPr marR="0" lvl="3" algn="l" rtl="0">
         <a:lnSpc>
           <a:spcPct val="100000"/>
         </a:lnSpc>
@@ -6342,7 +6547,7 @@
           <a:srgbClr val="000000"/>
         </a:buClr>
         <a:buFont typeface="Arial"/>
-        <a:defRPr b="0" i="0" sz="1400" u="none" cap="none" strike="noStrike">
+        <a:defRPr sz="1400" b="0" i="0" u="none" strike="noStrike" cap="none">
           <a:solidFill>
             <a:srgbClr val="000000"/>
           </a:solidFill>
@@ -6352,7 +6557,7 @@
           <a:sym typeface="Arial"/>
         </a:defRPr>
       </a:lvl4pPr>
-      <a:lvl5pPr lvl="4" marR="0" rtl="0" algn="l">
+      <a:lvl5pPr marR="0" lvl="4" algn="l" rtl="0">
         <a:lnSpc>
           <a:spcPct val="100000"/>
         </a:lnSpc>
@@ -6366,7 +6571,7 @@
           <a:srgbClr val="000000"/>
         </a:buClr>
         <a:buFont typeface="Arial"/>
-        <a:defRPr b="0" i="0" sz="1400" u="none" cap="none" strike="noStrike">
+        <a:defRPr sz="1400" b="0" i="0" u="none" strike="noStrike" cap="none">
           <a:solidFill>
             <a:srgbClr val="000000"/>
           </a:solidFill>
@@ -6376,7 +6581,7 @@
           <a:sym typeface="Arial"/>
         </a:defRPr>
       </a:lvl5pPr>
-      <a:lvl6pPr lvl="5" marR="0" rtl="0" algn="l">
+      <a:lvl6pPr marR="0" lvl="5" algn="l" rtl="0">
         <a:lnSpc>
           <a:spcPct val="100000"/>
         </a:lnSpc>
@@ -6390,7 +6595,7 @@
           <a:srgbClr val="000000"/>
         </a:buClr>
         <a:buFont typeface="Arial"/>
-        <a:defRPr b="0" i="0" sz="1400" u="none" cap="none" strike="noStrike">
+        <a:defRPr sz="1400" b="0" i="0" u="none" strike="noStrike" cap="none">
           <a:solidFill>
             <a:srgbClr val="000000"/>
           </a:solidFill>
@@ -6400,7 +6605,7 @@
           <a:sym typeface="Arial"/>
         </a:defRPr>
       </a:lvl6pPr>
-      <a:lvl7pPr lvl="6" marR="0" rtl="0" algn="l">
+      <a:lvl7pPr marR="0" lvl="6" algn="l" rtl="0">
         <a:lnSpc>
           <a:spcPct val="100000"/>
         </a:lnSpc>
@@ -6414,7 +6619,7 @@
           <a:srgbClr val="000000"/>
         </a:buClr>
         <a:buFont typeface="Arial"/>
-        <a:defRPr b="0" i="0" sz="1400" u="none" cap="none" strike="noStrike">
+        <a:defRPr sz="1400" b="0" i="0" u="none" strike="noStrike" cap="none">
           <a:solidFill>
             <a:srgbClr val="000000"/>
           </a:solidFill>
@@ -6424,7 +6629,7 @@
           <a:sym typeface="Arial"/>
         </a:defRPr>
       </a:lvl7pPr>
-      <a:lvl8pPr lvl="7" marR="0" rtl="0" algn="l">
+      <a:lvl8pPr marR="0" lvl="7" algn="l" rtl="0">
         <a:lnSpc>
           <a:spcPct val="100000"/>
         </a:lnSpc>
@@ -6438,7 +6643,7 @@
           <a:srgbClr val="000000"/>
         </a:buClr>
         <a:buFont typeface="Arial"/>
-        <a:defRPr b="0" i="0" sz="1400" u="none" cap="none" strike="noStrike">
+        <a:defRPr sz="1400" b="0" i="0" u="none" strike="noStrike" cap="none">
           <a:solidFill>
             <a:srgbClr val="000000"/>
           </a:solidFill>
@@ -6448,7 +6653,7 @@
           <a:sym typeface="Arial"/>
         </a:defRPr>
       </a:lvl8pPr>
-      <a:lvl9pPr lvl="8" marR="0" rtl="0" algn="l">
+      <a:lvl9pPr marR="0" lvl="8" algn="l" rtl="0">
         <a:lnSpc>
           <a:spcPct val="100000"/>
         </a:lnSpc>
@@ -6462,7 +6667,7 @@
           <a:srgbClr val="000000"/>
         </a:buClr>
         <a:buFont typeface="Arial"/>
-        <a:defRPr b="0" i="0" sz="1400" u="none" cap="none" strike="noStrike">
+        <a:defRPr sz="1400" b="0" i="0" u="none" strike="noStrike" cap="none">
           <a:solidFill>
             <a:srgbClr val="000000"/>
           </a:solidFill>
@@ -6474,7 +6679,7 @@
       </a:lvl9pPr>
     </p:titleStyle>
     <p:bodyStyle>
-      <a:defPPr lvl="0" marR="0" rtl="0" algn="l">
+      <a:defPPr marR="0" lvl="0" algn="l" rtl="0">
         <a:lnSpc>
           <a:spcPct val="100000"/>
         </a:lnSpc>
@@ -6485,7 +6690,7 @@
           <a:spcPts val="0"/>
         </a:spcAft>
       </a:defPPr>
-      <a:lvl1pPr lvl="0" marR="0" rtl="0" algn="l">
+      <a:lvl1pPr marR="0" lvl="0" algn="l" rtl="0">
         <a:lnSpc>
           <a:spcPct val="100000"/>
         </a:lnSpc>
@@ -6499,7 +6704,7 @@
           <a:srgbClr val="000000"/>
         </a:buClr>
         <a:buFont typeface="Arial"/>
-        <a:defRPr b="0" i="0" sz="1400" u="none" cap="none" strike="noStrike">
+        <a:defRPr sz="1400" b="0" i="0" u="none" strike="noStrike" cap="none">
           <a:solidFill>
             <a:srgbClr val="000000"/>
           </a:solidFill>
@@ -6509,7 +6714,7 @@
           <a:sym typeface="Arial"/>
         </a:defRPr>
       </a:lvl1pPr>
-      <a:lvl2pPr lvl="1" marR="0" rtl="0" algn="l">
+      <a:lvl2pPr marR="0" lvl="1" algn="l" rtl="0">
         <a:lnSpc>
           <a:spcPct val="100000"/>
         </a:lnSpc>
@@ -6523,7 +6728,7 @@
           <a:srgbClr val="000000"/>
         </a:buClr>
         <a:buFont typeface="Arial"/>
-        <a:defRPr b="0" i="0" sz="1400" u="none" cap="none" strike="noStrike">
+        <a:defRPr sz="1400" b="0" i="0" u="none" strike="noStrike" cap="none">
           <a:solidFill>
             <a:srgbClr val="000000"/>
           </a:solidFill>
@@ -6533,7 +6738,7 @@
           <a:sym typeface="Arial"/>
         </a:defRPr>
       </a:lvl2pPr>
-      <a:lvl3pPr lvl="2" marR="0" rtl="0" algn="l">
+      <a:lvl3pPr marR="0" lvl="2" algn="l" rtl="0">
         <a:lnSpc>
           <a:spcPct val="100000"/>
         </a:lnSpc>
@@ -6547,7 +6752,7 @@
           <a:srgbClr val="000000"/>
         </a:buClr>
         <a:buFont typeface="Arial"/>
-        <a:defRPr b="0" i="0" sz="1400" u="none" cap="none" strike="noStrike">
+        <a:defRPr sz="1400" b="0" i="0" u="none" strike="noStrike" cap="none">
           <a:solidFill>
             <a:srgbClr val="000000"/>
           </a:solidFill>
@@ -6557,7 +6762,7 @@
           <a:sym typeface="Arial"/>
         </a:defRPr>
       </a:lvl3pPr>
-      <a:lvl4pPr lvl="3" marR="0" rtl="0" algn="l">
+      <a:lvl4pPr marR="0" lvl="3" algn="l" rtl="0">
         <a:lnSpc>
           <a:spcPct val="100000"/>
         </a:lnSpc>
@@ -6571,7 +6776,7 @@
           <a:srgbClr val="000000"/>
         </a:buClr>
         <a:buFont typeface="Arial"/>
-        <a:defRPr b="0" i="0" sz="1400" u="none" cap="none" strike="noStrike">
+        <a:defRPr sz="1400" b="0" i="0" u="none" strike="noStrike" cap="none">
           <a:solidFill>
             <a:srgbClr val="000000"/>
           </a:solidFill>
@@ -6581,7 +6786,7 @@
           <a:sym typeface="Arial"/>
         </a:defRPr>
       </a:lvl4pPr>
-      <a:lvl5pPr lvl="4" marR="0" rtl="0" algn="l">
+      <a:lvl5pPr marR="0" lvl="4" algn="l" rtl="0">
         <a:lnSpc>
           <a:spcPct val="100000"/>
         </a:lnSpc>
@@ -6595,7 +6800,7 @@
           <a:srgbClr val="000000"/>
         </a:buClr>
         <a:buFont typeface="Arial"/>
-        <a:defRPr b="0" i="0" sz="1400" u="none" cap="none" strike="noStrike">
+        <a:defRPr sz="1400" b="0" i="0" u="none" strike="noStrike" cap="none">
           <a:solidFill>
             <a:srgbClr val="000000"/>
           </a:solidFill>
@@ -6605,7 +6810,7 @@
           <a:sym typeface="Arial"/>
         </a:defRPr>
       </a:lvl5pPr>
-      <a:lvl6pPr lvl="5" marR="0" rtl="0" algn="l">
+      <a:lvl6pPr marR="0" lvl="5" algn="l" rtl="0">
         <a:lnSpc>
           <a:spcPct val="100000"/>
         </a:lnSpc>
@@ -6619,7 +6824,7 @@
           <a:srgbClr val="000000"/>
         </a:buClr>
         <a:buFont typeface="Arial"/>
-        <a:defRPr b="0" i="0" sz="1400" u="none" cap="none" strike="noStrike">
+        <a:defRPr sz="1400" b="0" i="0" u="none" strike="noStrike" cap="none">
           <a:solidFill>
             <a:srgbClr val="000000"/>
           </a:solidFill>
@@ -6629,7 +6834,7 @@
           <a:sym typeface="Arial"/>
         </a:defRPr>
       </a:lvl6pPr>
-      <a:lvl7pPr lvl="6" marR="0" rtl="0" algn="l">
+      <a:lvl7pPr marR="0" lvl="6" algn="l" rtl="0">
         <a:lnSpc>
           <a:spcPct val="100000"/>
         </a:lnSpc>
@@ -6643,7 +6848,7 @@
           <a:srgbClr val="000000"/>
         </a:buClr>
         <a:buFont typeface="Arial"/>
-        <a:defRPr b="0" i="0" sz="1400" u="none" cap="none" strike="noStrike">
+        <a:defRPr sz="1400" b="0" i="0" u="none" strike="noStrike" cap="none">
           <a:solidFill>
             <a:srgbClr val="000000"/>
           </a:solidFill>
@@ -6653,7 +6858,7 @@
           <a:sym typeface="Arial"/>
         </a:defRPr>
       </a:lvl7pPr>
-      <a:lvl8pPr lvl="7" marR="0" rtl="0" algn="l">
+      <a:lvl8pPr marR="0" lvl="7" algn="l" rtl="0">
         <a:lnSpc>
           <a:spcPct val="100000"/>
         </a:lnSpc>
@@ -6667,7 +6872,7 @@
           <a:srgbClr val="000000"/>
         </a:buClr>
         <a:buFont typeface="Arial"/>
-        <a:defRPr b="0" i="0" sz="1400" u="none" cap="none" strike="noStrike">
+        <a:defRPr sz="1400" b="0" i="0" u="none" strike="noStrike" cap="none">
           <a:solidFill>
             <a:srgbClr val="000000"/>
           </a:solidFill>
@@ -6677,7 +6882,7 @@
           <a:sym typeface="Arial"/>
         </a:defRPr>
       </a:lvl8pPr>
-      <a:lvl9pPr lvl="8" marR="0" rtl="0" algn="l">
+      <a:lvl9pPr marR="0" lvl="8" algn="l" rtl="0">
         <a:lnSpc>
           <a:spcPct val="100000"/>
         </a:lnSpc>
@@ -6691,7 +6896,7 @@
           <a:srgbClr val="000000"/>
         </a:buClr>
         <a:buFont typeface="Arial"/>
-        <a:defRPr b="0" i="0" sz="1400" u="none" cap="none" strike="noStrike">
+        <a:defRPr sz="1400" b="0" i="0" u="none" strike="noStrike" cap="none">
           <a:solidFill>
             <a:srgbClr val="000000"/>
           </a:solidFill>
@@ -6703,7 +6908,7 @@
       </a:lvl9pPr>
     </p:bodyStyle>
     <p:otherStyle>
-      <a:defPPr lvl="0" marR="0" rtl="0" algn="l">
+      <a:defPPr marR="0" lvl="0" algn="l" rtl="0">
         <a:lnSpc>
           <a:spcPct val="100000"/>
         </a:lnSpc>
@@ -6714,7 +6919,7 @@
           <a:spcPts val="0"/>
         </a:spcAft>
       </a:defPPr>
-      <a:lvl1pPr lvl="0" marR="0" rtl="0" algn="l">
+      <a:lvl1pPr marR="0" lvl="0" algn="l" rtl="0">
         <a:lnSpc>
           <a:spcPct val="100000"/>
         </a:lnSpc>
@@ -6728,7 +6933,7 @@
           <a:srgbClr val="000000"/>
         </a:buClr>
         <a:buFont typeface="Arial"/>
-        <a:defRPr b="0" i="0" sz="1400" u="none" cap="none" strike="noStrike">
+        <a:defRPr sz="1400" b="0" i="0" u="none" strike="noStrike" cap="none">
           <a:solidFill>
             <a:srgbClr val="000000"/>
           </a:solidFill>
@@ -6738,7 +6943,7 @@
           <a:sym typeface="Arial"/>
         </a:defRPr>
       </a:lvl1pPr>
-      <a:lvl2pPr lvl="1" marR="0" rtl="0" algn="l">
+      <a:lvl2pPr marR="0" lvl="1" algn="l" rtl="0">
         <a:lnSpc>
           <a:spcPct val="100000"/>
         </a:lnSpc>
@@ -6752,7 +6957,7 @@
           <a:srgbClr val="000000"/>
         </a:buClr>
         <a:buFont typeface="Arial"/>
-        <a:defRPr b="0" i="0" sz="1400" u="none" cap="none" strike="noStrike">
+        <a:defRPr sz="1400" b="0" i="0" u="none" strike="noStrike" cap="none">
           <a:solidFill>
             <a:srgbClr val="000000"/>
           </a:solidFill>
@@ -6762,7 +6967,7 @@
           <a:sym typeface="Arial"/>
         </a:defRPr>
       </a:lvl2pPr>
-      <a:lvl3pPr lvl="2" marR="0" rtl="0" algn="l">
+      <a:lvl3pPr marR="0" lvl="2" algn="l" rtl="0">
         <a:lnSpc>
           <a:spcPct val="100000"/>
         </a:lnSpc>
@@ -6776,7 +6981,7 @@
           <a:srgbClr val="000000"/>
         </a:buClr>
         <a:buFont typeface="Arial"/>
-        <a:defRPr b="0" i="0" sz="1400" u="none" cap="none" strike="noStrike">
+        <a:defRPr sz="1400" b="0" i="0" u="none" strike="noStrike" cap="none">
           <a:solidFill>
             <a:srgbClr val="000000"/>
           </a:solidFill>
@@ -6786,7 +6991,7 @@
           <a:sym typeface="Arial"/>
         </a:defRPr>
       </a:lvl3pPr>
-      <a:lvl4pPr lvl="3" marR="0" rtl="0" algn="l">
+      <a:lvl4pPr marR="0" lvl="3" algn="l" rtl="0">
         <a:lnSpc>
           <a:spcPct val="100000"/>
         </a:lnSpc>
@@ -6800,7 +7005,7 @@
           <a:srgbClr val="000000"/>
         </a:buClr>
         <a:buFont typeface="Arial"/>
-        <a:defRPr b="0" i="0" sz="1400" u="none" cap="none" strike="noStrike">
+        <a:defRPr sz="1400" b="0" i="0" u="none" strike="noStrike" cap="none">
           <a:solidFill>
             <a:srgbClr val="000000"/>
           </a:solidFill>
@@ -6810,7 +7015,7 @@
           <a:sym typeface="Arial"/>
         </a:defRPr>
       </a:lvl4pPr>
-      <a:lvl5pPr lvl="4" marR="0" rtl="0" algn="l">
+      <a:lvl5pPr marR="0" lvl="4" algn="l" rtl="0">
         <a:lnSpc>
           <a:spcPct val="100000"/>
         </a:lnSpc>
@@ -6824,7 +7029,7 @@
           <a:srgbClr val="000000"/>
         </a:buClr>
         <a:buFont typeface="Arial"/>
-        <a:defRPr b="0" i="0" sz="1400" u="none" cap="none" strike="noStrike">
+        <a:defRPr sz="1400" b="0" i="0" u="none" strike="noStrike" cap="none">
           <a:solidFill>
             <a:srgbClr val="000000"/>
           </a:solidFill>
@@ -6834,7 +7039,7 @@
           <a:sym typeface="Arial"/>
         </a:defRPr>
       </a:lvl5pPr>
-      <a:lvl6pPr lvl="5" marR="0" rtl="0" algn="l">
+      <a:lvl6pPr marR="0" lvl="5" algn="l" rtl="0">
         <a:lnSpc>
           <a:spcPct val="100000"/>
         </a:lnSpc>
@@ -6848,7 +7053,7 @@
           <a:srgbClr val="000000"/>
         </a:buClr>
         <a:buFont typeface="Arial"/>
-        <a:defRPr b="0" i="0" sz="1400" u="none" cap="none" strike="noStrike">
+        <a:defRPr sz="1400" b="0" i="0" u="none" strike="noStrike" cap="none">
           <a:solidFill>
             <a:srgbClr val="000000"/>
           </a:solidFill>
@@ -6858,7 +7063,7 @@
           <a:sym typeface="Arial"/>
         </a:defRPr>
       </a:lvl6pPr>
-      <a:lvl7pPr lvl="6" marR="0" rtl="0" algn="l">
+      <a:lvl7pPr marR="0" lvl="6" algn="l" rtl="0">
         <a:lnSpc>
           <a:spcPct val="100000"/>
         </a:lnSpc>
@@ -6872,7 +7077,7 @@
           <a:srgbClr val="000000"/>
         </a:buClr>
         <a:buFont typeface="Arial"/>
-        <a:defRPr b="0" i="0" sz="1400" u="none" cap="none" strike="noStrike">
+        <a:defRPr sz="1400" b="0" i="0" u="none" strike="noStrike" cap="none">
           <a:solidFill>
             <a:srgbClr val="000000"/>
           </a:solidFill>
@@ -6882,7 +7087,7 @@
           <a:sym typeface="Arial"/>
         </a:defRPr>
       </a:lvl7pPr>
-      <a:lvl8pPr lvl="7" marR="0" rtl="0" algn="l">
+      <a:lvl8pPr marR="0" lvl="7" algn="l" rtl="0">
         <a:lnSpc>
           <a:spcPct val="100000"/>
         </a:lnSpc>
@@ -6896,7 +7101,7 @@
           <a:srgbClr val="000000"/>
         </a:buClr>
         <a:buFont typeface="Arial"/>
-        <a:defRPr b="0" i="0" sz="1400" u="none" cap="none" strike="noStrike">
+        <a:defRPr sz="1400" b="0" i="0" u="none" strike="noStrike" cap="none">
           <a:solidFill>
             <a:srgbClr val="000000"/>
           </a:solidFill>
@@ -6906,7 +7111,7 @@
           <a:sym typeface="Arial"/>
         </a:defRPr>
       </a:lvl8pPr>
-      <a:lvl9pPr lvl="8" marR="0" rtl="0" algn="l">
+      <a:lvl9pPr marR="0" lvl="8" algn="l" rtl="0">
         <a:lnSpc>
           <a:spcPct val="100000"/>
         </a:lnSpc>
@@ -6920,7 +7125,7 @@
           <a:srgbClr val="000000"/>
         </a:buClr>
         <a:buFont typeface="Arial"/>
-        <a:defRPr b="0" i="0" sz="1400" u="none" cap="none" strike="noStrike">
+        <a:defRPr sz="1400" b="0" i="0" u="none" strike="noStrike" cap="none">
           <a:solidFill>
             <a:srgbClr val="000000"/>
           </a:solidFill>
@@ -6936,11 +7141,11 @@
 </file>
 
 <file path=ppt/slides/slide1.xml><?xml version="1.0" encoding="utf-8"?>
-<p:sld xmlns:a="http://schemas.openxmlformats.org/drawingml/2006/main" xmlns:r="http://schemas.openxmlformats.org/officeDocument/2006/relationships" xmlns:mc="http://schemas.openxmlformats.org/markup-compatibility/2006" xmlns:mv="urn:schemas-microsoft-com:mac:vml" xmlns:p="http://schemas.openxmlformats.org/presentationml/2006/main" xmlns:c="http://schemas.openxmlformats.org/drawingml/2006/chart" xmlns:dgm="http://schemas.openxmlformats.org/drawingml/2006/diagram" xmlns:o="urn:schemas-microsoft-com:office:office" xmlns:v="urn:schemas-microsoft-com:vml" xmlns:pvml="urn:schemas-microsoft-com:office:powerpoint" xmlns:com="http://schemas.openxmlformats.org/drawingml/2006/compatibility" xmlns:p14="http://schemas.microsoft.com/office/powerpoint/2010/main" xmlns:p15="http://schemas.microsoft.com/office/powerpoint/2012/main" xmlns:ahyp="http://schemas.microsoft.com/office/drawing/2018/hyperlinkcolor">
+<p:sld xmlns:a="http://schemas.openxmlformats.org/drawingml/2006/main" xmlns:r="http://schemas.openxmlformats.org/officeDocument/2006/relationships" xmlns:p="http://schemas.openxmlformats.org/presentationml/2006/main">
   <p:cSld>
     <p:spTree>
       <p:nvGrpSpPr>
-        <p:cNvPr id="53" name="Shape 53"/>
+        <p:cNvPr id="1" name="Shape 53"/>
         <p:cNvGrpSpPr/>
         <p:nvPr/>
       </p:nvGrpSpPr>
@@ -6955,7 +7160,9 @@
       <p:sp>
         <p:nvSpPr>
           <p:cNvPr id="54" name="Google Shape;54;p13"/>
-          <p:cNvSpPr txBox="1"/>
+          <p:cNvSpPr txBox="1">
+            <a:spLocks noGrp="1"/>
+          </p:cNvSpPr>
           <p:nvPr>
             <p:ph type="ctrTitle"/>
           </p:nvPr>
@@ -6970,12 +7177,12 @@
           </a:prstGeom>
         </p:spPr>
         <p:txBody>
-          <a:bodyPr anchorCtr="0" anchor="b" bIns="91425" lIns="91425" spcFirstLastPara="1" rIns="91425" wrap="square" tIns="91425">
+          <a:bodyPr spcFirstLastPara="1" wrap="square" lIns="91425" tIns="91425" rIns="91425" bIns="91425" anchor="b" anchorCtr="0">
             <a:normAutofit/>
           </a:bodyPr>
           <a:lstStyle/>
           <a:p>
-            <a:pPr indent="0" lvl="0" marL="0" rtl="0" algn="ctr">
+            <a:pPr marL="0" lvl="0" indent="0" algn="ctr" rtl="0">
               <a:spcBef>
                 <a:spcPts val="0"/>
               </a:spcBef>
@@ -6995,9 +7202,11 @@
       <p:sp>
         <p:nvSpPr>
           <p:cNvPr id="55" name="Google Shape;55;p13"/>
-          <p:cNvSpPr txBox="1"/>
+          <p:cNvSpPr txBox="1">
+            <a:spLocks noGrp="1"/>
+          </p:cNvSpPr>
           <p:nvPr>
-            <p:ph idx="1" type="subTitle"/>
+            <p:ph type="subTitle" idx="1"/>
           </p:nvPr>
         </p:nvSpPr>
         <p:spPr>
@@ -7010,23 +7219,20 @@
           </a:prstGeom>
         </p:spPr>
         <p:txBody>
-          <a:bodyPr anchorCtr="0" anchor="t" bIns="91425" lIns="91425" spcFirstLastPara="1" rIns="91425" wrap="square" tIns="91425">
+          <a:bodyPr spcFirstLastPara="1" wrap="square" lIns="91425" tIns="91425" rIns="91425" bIns="91425" anchor="t" anchorCtr="0">
             <a:normAutofit/>
           </a:bodyPr>
           <a:lstStyle/>
           <a:p>
-            <a:pPr indent="0" lvl="0" marL="0" rtl="0" algn="ctr">
-              <a:spcBef>
-                <a:spcPts val="0"/>
-              </a:spcBef>
-              <a:spcAft>
-                <a:spcPts val="0"/>
-              </a:spcAft>
-              <a:buNone/>
-            </a:pPr>
-            <a:r>
-              <a:t/>
-            </a:r>
+            <a:pPr marL="0" lvl="0" indent="0" algn="ctr" rtl="0">
+              <a:spcBef>
+                <a:spcPts val="0"/>
+              </a:spcBef>
+              <a:spcAft>
+                <a:spcPts val="0"/>
+              </a:spcAft>
+              <a:buNone/>
+            </a:pPr>
             <a:endParaRPr/>
           </a:p>
         </p:txBody>
@@ -7040,11 +7246,11 @@
 </file>
 
 <file path=ppt/slides/slide10.xml><?xml version="1.0" encoding="utf-8"?>
-<p:sld xmlns:a="http://schemas.openxmlformats.org/drawingml/2006/main" xmlns:r="http://schemas.openxmlformats.org/officeDocument/2006/relationships" xmlns:mc="http://schemas.openxmlformats.org/markup-compatibility/2006" xmlns:mv="urn:schemas-microsoft-com:mac:vml" xmlns:p="http://schemas.openxmlformats.org/presentationml/2006/main" xmlns:c="http://schemas.openxmlformats.org/drawingml/2006/chart" xmlns:dgm="http://schemas.openxmlformats.org/drawingml/2006/diagram" xmlns:o="urn:schemas-microsoft-com:office:office" xmlns:v="urn:schemas-microsoft-com:vml" xmlns:pvml="urn:schemas-microsoft-com:office:powerpoint" xmlns:com="http://schemas.openxmlformats.org/drawingml/2006/compatibility" xmlns:p14="http://schemas.microsoft.com/office/powerpoint/2010/main" xmlns:p15="http://schemas.microsoft.com/office/powerpoint/2012/main" xmlns:ahyp="http://schemas.microsoft.com/office/drawing/2018/hyperlinkcolor">
+<p:sld xmlns:a="http://schemas.openxmlformats.org/drawingml/2006/main" xmlns:r="http://schemas.openxmlformats.org/officeDocument/2006/relationships" xmlns:p="http://schemas.openxmlformats.org/presentationml/2006/main">
   <p:cSld>
     <p:spTree>
       <p:nvGrpSpPr>
-        <p:cNvPr id="107" name="Shape 107"/>
+        <p:cNvPr id="1" name="Shape 107"/>
         <p:cNvGrpSpPr/>
         <p:nvPr/>
       </p:nvGrpSpPr>
@@ -7059,7 +7265,9 @@
       <p:sp>
         <p:nvSpPr>
           <p:cNvPr id="108" name="Google Shape;108;p22"/>
-          <p:cNvSpPr txBox="1"/>
+          <p:cNvSpPr txBox="1">
+            <a:spLocks noGrp="1"/>
+          </p:cNvSpPr>
           <p:nvPr>
             <p:ph type="title"/>
           </p:nvPr>
@@ -7074,12 +7282,12 @@
           </a:prstGeom>
         </p:spPr>
         <p:txBody>
-          <a:bodyPr anchorCtr="0" anchor="t" bIns="91425" lIns="91425" spcFirstLastPara="1" rIns="91425" wrap="square" tIns="91425">
+          <a:bodyPr spcFirstLastPara="1" wrap="square" lIns="91425" tIns="91425" rIns="91425" bIns="91425" anchor="t" anchorCtr="0">
             <a:normAutofit fontScale="90000"/>
           </a:bodyPr>
           <a:lstStyle/>
           <a:p>
-            <a:pPr indent="0" lvl="0" marL="0" rtl="0" algn="l">
+            <a:pPr marL="0" lvl="0" indent="0" algn="l" rtl="0">
               <a:spcBef>
                 <a:spcPts val="0"/>
               </a:spcBef>
@@ -7099,9 +7307,11 @@
       <p:sp>
         <p:nvSpPr>
           <p:cNvPr id="109" name="Google Shape;109;p22"/>
-          <p:cNvSpPr txBox="1"/>
+          <p:cNvSpPr txBox="1">
+            <a:spLocks noGrp="1"/>
+          </p:cNvSpPr>
           <p:nvPr>
-            <p:ph idx="1" type="body"/>
+            <p:ph type="body" idx="1"/>
           </p:nvPr>
         </p:nvSpPr>
         <p:spPr>
@@ -7114,12 +7324,12 @@
           </a:prstGeom>
         </p:spPr>
         <p:txBody>
-          <a:bodyPr anchorCtr="0" anchor="t" bIns="91425" lIns="91425" spcFirstLastPara="1" rIns="91425" wrap="square" tIns="91425">
+          <a:bodyPr spcFirstLastPara="1" wrap="square" lIns="91425" tIns="91425" rIns="91425" bIns="91425" anchor="t" anchorCtr="0">
             <a:normAutofit/>
           </a:bodyPr>
           <a:lstStyle/>
           <a:p>
-            <a:pPr indent="0" lvl="0" marL="457200" rtl="0" algn="l">
+            <a:pPr marL="457200" lvl="0" indent="0" algn="l" rtl="0">
               <a:spcBef>
                 <a:spcPts val="0"/>
               </a:spcBef>
@@ -7134,21 +7344,21 @@
               <a:buNone/>
             </a:pPr>
             <a:r>
-              <a:rPr lang="ru">
+              <a:rPr lang="ru" dirty="0">
                 <a:solidFill>
                   <a:srgbClr val="FF0000"/>
                 </a:solidFill>
               </a:rPr>
               <a:t>def greet(name):</a:t>
             </a:r>
-            <a:endParaRPr>
+            <a:endParaRPr dirty="0">
               <a:solidFill>
                 <a:srgbClr val="FF0000"/>
               </a:solidFill>
             </a:endParaRPr>
           </a:p>
           <a:p>
-            <a:pPr indent="0" lvl="0" marL="457200" rtl="0" algn="l">
+            <a:pPr marL="457200" lvl="0" indent="0" algn="l" rtl="0">
               <a:spcBef>
                 <a:spcPts val="1200"/>
               </a:spcBef>
@@ -7158,21 +7368,21 @@
               <a:buNone/>
             </a:pPr>
             <a:r>
-              <a:rPr lang="ru">
+              <a:rPr lang="ru" dirty="0">
                 <a:solidFill>
                   <a:srgbClr val="FF0000"/>
                 </a:solidFill>
               </a:rPr>
               <a:t>    return "Hello, " + name</a:t>
             </a:r>
-            <a:endParaRPr>
+            <a:endParaRPr dirty="0">
               <a:solidFill>
                 <a:srgbClr val="FF0000"/>
               </a:solidFill>
             </a:endParaRPr>
           </a:p>
           <a:p>
-            <a:pPr indent="0" lvl="0" marL="0" rtl="0" algn="l">
+            <a:pPr marL="0" lvl="0" indent="0" algn="l" rtl="0">
               <a:spcBef>
                 <a:spcPts val="1200"/>
               </a:spcBef>
@@ -7182,13 +7392,13 @@
               <a:buNone/>
             </a:pPr>
             <a:r>
-              <a:rPr lang="ru"/>
+              <a:rPr lang="ru" dirty="0"/>
               <a:t># calling the function</a:t>
             </a:r>
-            <a:endParaRPr/>
-          </a:p>
-          <a:p>
-            <a:pPr indent="457200" lvl="0" marL="0" rtl="0" algn="l">
+            <a:endParaRPr dirty="0"/>
+          </a:p>
+          <a:p>
+            <a:pPr marL="0" lvl="0" indent="457200" algn="l" rtl="0">
               <a:spcBef>
                 <a:spcPts val="1200"/>
               </a:spcBef>
@@ -7203,21 +7413,21 @@
               <a:buNone/>
             </a:pPr>
             <a:r>
-              <a:rPr lang="ru">
+              <a:rPr lang="ru" dirty="0">
                 <a:solidFill>
                   <a:srgbClr val="FF0000"/>
                 </a:solidFill>
               </a:rPr>
               <a:t>print(greet("Alice"))</a:t>
             </a:r>
-            <a:endParaRPr>
+            <a:endParaRPr dirty="0">
               <a:solidFill>
                 <a:srgbClr val="FF0000"/>
               </a:solidFill>
             </a:endParaRPr>
           </a:p>
           <a:p>
-            <a:pPr indent="0" lvl="0" marL="0" rtl="0" algn="l">
+            <a:pPr marL="0" lvl="0" indent="0" algn="l" rtl="0">
               <a:spcBef>
                 <a:spcPts val="1200"/>
               </a:spcBef>
@@ -7226,10 +7436,7 @@
               </a:spcAft>
               <a:buNone/>
             </a:pPr>
-            <a:r>
-              <a:t/>
-            </a:r>
-            <a:endParaRPr/>
+            <a:endParaRPr dirty="0"/>
           </a:p>
         </p:txBody>
       </p:sp>
@@ -7242,11 +7449,11 @@
 </file>
 
 <file path=ppt/slides/slide11.xml><?xml version="1.0" encoding="utf-8"?>
-<p:sld xmlns:a="http://schemas.openxmlformats.org/drawingml/2006/main" xmlns:r="http://schemas.openxmlformats.org/officeDocument/2006/relationships" xmlns:mc="http://schemas.openxmlformats.org/markup-compatibility/2006" xmlns:mv="urn:schemas-microsoft-com:mac:vml" xmlns:p="http://schemas.openxmlformats.org/presentationml/2006/main" xmlns:c="http://schemas.openxmlformats.org/drawingml/2006/chart" xmlns:dgm="http://schemas.openxmlformats.org/drawingml/2006/diagram" xmlns:o="urn:schemas-microsoft-com:office:office" xmlns:v="urn:schemas-microsoft-com:vml" xmlns:pvml="urn:schemas-microsoft-com:office:powerpoint" xmlns:com="http://schemas.openxmlformats.org/drawingml/2006/compatibility" xmlns:p14="http://schemas.microsoft.com/office/powerpoint/2010/main" xmlns:p15="http://schemas.microsoft.com/office/powerpoint/2012/main" xmlns:ahyp="http://schemas.microsoft.com/office/drawing/2018/hyperlinkcolor">
+<p:sld xmlns:a="http://schemas.openxmlformats.org/drawingml/2006/main" xmlns:r="http://schemas.openxmlformats.org/officeDocument/2006/relationships" xmlns:p="http://schemas.openxmlformats.org/presentationml/2006/main">
   <p:cSld>
     <p:spTree>
       <p:nvGrpSpPr>
-        <p:cNvPr id="113" name="Shape 113"/>
+        <p:cNvPr id="1" name="Shape 113"/>
         <p:cNvGrpSpPr/>
         <p:nvPr/>
       </p:nvGrpSpPr>
@@ -7261,7 +7468,9 @@
       <p:sp>
         <p:nvSpPr>
           <p:cNvPr id="114" name="Google Shape;114;p23"/>
-          <p:cNvSpPr txBox="1"/>
+          <p:cNvSpPr txBox="1">
+            <a:spLocks noGrp="1"/>
+          </p:cNvSpPr>
           <p:nvPr>
             <p:ph type="title"/>
           </p:nvPr>
@@ -7276,12 +7485,12 @@
           </a:prstGeom>
         </p:spPr>
         <p:txBody>
-          <a:bodyPr anchorCtr="0" anchor="t" bIns="91425" lIns="91425" spcFirstLastPara="1" rIns="91425" wrap="square" tIns="91425">
+          <a:bodyPr spcFirstLastPara="1" wrap="square" lIns="91425" tIns="91425" rIns="91425" bIns="91425" anchor="t" anchorCtr="0">
             <a:normAutofit fontScale="90000"/>
           </a:bodyPr>
           <a:lstStyle/>
           <a:p>
-            <a:pPr indent="0" lvl="0" marL="0" rtl="0" algn="l">
+            <a:pPr marL="0" lvl="0" indent="0" algn="l" rtl="0">
               <a:spcBef>
                 <a:spcPts val="0"/>
               </a:spcBef>
@@ -7301,9 +7510,11 @@
       <p:sp>
         <p:nvSpPr>
           <p:cNvPr id="115" name="Google Shape;115;p23"/>
-          <p:cNvSpPr txBox="1"/>
+          <p:cNvSpPr txBox="1">
+            <a:spLocks noGrp="1"/>
+          </p:cNvSpPr>
           <p:nvPr>
-            <p:ph idx="1" type="body"/>
+            <p:ph type="body" idx="1"/>
           </p:nvPr>
         </p:nvSpPr>
         <p:spPr>
@@ -7316,12 +7527,12 @@
           </a:prstGeom>
         </p:spPr>
         <p:txBody>
-          <a:bodyPr anchorCtr="0" anchor="t" bIns="91425" lIns="91425" spcFirstLastPara="1" rIns="91425" wrap="square" tIns="91425">
+          <a:bodyPr spcFirstLastPara="1" wrap="square" lIns="91425" tIns="91425" rIns="91425" bIns="91425" anchor="t" anchorCtr="0">
             <a:normAutofit/>
           </a:bodyPr>
           <a:lstStyle/>
           <a:p>
-            <a:pPr indent="0" lvl="0" marL="0" rtl="0" algn="l">
+            <a:pPr marL="0" lvl="0" indent="0" algn="l" rtl="0">
               <a:spcBef>
                 <a:spcPts val="0"/>
               </a:spcBef>
@@ -7331,7 +7542,7 @@
               <a:buNone/>
             </a:pPr>
             <a:r>
-              <a:rPr lang="ru">
+              <a:rPr lang="ru" dirty="0">
                 <a:solidFill>
                   <a:srgbClr val="FF0000"/>
                 </a:solidFill>
@@ -7339,13 +7550,13 @@
               <a:t>Objective:</a:t>
             </a:r>
             <a:r>
-              <a:rPr lang="ru"/>
+              <a:rPr lang="ru" dirty="0"/>
               <a:t> Create a Python program that acts as a simple calculator.</a:t>
             </a:r>
-            <a:endParaRPr/>
-          </a:p>
-          <a:p>
-            <a:pPr indent="0" lvl="0" marL="0" rtl="0" algn="l">
+            <a:endParaRPr dirty="0"/>
+          </a:p>
+          <a:p>
+            <a:pPr marL="0" lvl="0" indent="0" algn="l" rtl="0">
               <a:spcBef>
                 <a:spcPts val="1200"/>
               </a:spcBef>
@@ -7355,21 +7566,21 @@
               <a:buNone/>
             </a:pPr>
             <a:r>
-              <a:rPr lang="ru">
+              <a:rPr lang="ru" dirty="0">
                 <a:solidFill>
                   <a:srgbClr val="FF0000"/>
                 </a:solidFill>
               </a:rPr>
               <a:t>Requirements:</a:t>
             </a:r>
-            <a:endParaRPr>
+            <a:endParaRPr dirty="0">
               <a:solidFill>
                 <a:srgbClr val="FF0000"/>
               </a:solidFill>
             </a:endParaRPr>
           </a:p>
           <a:p>
-            <a:pPr indent="0" lvl="0" marL="457200" rtl="0" algn="l">
+            <a:pPr marL="457200" lvl="0" indent="0" algn="l" rtl="0">
               <a:spcBef>
                 <a:spcPts val="1200"/>
               </a:spcBef>
@@ -7379,13 +7590,13 @@
               <a:buNone/>
             </a:pPr>
             <a:r>
-              <a:rPr lang="ru" sz="1600"/>
+              <a:rPr lang="ru" sz="1600" dirty="0"/>
               <a:t>The program should ask the user to input two numbers.</a:t>
             </a:r>
-            <a:endParaRPr sz="1600"/>
-          </a:p>
-          <a:p>
-            <a:pPr indent="0" lvl="0" marL="457200" rtl="0" algn="l">
+            <a:endParaRPr sz="1600" dirty="0"/>
+          </a:p>
+          <a:p>
+            <a:pPr marL="457200" lvl="0" indent="0" algn="l" rtl="0">
               <a:spcBef>
                 <a:spcPts val="1200"/>
               </a:spcBef>
@@ -7395,13 +7606,13 @@
               <a:buNone/>
             </a:pPr>
             <a:r>
-              <a:rPr lang="ru" sz="1600"/>
+              <a:rPr lang="ru" sz="1600" dirty="0"/>
               <a:t>Provide a menu for operations: addition, subtraction, multiplication, and division.</a:t>
             </a:r>
-            <a:endParaRPr sz="1600"/>
-          </a:p>
-          <a:p>
-            <a:pPr indent="0" lvl="0" marL="457200" rtl="0" algn="l">
+            <a:endParaRPr sz="1600" dirty="0"/>
+          </a:p>
+          <a:p>
+            <a:pPr marL="457200" lvl="0" indent="0" algn="l" rtl="0">
               <a:spcBef>
                 <a:spcPts val="1200"/>
               </a:spcBef>
@@ -7411,13 +7622,13 @@
               <a:buNone/>
             </a:pPr>
             <a:r>
-              <a:rPr lang="ru" sz="1600"/>
+              <a:rPr lang="ru" sz="1600" dirty="0"/>
               <a:t>Perform the selected operation and display the result.</a:t>
             </a:r>
-            <a:endParaRPr sz="1600"/>
-          </a:p>
-          <a:p>
-            <a:pPr indent="0" lvl="0" marL="0" rtl="0" algn="l">
+            <a:endParaRPr sz="1600" dirty="0"/>
+          </a:p>
+          <a:p>
+            <a:pPr marL="0" lvl="0" indent="0" algn="l" rtl="0">
               <a:spcBef>
                 <a:spcPts val="1200"/>
               </a:spcBef>
@@ -7426,10 +7637,7 @@
               </a:spcAft>
               <a:buNone/>
             </a:pPr>
-            <a:r>
-              <a:t/>
-            </a:r>
-            <a:endParaRPr/>
+            <a:endParaRPr dirty="0"/>
           </a:p>
         </p:txBody>
       </p:sp>
@@ -7442,11 +7650,11 @@
 </file>
 
 <file path=ppt/slides/slide2.xml><?xml version="1.0" encoding="utf-8"?>
-<p:sld xmlns:a="http://schemas.openxmlformats.org/drawingml/2006/main" xmlns:r="http://schemas.openxmlformats.org/officeDocument/2006/relationships" xmlns:mc="http://schemas.openxmlformats.org/markup-compatibility/2006" xmlns:mv="urn:schemas-microsoft-com:mac:vml" xmlns:p="http://schemas.openxmlformats.org/presentationml/2006/main" xmlns:c="http://schemas.openxmlformats.org/drawingml/2006/chart" xmlns:dgm="http://schemas.openxmlformats.org/drawingml/2006/diagram" xmlns:o="urn:schemas-microsoft-com:office:office" xmlns:v="urn:schemas-microsoft-com:vml" xmlns:pvml="urn:schemas-microsoft-com:office:powerpoint" xmlns:com="http://schemas.openxmlformats.org/drawingml/2006/compatibility" xmlns:p14="http://schemas.microsoft.com/office/powerpoint/2010/main" xmlns:p15="http://schemas.microsoft.com/office/powerpoint/2012/main" xmlns:ahyp="http://schemas.microsoft.com/office/drawing/2018/hyperlinkcolor">
+<p:sld xmlns:a="http://schemas.openxmlformats.org/drawingml/2006/main" xmlns:r="http://schemas.openxmlformats.org/officeDocument/2006/relationships" xmlns:p="http://schemas.openxmlformats.org/presentationml/2006/main">
   <p:cSld>
     <p:spTree>
       <p:nvGrpSpPr>
-        <p:cNvPr id="59" name="Shape 59"/>
+        <p:cNvPr id="1" name="Shape 59"/>
         <p:cNvGrpSpPr/>
         <p:nvPr/>
       </p:nvGrpSpPr>
@@ -7461,7 +7669,9 @@
       <p:sp>
         <p:nvSpPr>
           <p:cNvPr id="60" name="Google Shape;60;p14"/>
-          <p:cNvSpPr txBox="1"/>
+          <p:cNvSpPr txBox="1">
+            <a:spLocks noGrp="1"/>
+          </p:cNvSpPr>
           <p:nvPr>
             <p:ph type="title"/>
           </p:nvPr>
@@ -7476,12 +7686,12 @@
           </a:prstGeom>
         </p:spPr>
         <p:txBody>
-          <a:bodyPr anchorCtr="0" anchor="t" bIns="91425" lIns="91425" spcFirstLastPara="1" rIns="91425" wrap="square" tIns="91425">
+          <a:bodyPr spcFirstLastPara="1" wrap="square" lIns="91425" tIns="91425" rIns="91425" bIns="91425" anchor="t" anchorCtr="0">
             <a:normAutofit fontScale="90000"/>
           </a:bodyPr>
           <a:lstStyle/>
           <a:p>
-            <a:pPr indent="0" lvl="0" marL="0" rtl="0" algn="l">
+            <a:pPr marL="0" lvl="0" indent="0" algn="l" rtl="0">
               <a:spcBef>
                 <a:spcPts val="0"/>
               </a:spcBef>
@@ -7501,9 +7711,11 @@
       <p:sp>
         <p:nvSpPr>
           <p:cNvPr id="61" name="Google Shape;61;p14"/>
-          <p:cNvSpPr txBox="1"/>
+          <p:cNvSpPr txBox="1">
+            <a:spLocks noGrp="1"/>
+          </p:cNvSpPr>
           <p:nvPr>
-            <p:ph idx="1" type="body"/>
+            <p:ph type="body" idx="1"/>
           </p:nvPr>
         </p:nvSpPr>
         <p:spPr>
@@ -7516,12 +7728,12 @@
           </a:prstGeom>
         </p:spPr>
         <p:txBody>
-          <a:bodyPr anchorCtr="0" anchor="t" bIns="91425" lIns="91425" spcFirstLastPara="1" rIns="91425" wrap="square" tIns="91425">
+          <a:bodyPr spcFirstLastPara="1" wrap="square" lIns="91425" tIns="91425" rIns="91425" bIns="91425" anchor="t" anchorCtr="0">
             <a:normAutofit/>
           </a:bodyPr>
           <a:lstStyle/>
           <a:p>
-            <a:pPr indent="-342900" lvl="0" marL="457200" rtl="0" algn="l">
+            <a:pPr marL="457200" lvl="0" indent="-342900" algn="l" rtl="0">
               <a:spcBef>
                 <a:spcPts val="0"/>
               </a:spcBef>
@@ -7532,13 +7744,13 @@
               <a:buChar char="-"/>
             </a:pPr>
             <a:r>
-              <a:rPr lang="ru"/>
+              <a:rPr lang="ru" dirty="0"/>
               <a:t>High-level, interpreted programming language.</a:t>
             </a:r>
-            <a:endParaRPr/>
-          </a:p>
-          <a:p>
-            <a:pPr indent="-342900" lvl="0" marL="457200" rtl="0" algn="l">
+            <a:endParaRPr dirty="0"/>
+          </a:p>
+          <a:p>
+            <a:pPr marL="457200" lvl="0" indent="-342900" algn="l" rtl="0">
               <a:spcBef>
                 <a:spcPts val="0"/>
               </a:spcBef>
@@ -7549,13 +7761,13 @@
               <a:buChar char="-"/>
             </a:pPr>
             <a:r>
-              <a:rPr lang="ru"/>
+              <a:rPr lang="ru" dirty="0"/>
               <a:t>Created by Guido van Rossum in 1991.</a:t>
             </a:r>
-            <a:endParaRPr/>
-          </a:p>
-          <a:p>
-            <a:pPr indent="-342900" lvl="0" marL="457200" rtl="0" algn="l">
+            <a:endParaRPr dirty="0"/>
+          </a:p>
+          <a:p>
+            <a:pPr marL="457200" lvl="0" indent="-342900" algn="l" rtl="0">
               <a:spcBef>
                 <a:spcPts val="0"/>
               </a:spcBef>
@@ -7565,29 +7777,26 @@
               <a:buSzPts val="1800"/>
               <a:buChar char="-"/>
             </a:pPr>
+            <a:endParaRPr dirty="0"/>
+          </a:p>
+          <a:p>
+            <a:pPr marL="0" lvl="0" indent="0" algn="l" rtl="0">
+              <a:spcBef>
+                <a:spcPts val="1200"/>
+              </a:spcBef>
+              <a:spcAft>
+                <a:spcPts val="0"/>
+              </a:spcAft>
+              <a:buNone/>
+            </a:pPr>
             <a:r>
-              <a:t/>
-            </a:r>
-            <a:endParaRPr/>
-          </a:p>
-          <a:p>
-            <a:pPr indent="0" lvl="0" marL="0" rtl="0" algn="l">
-              <a:spcBef>
-                <a:spcPts val="1200"/>
-              </a:spcBef>
-              <a:spcAft>
-                <a:spcPts val="0"/>
-              </a:spcAft>
-              <a:buNone/>
-            </a:pPr>
-            <a:r>
-              <a:rPr lang="ru"/>
+              <a:rPr lang="ru" dirty="0"/>
               <a:t>Why Learn Python?</a:t>
             </a:r>
-            <a:endParaRPr/>
-          </a:p>
-          <a:p>
-            <a:pPr indent="-342900" lvl="0" marL="457200" rtl="0" algn="l">
+            <a:endParaRPr dirty="0"/>
+          </a:p>
+          <a:p>
+            <a:pPr marL="457200" lvl="0" indent="-342900" algn="l" rtl="0">
               <a:spcBef>
                 <a:spcPts val="1200"/>
               </a:spcBef>
@@ -7598,13 +7807,13 @@
               <a:buChar char="-"/>
             </a:pPr>
             <a:r>
-              <a:rPr lang="ru"/>
+              <a:rPr lang="ru" dirty="0"/>
               <a:t>Easy to read and write.</a:t>
             </a:r>
-            <a:endParaRPr/>
-          </a:p>
-          <a:p>
-            <a:pPr indent="-342900" lvl="0" marL="457200" rtl="0" algn="l">
+            <a:endParaRPr dirty="0"/>
+          </a:p>
+          <a:p>
+            <a:pPr marL="457200" lvl="0" indent="-342900" algn="l" rtl="0">
               <a:spcBef>
                 <a:spcPts val="0"/>
               </a:spcBef>
@@ -7615,13 +7824,13 @@
               <a:buChar char="-"/>
             </a:pPr>
             <a:r>
-              <a:rPr lang="ru"/>
+              <a:rPr lang="ru" dirty="0"/>
               <a:t>Widely used in web development, data science, automation, and more.</a:t>
             </a:r>
-            <a:endParaRPr/>
-          </a:p>
-          <a:p>
-            <a:pPr indent="0" lvl="0" marL="0" rtl="0" algn="l">
+            <a:endParaRPr dirty="0"/>
+          </a:p>
+          <a:p>
+            <a:pPr marL="0" lvl="0" indent="0" algn="l" rtl="0">
               <a:spcBef>
                 <a:spcPts val="1200"/>
               </a:spcBef>
@@ -7635,13 +7844,10 @@
               <a:buFont typeface="Arial"/>
               <a:buNone/>
             </a:pPr>
-            <a:r>
-              <a:t/>
-            </a:r>
-            <a:endParaRPr/>
-          </a:p>
-          <a:p>
-            <a:pPr indent="0" lvl="0" marL="0" rtl="0" algn="l">
+            <a:endParaRPr dirty="0"/>
+          </a:p>
+          <a:p>
+            <a:pPr marL="0" lvl="0" indent="0" algn="l" rtl="0">
               <a:spcBef>
                 <a:spcPts val="1200"/>
               </a:spcBef>
@@ -7650,10 +7856,7 @@
               </a:spcAft>
               <a:buNone/>
             </a:pPr>
-            <a:r>
-              <a:t/>
-            </a:r>
-            <a:endParaRPr/>
+            <a:endParaRPr dirty="0"/>
           </a:p>
         </p:txBody>
       </p:sp>
@@ -7666,11 +7869,11 @@
 </file>
 
 <file path=ppt/slides/slide3.xml><?xml version="1.0" encoding="utf-8"?>
-<p:sld xmlns:a="http://schemas.openxmlformats.org/drawingml/2006/main" xmlns:r="http://schemas.openxmlformats.org/officeDocument/2006/relationships" xmlns:mc="http://schemas.openxmlformats.org/markup-compatibility/2006" xmlns:mv="urn:schemas-microsoft-com:mac:vml" xmlns:p="http://schemas.openxmlformats.org/presentationml/2006/main" xmlns:c="http://schemas.openxmlformats.org/drawingml/2006/chart" xmlns:dgm="http://schemas.openxmlformats.org/drawingml/2006/diagram" xmlns:o="urn:schemas-microsoft-com:office:office" xmlns:v="urn:schemas-microsoft-com:vml" xmlns:pvml="urn:schemas-microsoft-com:office:powerpoint" xmlns:com="http://schemas.openxmlformats.org/drawingml/2006/compatibility" xmlns:p14="http://schemas.microsoft.com/office/powerpoint/2010/main" xmlns:p15="http://schemas.microsoft.com/office/powerpoint/2012/main" xmlns:ahyp="http://schemas.microsoft.com/office/drawing/2018/hyperlinkcolor">
+<p:sld xmlns:a="http://schemas.openxmlformats.org/drawingml/2006/main" xmlns:r="http://schemas.openxmlformats.org/officeDocument/2006/relationships" xmlns:p="http://schemas.openxmlformats.org/presentationml/2006/main">
   <p:cSld>
     <p:spTree>
       <p:nvGrpSpPr>
-        <p:cNvPr id="65" name="Shape 65"/>
+        <p:cNvPr id="1" name="Shape 65"/>
         <p:cNvGrpSpPr/>
         <p:nvPr/>
       </p:nvGrpSpPr>
@@ -7685,7 +7888,9 @@
       <p:sp>
         <p:nvSpPr>
           <p:cNvPr id="66" name="Google Shape;66;p15"/>
-          <p:cNvSpPr txBox="1"/>
+          <p:cNvSpPr txBox="1">
+            <a:spLocks noGrp="1"/>
+          </p:cNvSpPr>
           <p:nvPr>
             <p:ph type="title"/>
           </p:nvPr>
@@ -7700,12 +7905,12 @@
           </a:prstGeom>
         </p:spPr>
         <p:txBody>
-          <a:bodyPr anchorCtr="0" anchor="t" bIns="91425" lIns="91425" spcFirstLastPara="1" rIns="91425" wrap="square" tIns="91425">
+          <a:bodyPr spcFirstLastPara="1" wrap="square" lIns="91425" tIns="91425" rIns="91425" bIns="91425" anchor="t" anchorCtr="0">
             <a:normAutofit fontScale="90000"/>
           </a:bodyPr>
           <a:lstStyle/>
           <a:p>
-            <a:pPr indent="0" lvl="0" marL="0" rtl="0" algn="l">
+            <a:pPr marL="0" lvl="0" indent="0" algn="l" rtl="0">
               <a:spcBef>
                 <a:spcPts val="0"/>
               </a:spcBef>
@@ -7725,9 +7930,11 @@
       <p:sp>
         <p:nvSpPr>
           <p:cNvPr id="67" name="Google Shape;67;p15"/>
-          <p:cNvSpPr txBox="1"/>
+          <p:cNvSpPr txBox="1">
+            <a:spLocks noGrp="1"/>
+          </p:cNvSpPr>
           <p:nvPr>
-            <p:ph idx="1" type="body"/>
+            <p:ph type="body" idx="1"/>
           </p:nvPr>
         </p:nvSpPr>
         <p:spPr>
@@ -7740,12 +7947,12 @@
           </a:prstGeom>
         </p:spPr>
         <p:txBody>
-          <a:bodyPr anchorCtr="0" anchor="t" bIns="91425" lIns="91425" spcFirstLastPara="1" rIns="91425" wrap="square" tIns="91425">
+          <a:bodyPr spcFirstLastPara="1" wrap="square" lIns="91425" tIns="91425" rIns="91425" bIns="91425" anchor="t" anchorCtr="0">
             <a:normAutofit lnSpcReduction="20000"/>
           </a:bodyPr>
           <a:lstStyle/>
           <a:p>
-            <a:pPr indent="0" lvl="0" marL="0" rtl="0" algn="l">
+            <a:pPr marL="0" lvl="0" indent="0" algn="l" rtl="0">
               <a:spcBef>
                 <a:spcPts val="0"/>
               </a:spcBef>
@@ -7760,11 +7967,11 @@
               <a:buNone/>
             </a:pPr>
             <a:r>
-              <a:rPr lang="ru"/>
+              <a:rPr lang="ru" dirty="0"/>
               <a:t>Visit </a:t>
             </a:r>
             <a:r>
-              <a:rPr b="1" lang="ru">
+              <a:rPr lang="ru" b="1" dirty="0">
                 <a:solidFill>
                   <a:srgbClr val="FF0000"/>
                 </a:solidFill>
@@ -7772,13 +7979,13 @@
               <a:t>python.org</a:t>
             </a:r>
             <a:r>
-              <a:rPr lang="ru"/>
+              <a:rPr lang="ru" dirty="0"/>
               <a:t> to download.</a:t>
             </a:r>
-            <a:endParaRPr/>
-          </a:p>
-          <a:p>
-            <a:pPr indent="0" lvl="0" marL="0" rtl="0" algn="l">
+            <a:endParaRPr dirty="0"/>
+          </a:p>
+          <a:p>
+            <a:pPr marL="0" lvl="0" indent="0" algn="l" rtl="0">
               <a:spcBef>
                 <a:spcPts val="1200"/>
               </a:spcBef>
@@ -7788,13 +7995,13 @@
               <a:buNone/>
             </a:pPr>
             <a:r>
-              <a:rPr lang="ru"/>
+              <a:rPr lang="ru" dirty="0"/>
               <a:t>Follow installation instructions for your OS.</a:t>
             </a:r>
-            <a:endParaRPr/>
-          </a:p>
-          <a:p>
-            <a:pPr indent="0" lvl="0" marL="0" rtl="0" algn="l">
+            <a:endParaRPr dirty="0"/>
+          </a:p>
+          <a:p>
+            <a:pPr marL="0" lvl="0" indent="0" algn="l" rtl="0">
               <a:spcBef>
                 <a:spcPts val="1200"/>
               </a:spcBef>
@@ -7803,29 +8010,26 @@
               </a:spcAft>
               <a:buNone/>
             </a:pPr>
+            <a:endParaRPr dirty="0"/>
+          </a:p>
+          <a:p>
+            <a:pPr marL="0" lvl="0" indent="0" algn="l" rtl="0">
+              <a:spcBef>
+                <a:spcPts val="1200"/>
+              </a:spcBef>
+              <a:spcAft>
+                <a:spcPts val="0"/>
+              </a:spcAft>
+              <a:buNone/>
+            </a:pPr>
             <a:r>
-              <a:t/>
-            </a:r>
-            <a:endParaRPr/>
-          </a:p>
-          <a:p>
-            <a:pPr indent="0" lvl="0" marL="0" rtl="0" algn="l">
-              <a:spcBef>
-                <a:spcPts val="1200"/>
-              </a:spcBef>
-              <a:spcAft>
-                <a:spcPts val="0"/>
-              </a:spcAft>
-              <a:buNone/>
-            </a:pPr>
-            <a:r>
-              <a:rPr b="1" lang="ru"/>
+              <a:rPr lang="ru" b="1" dirty="0"/>
               <a:t>Verify Installation:</a:t>
             </a:r>
-            <a:endParaRPr b="1"/>
-          </a:p>
-          <a:p>
-            <a:pPr indent="0" lvl="0" marL="0" rtl="0" algn="l">
+            <a:endParaRPr b="1" dirty="0"/>
+          </a:p>
+          <a:p>
+            <a:pPr marL="0" lvl="0" indent="0" algn="l" rtl="0">
               <a:spcBef>
                 <a:spcPts val="1200"/>
               </a:spcBef>
@@ -7835,25 +8039,25 @@
               <a:buNone/>
             </a:pPr>
             <a:r>
-              <a:rPr lang="ru"/>
+              <a:rPr lang="ru" dirty="0"/>
               <a:t>Open terminal/command prompt and type </a:t>
             </a:r>
             <a:r>
-              <a:rPr b="1" lang="ru">
+              <a:rPr lang="ru" b="1" dirty="0">
                 <a:solidFill>
                   <a:srgbClr val="00FF00"/>
                 </a:solidFill>
               </a:rPr>
               <a:t>python --version</a:t>
             </a:r>
-            <a:endParaRPr b="1">
+            <a:endParaRPr b="1" dirty="0">
               <a:solidFill>
                 <a:srgbClr val="00FF00"/>
               </a:solidFill>
             </a:endParaRPr>
           </a:p>
           <a:p>
-            <a:pPr indent="0" lvl="0" marL="0" rtl="0" algn="l">
+            <a:pPr marL="0" lvl="0" indent="0" algn="l" rtl="0">
               <a:spcBef>
                 <a:spcPts val="1200"/>
               </a:spcBef>
@@ -7862,13 +8066,10 @@
               </a:spcAft>
               <a:buNone/>
             </a:pPr>
-            <a:r>
-              <a:t/>
-            </a:r>
-            <a:endParaRPr/>
-          </a:p>
-          <a:p>
-            <a:pPr indent="0" lvl="0" marL="0" rtl="0" algn="l">
+            <a:endParaRPr dirty="0"/>
+          </a:p>
+          <a:p>
+            <a:pPr marL="0" lvl="0" indent="0" algn="l" rtl="0">
               <a:spcBef>
                 <a:spcPts val="1200"/>
               </a:spcBef>
@@ -7882,13 +8083,10 @@
               <a:buFont typeface="Arial"/>
               <a:buNone/>
             </a:pPr>
-            <a:r>
-              <a:t/>
-            </a:r>
-            <a:endParaRPr/>
-          </a:p>
-          <a:p>
-            <a:pPr indent="0" lvl="0" marL="0" rtl="0" algn="l">
+            <a:endParaRPr dirty="0"/>
+          </a:p>
+          <a:p>
+            <a:pPr marL="0" lvl="0" indent="0" algn="l" rtl="0">
               <a:spcBef>
                 <a:spcPts val="1200"/>
               </a:spcBef>
@@ -7897,10 +8095,7 @@
               </a:spcAft>
               <a:buNone/>
             </a:pPr>
-            <a:r>
-              <a:t/>
-            </a:r>
-            <a:endParaRPr/>
+            <a:endParaRPr dirty="0"/>
           </a:p>
         </p:txBody>
       </p:sp>
@@ -7913,11 +8108,11 @@
 </file>
 
 <file path=ppt/slides/slide4.xml><?xml version="1.0" encoding="utf-8"?>
-<p:sld xmlns:a="http://schemas.openxmlformats.org/drawingml/2006/main" xmlns:r="http://schemas.openxmlformats.org/officeDocument/2006/relationships" xmlns:mc="http://schemas.openxmlformats.org/markup-compatibility/2006" xmlns:mv="urn:schemas-microsoft-com:mac:vml" xmlns:p="http://schemas.openxmlformats.org/presentationml/2006/main" xmlns:c="http://schemas.openxmlformats.org/drawingml/2006/chart" xmlns:dgm="http://schemas.openxmlformats.org/drawingml/2006/diagram" xmlns:o="urn:schemas-microsoft-com:office:office" xmlns:v="urn:schemas-microsoft-com:vml" xmlns:pvml="urn:schemas-microsoft-com:office:powerpoint" xmlns:com="http://schemas.openxmlformats.org/drawingml/2006/compatibility" xmlns:p14="http://schemas.microsoft.com/office/powerpoint/2010/main" xmlns:p15="http://schemas.microsoft.com/office/powerpoint/2012/main" xmlns:ahyp="http://schemas.microsoft.com/office/drawing/2018/hyperlinkcolor">
+<p:sld xmlns:a="http://schemas.openxmlformats.org/drawingml/2006/main" xmlns:r="http://schemas.openxmlformats.org/officeDocument/2006/relationships" xmlns:p="http://schemas.openxmlformats.org/presentationml/2006/main">
   <p:cSld>
     <p:spTree>
       <p:nvGrpSpPr>
-        <p:cNvPr id="71" name="Shape 71"/>
+        <p:cNvPr id="1" name="Shape 71"/>
         <p:cNvGrpSpPr/>
         <p:nvPr/>
       </p:nvGrpSpPr>
@@ -7932,7 +8127,9 @@
       <p:sp>
         <p:nvSpPr>
           <p:cNvPr id="72" name="Google Shape;72;p16"/>
-          <p:cNvSpPr txBox="1"/>
+          <p:cNvSpPr txBox="1">
+            <a:spLocks noGrp="1"/>
+          </p:cNvSpPr>
           <p:nvPr>
             <p:ph type="title"/>
           </p:nvPr>
@@ -7947,12 +8144,12 @@
           </a:prstGeom>
         </p:spPr>
         <p:txBody>
-          <a:bodyPr anchorCtr="0" anchor="t" bIns="91425" lIns="91425" spcFirstLastPara="1" rIns="91425" wrap="square" tIns="91425">
+          <a:bodyPr spcFirstLastPara="1" wrap="square" lIns="91425" tIns="91425" rIns="91425" bIns="91425" anchor="t" anchorCtr="0">
             <a:normAutofit fontScale="90000"/>
           </a:bodyPr>
           <a:lstStyle/>
           <a:p>
-            <a:pPr indent="0" lvl="0" marL="0" rtl="0" algn="l">
+            <a:pPr marL="0" lvl="0" indent="0" algn="l" rtl="0">
               <a:spcBef>
                 <a:spcPts val="0"/>
               </a:spcBef>
@@ -7962,19 +8159,21 @@
               <a:buNone/>
             </a:pPr>
             <a:r>
-              <a:rPr lang="ru"/>
+              <a:rPr lang="ru" dirty="0"/>
               <a:t>Your First Python Program</a:t>
             </a:r>
-            <a:endParaRPr/>
+            <a:endParaRPr dirty="0"/>
           </a:p>
         </p:txBody>
       </p:sp>
       <p:sp>
         <p:nvSpPr>
           <p:cNvPr id="73" name="Google Shape;73;p16"/>
-          <p:cNvSpPr txBox="1"/>
+          <p:cNvSpPr txBox="1">
+            <a:spLocks noGrp="1"/>
+          </p:cNvSpPr>
           <p:nvPr>
-            <p:ph idx="1" type="body"/>
+            <p:ph type="body" idx="1"/>
           </p:nvPr>
         </p:nvSpPr>
         <p:spPr>
@@ -7987,12 +8186,12 @@
           </a:prstGeom>
         </p:spPr>
         <p:txBody>
-          <a:bodyPr anchorCtr="0" anchor="t" bIns="91425" lIns="91425" spcFirstLastPara="1" rIns="91425" wrap="square" tIns="91425">
+          <a:bodyPr spcFirstLastPara="1" wrap="square" lIns="91425" tIns="91425" rIns="91425" bIns="91425" anchor="t" anchorCtr="0">
             <a:normAutofit/>
           </a:bodyPr>
           <a:lstStyle/>
           <a:p>
-            <a:pPr indent="0" lvl="0" marL="0" rtl="0" algn="l">
+            <a:pPr marL="0" lvl="0" indent="0" algn="l" rtl="0">
               <a:spcBef>
                 <a:spcPts val="0"/>
               </a:spcBef>
@@ -8002,13 +8201,13 @@
               <a:buNone/>
             </a:pPr>
             <a:r>
-              <a:rPr b="1" lang="ru"/>
+              <a:rPr lang="ru" b="1" dirty="0"/>
               <a:t>print("Hello, World!")</a:t>
             </a:r>
-            <a:endParaRPr b="1"/>
-          </a:p>
-          <a:p>
-            <a:pPr indent="0" lvl="0" marL="0" rtl="0" algn="l">
+            <a:endParaRPr b="1" dirty="0"/>
+          </a:p>
+          <a:p>
+            <a:pPr marL="0" lvl="0" indent="0" algn="l" rtl="0">
               <a:spcBef>
                 <a:spcPts val="1200"/>
               </a:spcBef>
@@ -8017,13 +8216,10 @@
               </a:spcAft>
               <a:buNone/>
             </a:pPr>
-            <a:r>
-              <a:t/>
-            </a:r>
-            <a:endParaRPr/>
-          </a:p>
-          <a:p>
-            <a:pPr indent="0" lvl="0" marL="0" rtl="0" algn="l">
+            <a:endParaRPr dirty="0"/>
+          </a:p>
+          <a:p>
+            <a:pPr marL="0" lvl="0" indent="0" algn="l" rtl="0">
               <a:spcBef>
                 <a:spcPts val="1200"/>
               </a:spcBef>
@@ -8038,13 +8234,13 @@
               <a:buNone/>
             </a:pPr>
             <a:r>
-              <a:rPr lang="ru"/>
+              <a:rPr lang="ru" dirty="0"/>
               <a:t>Run the Program:</a:t>
             </a:r>
-            <a:endParaRPr/>
-          </a:p>
-          <a:p>
-            <a:pPr indent="0" lvl="0" marL="457200" rtl="0" algn="l">
+            <a:endParaRPr dirty="0"/>
+          </a:p>
+          <a:p>
+            <a:pPr marL="457200" lvl="0" indent="0" algn="l" rtl="0">
               <a:spcBef>
                 <a:spcPts val="1200"/>
               </a:spcBef>
@@ -8059,13 +8255,13 @@
               <a:buNone/>
             </a:pPr>
             <a:r>
-              <a:rPr lang="ru"/>
+              <a:rPr lang="ru" dirty="0"/>
               <a:t>Save the file as hello.py</a:t>
             </a:r>
-            <a:endParaRPr/>
-          </a:p>
-          <a:p>
-            <a:pPr indent="0" lvl="0" marL="457200" rtl="0" algn="l">
+            <a:endParaRPr dirty="0"/>
+          </a:p>
+          <a:p>
+            <a:pPr marL="457200" lvl="0" indent="0" algn="l" rtl="0">
               <a:spcBef>
                 <a:spcPts val="1200"/>
               </a:spcBef>
@@ -8080,17 +8276,17 @@
               <a:buNone/>
             </a:pPr>
             <a:r>
-              <a:rPr lang="ru"/>
+              <a:rPr lang="ru" dirty="0"/>
               <a:t>Run using </a:t>
             </a:r>
             <a:r>
-              <a:rPr b="1" lang="ru"/>
+              <a:rPr lang="ru" b="1" dirty="0"/>
               <a:t>python hello.py</a:t>
             </a:r>
-            <a:endParaRPr/>
-          </a:p>
-          <a:p>
-            <a:pPr indent="0" lvl="0" marL="0" rtl="0" algn="l">
+            <a:endParaRPr dirty="0"/>
+          </a:p>
+          <a:p>
+            <a:pPr marL="0" lvl="0" indent="0" algn="l" rtl="0">
               <a:spcBef>
                 <a:spcPts val="1200"/>
               </a:spcBef>
@@ -8099,10 +8295,7 @@
               </a:spcAft>
               <a:buNone/>
             </a:pPr>
-            <a:r>
-              <a:t/>
-            </a:r>
-            <a:endParaRPr/>
+            <a:endParaRPr dirty="0"/>
           </a:p>
         </p:txBody>
       </p:sp>
@@ -8115,11 +8308,11 @@
 </file>
 
 <file path=ppt/slides/slide5.xml><?xml version="1.0" encoding="utf-8"?>
-<p:sld xmlns:a="http://schemas.openxmlformats.org/drawingml/2006/main" xmlns:r="http://schemas.openxmlformats.org/officeDocument/2006/relationships" xmlns:mc="http://schemas.openxmlformats.org/markup-compatibility/2006" xmlns:mv="urn:schemas-microsoft-com:mac:vml" xmlns:p="http://schemas.openxmlformats.org/presentationml/2006/main" xmlns:c="http://schemas.openxmlformats.org/drawingml/2006/chart" xmlns:dgm="http://schemas.openxmlformats.org/drawingml/2006/diagram" xmlns:o="urn:schemas-microsoft-com:office:office" xmlns:v="urn:schemas-microsoft-com:vml" xmlns:pvml="urn:schemas-microsoft-com:office:powerpoint" xmlns:com="http://schemas.openxmlformats.org/drawingml/2006/compatibility" xmlns:p14="http://schemas.microsoft.com/office/powerpoint/2010/main" xmlns:p15="http://schemas.microsoft.com/office/powerpoint/2012/main" xmlns:ahyp="http://schemas.microsoft.com/office/drawing/2018/hyperlinkcolor">
+<p:sld xmlns:a="http://schemas.openxmlformats.org/drawingml/2006/main" xmlns:r="http://schemas.openxmlformats.org/officeDocument/2006/relationships" xmlns:p="http://schemas.openxmlformats.org/presentationml/2006/main">
   <p:cSld>
     <p:spTree>
       <p:nvGrpSpPr>
-        <p:cNvPr id="77" name="Shape 77"/>
+        <p:cNvPr id="1" name="Shape 77"/>
         <p:cNvGrpSpPr/>
         <p:nvPr/>
       </p:nvGrpSpPr>
@@ -8134,7 +8327,9 @@
       <p:sp>
         <p:nvSpPr>
           <p:cNvPr id="78" name="Google Shape;78;p17"/>
-          <p:cNvSpPr txBox="1"/>
+          <p:cNvSpPr txBox="1">
+            <a:spLocks noGrp="1"/>
+          </p:cNvSpPr>
           <p:nvPr>
             <p:ph type="title"/>
           </p:nvPr>
@@ -8149,12 +8344,12 @@
           </a:prstGeom>
         </p:spPr>
         <p:txBody>
-          <a:bodyPr anchorCtr="0" anchor="t" bIns="91425" lIns="91425" spcFirstLastPara="1" rIns="91425" wrap="square" tIns="91425">
+          <a:bodyPr spcFirstLastPara="1" wrap="square" lIns="91425" tIns="91425" rIns="91425" bIns="91425" anchor="t" anchorCtr="0">
             <a:normAutofit fontScale="90000"/>
           </a:bodyPr>
           <a:lstStyle/>
           <a:p>
-            <a:pPr indent="0" lvl="0" marL="0" rtl="0" algn="l">
+            <a:pPr marL="0" lvl="0" indent="0" algn="l" rtl="0">
               <a:spcBef>
                 <a:spcPts val="0"/>
               </a:spcBef>
@@ -8174,9 +8369,11 @@
       <p:sp>
         <p:nvSpPr>
           <p:cNvPr id="79" name="Google Shape;79;p17"/>
-          <p:cNvSpPr txBox="1"/>
+          <p:cNvSpPr txBox="1">
+            <a:spLocks noGrp="1"/>
+          </p:cNvSpPr>
           <p:nvPr>
-            <p:ph idx="1" type="body"/>
+            <p:ph type="body" idx="1"/>
           </p:nvPr>
         </p:nvSpPr>
         <p:spPr>
@@ -8189,12 +8386,12 @@
           </a:prstGeom>
         </p:spPr>
         <p:txBody>
-          <a:bodyPr anchorCtr="0" anchor="t" bIns="91425" lIns="91425" spcFirstLastPara="1" rIns="91425" wrap="square" tIns="91425">
+          <a:bodyPr spcFirstLastPara="1" wrap="square" lIns="91425" tIns="91425" rIns="91425" bIns="91425" anchor="t" anchorCtr="0">
             <a:normAutofit lnSpcReduction="20000"/>
           </a:bodyPr>
           <a:lstStyle/>
           <a:p>
-            <a:pPr indent="0" lvl="0" marL="0" rtl="0" algn="l">
+            <a:pPr marL="0" lvl="0" indent="0" algn="l" rtl="0">
               <a:spcBef>
                 <a:spcPts val="0"/>
               </a:spcBef>
@@ -8204,13 +8401,13 @@
               <a:buNone/>
             </a:pPr>
             <a:r>
-              <a:rPr lang="ru"/>
+              <a:rPr lang="ru" dirty="0"/>
               <a:t>Python uses indentation to define blocks of code.</a:t>
             </a:r>
-            <a:endParaRPr/>
-          </a:p>
-          <a:p>
-            <a:pPr indent="0" lvl="0" marL="0" rtl="0" algn="l">
+            <a:endParaRPr dirty="0"/>
+          </a:p>
+          <a:p>
+            <a:pPr marL="0" lvl="0" indent="0" algn="l" rtl="0">
               <a:spcBef>
                 <a:spcPts val="1200"/>
               </a:spcBef>
@@ -8225,21 +8422,21 @@
               <a:buNone/>
             </a:pPr>
             <a:r>
-              <a:rPr b="1" lang="ru">
+              <a:rPr lang="ru" b="1" dirty="0">
                 <a:solidFill>
                   <a:srgbClr val="FF0000"/>
                 </a:solidFill>
               </a:rPr>
               <a:t>if True:</a:t>
             </a:r>
-            <a:endParaRPr b="1">
+            <a:endParaRPr b="1" dirty="0">
               <a:solidFill>
                 <a:srgbClr val="FF0000"/>
               </a:solidFill>
             </a:endParaRPr>
           </a:p>
           <a:p>
-            <a:pPr indent="0" lvl="0" marL="0" rtl="0" algn="l">
+            <a:pPr marL="0" lvl="0" indent="0" algn="l" rtl="0">
               <a:spcBef>
                 <a:spcPts val="1200"/>
               </a:spcBef>
@@ -8254,21 +8451,21 @@
               <a:buNone/>
             </a:pPr>
             <a:r>
-              <a:rPr b="1" lang="ru">
+              <a:rPr lang="ru" b="1" dirty="0">
                 <a:solidFill>
                   <a:srgbClr val="FF0000"/>
                 </a:solidFill>
               </a:rPr>
               <a:t>    print("This is indented.")</a:t>
             </a:r>
-            <a:endParaRPr b="1">
+            <a:endParaRPr b="1" dirty="0">
               <a:solidFill>
                 <a:srgbClr val="FF0000"/>
               </a:solidFill>
             </a:endParaRPr>
           </a:p>
           <a:p>
-            <a:pPr indent="0" lvl="0" marL="0" rtl="0" algn="l">
+            <a:pPr marL="0" lvl="0" indent="0" algn="l" rtl="0">
               <a:spcBef>
                 <a:spcPts val="1200"/>
               </a:spcBef>
@@ -8277,13 +8474,10 @@
               </a:spcAft>
               <a:buNone/>
             </a:pPr>
-            <a:r>
-              <a:t/>
-            </a:r>
-            <a:endParaRPr/>
-          </a:p>
-          <a:p>
-            <a:pPr indent="0" lvl="0" marL="0" rtl="0" algn="l">
+            <a:endParaRPr dirty="0"/>
+          </a:p>
+          <a:p>
+            <a:pPr marL="0" lvl="0" indent="0" algn="l" rtl="0">
               <a:spcBef>
                 <a:spcPts val="1200"/>
               </a:spcBef>
@@ -8298,13 +8492,13 @@
               <a:buNone/>
             </a:pPr>
             <a:r>
-              <a:rPr lang="ru"/>
+              <a:rPr lang="ru" dirty="0"/>
               <a:t>Comments:</a:t>
             </a:r>
-            <a:endParaRPr/>
-          </a:p>
-          <a:p>
-            <a:pPr indent="0" lvl="0" marL="457200" rtl="0" algn="l">
+            <a:endParaRPr dirty="0"/>
+          </a:p>
+          <a:p>
+            <a:pPr marL="457200" lvl="0" indent="0" algn="l" rtl="0">
               <a:spcBef>
                 <a:spcPts val="1200"/>
               </a:spcBef>
@@ -8319,13 +8513,13 @@
               <a:buNone/>
             </a:pPr>
             <a:r>
-              <a:rPr lang="ru"/>
+              <a:rPr lang="ru" dirty="0"/>
               <a:t>Single-line: # This is a comment</a:t>
             </a:r>
-            <a:endParaRPr/>
-          </a:p>
-          <a:p>
-            <a:pPr indent="0" lvl="0" marL="457200" rtl="0" algn="l">
+            <a:endParaRPr dirty="0"/>
+          </a:p>
+          <a:p>
+            <a:pPr marL="457200" lvl="0" indent="0" algn="l" rtl="0">
               <a:spcBef>
                 <a:spcPts val="1200"/>
               </a:spcBef>
@@ -8340,13 +8534,13 @@
               <a:buNone/>
             </a:pPr>
             <a:r>
-              <a:rPr lang="ru"/>
+              <a:rPr lang="ru" dirty="0"/>
               <a:t>Multi-line: """This is a comment"""</a:t>
             </a:r>
-            <a:endParaRPr/>
-          </a:p>
-          <a:p>
-            <a:pPr indent="0" lvl="0" marL="0" rtl="0" algn="l">
+            <a:endParaRPr dirty="0"/>
+          </a:p>
+          <a:p>
+            <a:pPr marL="0" lvl="0" indent="0" algn="l" rtl="0">
               <a:spcBef>
                 <a:spcPts val="1200"/>
               </a:spcBef>
@@ -8355,10 +8549,7 @@
               </a:spcAft>
               <a:buNone/>
             </a:pPr>
-            <a:r>
-              <a:t/>
-            </a:r>
-            <a:endParaRPr/>
+            <a:endParaRPr dirty="0"/>
           </a:p>
         </p:txBody>
       </p:sp>
@@ -8371,11 +8562,11 @@
 </file>
 
 <file path=ppt/slides/slide6.xml><?xml version="1.0" encoding="utf-8"?>
-<p:sld xmlns:a="http://schemas.openxmlformats.org/drawingml/2006/main" xmlns:r="http://schemas.openxmlformats.org/officeDocument/2006/relationships" xmlns:mc="http://schemas.openxmlformats.org/markup-compatibility/2006" xmlns:mv="urn:schemas-microsoft-com:mac:vml" xmlns:p="http://schemas.openxmlformats.org/presentationml/2006/main" xmlns:c="http://schemas.openxmlformats.org/drawingml/2006/chart" xmlns:dgm="http://schemas.openxmlformats.org/drawingml/2006/diagram" xmlns:o="urn:schemas-microsoft-com:office:office" xmlns:v="urn:schemas-microsoft-com:vml" xmlns:pvml="urn:schemas-microsoft-com:office:powerpoint" xmlns:com="http://schemas.openxmlformats.org/drawingml/2006/compatibility" xmlns:p14="http://schemas.microsoft.com/office/powerpoint/2010/main" xmlns:p15="http://schemas.microsoft.com/office/powerpoint/2012/main" xmlns:ahyp="http://schemas.microsoft.com/office/drawing/2018/hyperlinkcolor">
+<p:sld xmlns:a="http://schemas.openxmlformats.org/drawingml/2006/main" xmlns:r="http://schemas.openxmlformats.org/officeDocument/2006/relationships" xmlns:p="http://schemas.openxmlformats.org/presentationml/2006/main">
   <p:cSld>
     <p:spTree>
       <p:nvGrpSpPr>
-        <p:cNvPr id="83" name="Shape 83"/>
+        <p:cNvPr id="1" name="Shape 83"/>
         <p:cNvGrpSpPr/>
         <p:nvPr/>
       </p:nvGrpSpPr>
@@ -8390,7 +8581,9 @@
       <p:sp>
         <p:nvSpPr>
           <p:cNvPr id="84" name="Google Shape;84;p18"/>
-          <p:cNvSpPr txBox="1"/>
+          <p:cNvSpPr txBox="1">
+            <a:spLocks noGrp="1"/>
+          </p:cNvSpPr>
           <p:nvPr>
             <p:ph type="title"/>
           </p:nvPr>
@@ -8405,12 +8598,12 @@
           </a:prstGeom>
         </p:spPr>
         <p:txBody>
-          <a:bodyPr anchorCtr="0" anchor="t" bIns="91425" lIns="91425" spcFirstLastPara="1" rIns="91425" wrap="square" tIns="91425">
+          <a:bodyPr spcFirstLastPara="1" wrap="square" lIns="91425" tIns="91425" rIns="91425" bIns="91425" anchor="t" anchorCtr="0">
             <a:normAutofit fontScale="90000"/>
           </a:bodyPr>
           <a:lstStyle/>
           <a:p>
-            <a:pPr indent="0" lvl="0" marL="0" rtl="0" algn="l">
+            <a:pPr marL="0" lvl="0" indent="0" algn="l" rtl="0">
               <a:spcBef>
                 <a:spcPts val="0"/>
               </a:spcBef>
@@ -8430,9 +8623,11 @@
       <p:sp>
         <p:nvSpPr>
           <p:cNvPr id="85" name="Google Shape;85;p18"/>
-          <p:cNvSpPr txBox="1"/>
+          <p:cNvSpPr txBox="1">
+            <a:spLocks noGrp="1"/>
+          </p:cNvSpPr>
           <p:nvPr>
-            <p:ph idx="1" type="body"/>
+            <p:ph type="body" idx="1"/>
           </p:nvPr>
         </p:nvSpPr>
         <p:spPr>
@@ -8445,12 +8640,12 @@
           </a:prstGeom>
         </p:spPr>
         <p:txBody>
-          <a:bodyPr anchorCtr="0" anchor="t" bIns="91425" lIns="91425" spcFirstLastPara="1" rIns="91425" wrap="square" tIns="91425">
-            <a:normAutofit fontScale="70000" lnSpcReduction="20000"/>
+          <a:bodyPr spcFirstLastPara="1" wrap="square" lIns="91425" tIns="91425" rIns="91425" bIns="91425" anchor="t" anchorCtr="0">
+            <a:normAutofit fontScale="85000" lnSpcReduction="20000"/>
           </a:bodyPr>
           <a:lstStyle/>
           <a:p>
-            <a:pPr indent="0" lvl="0" marL="0" rtl="0" algn="l">
+            <a:pPr marL="0" lvl="0" indent="0" algn="l" rtl="0">
               <a:spcBef>
                 <a:spcPts val="0"/>
               </a:spcBef>
@@ -8460,13 +8655,13 @@
               <a:buNone/>
             </a:pPr>
             <a:r>
-              <a:rPr lang="ru"/>
+              <a:rPr lang="ru" dirty="0"/>
               <a:t>No need to declare types.</a:t>
             </a:r>
-            <a:endParaRPr/>
-          </a:p>
-          <a:p>
-            <a:pPr indent="0" lvl="0" marL="457200" rtl="0" algn="l">
+            <a:endParaRPr dirty="0"/>
+          </a:p>
+          <a:p>
+            <a:pPr marL="457200" lvl="0" indent="0" algn="l" rtl="0">
               <a:spcBef>
                 <a:spcPts val="1200"/>
               </a:spcBef>
@@ -8481,21 +8676,21 @@
               <a:buNone/>
             </a:pPr>
             <a:r>
-              <a:rPr lang="ru">
+              <a:rPr lang="ru" dirty="0">
                 <a:solidFill>
                   <a:srgbClr val="FF0000"/>
                 </a:solidFill>
               </a:rPr>
               <a:t>name = "Alice"</a:t>
             </a:r>
-            <a:endParaRPr>
+            <a:endParaRPr dirty="0">
               <a:solidFill>
                 <a:srgbClr val="FF0000"/>
               </a:solidFill>
             </a:endParaRPr>
           </a:p>
           <a:p>
-            <a:pPr indent="0" lvl="0" marL="457200" rtl="0" algn="l">
+            <a:pPr marL="457200" lvl="0" indent="0" algn="l" rtl="0">
               <a:spcBef>
                 <a:spcPts val="1200"/>
               </a:spcBef>
@@ -8510,21 +8705,21 @@
               <a:buNone/>
             </a:pPr>
             <a:r>
-              <a:rPr lang="ru">
+              <a:rPr lang="ru" dirty="0">
                 <a:solidFill>
                   <a:srgbClr val="FF0000"/>
                 </a:solidFill>
               </a:rPr>
               <a:t>age = 25</a:t>
             </a:r>
-            <a:endParaRPr>
+            <a:endParaRPr dirty="0">
               <a:solidFill>
                 <a:srgbClr val="FF0000"/>
               </a:solidFill>
             </a:endParaRPr>
           </a:p>
           <a:p>
-            <a:pPr indent="0" lvl="0" marL="0" rtl="0" algn="l">
+            <a:pPr marL="0" lvl="0" indent="0" algn="l" rtl="0">
               <a:spcBef>
                 <a:spcPts val="1200"/>
               </a:spcBef>
@@ -8533,13 +8728,10 @@
               </a:spcAft>
               <a:buNone/>
             </a:pPr>
-            <a:r>
-              <a:t/>
-            </a:r>
-            <a:endParaRPr/>
-          </a:p>
-          <a:p>
-            <a:pPr indent="0" lvl="0" marL="0" rtl="0" algn="l">
+            <a:endParaRPr dirty="0"/>
+          </a:p>
+          <a:p>
+            <a:pPr marL="0" lvl="0" indent="0" algn="l" rtl="0">
               <a:spcBef>
                 <a:spcPts val="1200"/>
               </a:spcBef>
@@ -8554,13 +8746,13 @@
               <a:buNone/>
             </a:pPr>
             <a:r>
-              <a:rPr lang="ru"/>
+              <a:rPr lang="ru" dirty="0"/>
               <a:t>Data Types:</a:t>
             </a:r>
-            <a:endParaRPr/>
-          </a:p>
-          <a:p>
-            <a:pPr indent="0" lvl="0" marL="457200" rtl="0" algn="l">
+            <a:endParaRPr dirty="0"/>
+          </a:p>
+          <a:p>
+            <a:pPr marL="457200" lvl="0" indent="0" algn="l" rtl="0">
               <a:spcBef>
                 <a:spcPts val="1200"/>
               </a:spcBef>
@@ -8575,13 +8767,21 @@
               <a:buNone/>
             </a:pPr>
             <a:r>
-              <a:rPr b="1" lang="ru"/>
-              <a:t>Strings: "hello"</a:t>
+              <a:rPr lang="ru" b="1" dirty="0"/>
+              <a:t>Strings: “</a:t>
             </a:r>
-            <a:endParaRPr b="1"/>
-          </a:p>
-          <a:p>
-            <a:pPr indent="0" lvl="0" marL="457200" rtl="0" algn="l">
+            <a:r>
+              <a:rPr lang="en-US" b="1" dirty="0"/>
+              <a:t>123</a:t>
+            </a:r>
+            <a:r>
+              <a:rPr lang="ru" b="1" dirty="0"/>
+              <a:t>"</a:t>
+            </a:r>
+            <a:endParaRPr b="1" dirty="0"/>
+          </a:p>
+          <a:p>
+            <a:pPr marL="457200" lvl="0" indent="0" algn="l" rtl="0">
               <a:spcBef>
                 <a:spcPts val="1200"/>
               </a:spcBef>
@@ -8596,13 +8796,13 @@
               <a:buNone/>
             </a:pPr>
             <a:r>
-              <a:rPr b="1" lang="ru"/>
+              <a:rPr lang="ru" b="1" dirty="0"/>
               <a:t>Integers: 42</a:t>
             </a:r>
-            <a:endParaRPr b="1"/>
-          </a:p>
-          <a:p>
-            <a:pPr indent="0" lvl="0" marL="457200" rtl="0" algn="l">
+            <a:endParaRPr lang="en-US" b="1" dirty="0"/>
+          </a:p>
+          <a:p>
+            <a:pPr marL="457200" lvl="0" indent="0" algn="l" rtl="0">
               <a:spcBef>
                 <a:spcPts val="1200"/>
               </a:spcBef>
@@ -8617,13 +8817,13 @@
               <a:buNone/>
             </a:pPr>
             <a:r>
-              <a:rPr b="1" lang="ru"/>
+              <a:rPr lang="ru" b="1" dirty="0"/>
               <a:t>Floats: 3.14</a:t>
             </a:r>
-            <a:endParaRPr b="1"/>
-          </a:p>
-          <a:p>
-            <a:pPr indent="0" lvl="0" marL="457200" rtl="0" algn="l">
+            <a:endParaRPr b="1" dirty="0"/>
+          </a:p>
+          <a:p>
+            <a:pPr marL="457200" lvl="0" indent="0" algn="l" rtl="0">
               <a:spcBef>
                 <a:spcPts val="1200"/>
               </a:spcBef>
@@ -8638,13 +8838,13 @@
               <a:buNone/>
             </a:pPr>
             <a:r>
-              <a:rPr b="1" lang="ru"/>
+              <a:rPr lang="ru" b="1" dirty="0"/>
               <a:t>Booleans: True or False</a:t>
             </a:r>
-            <a:endParaRPr b="1"/>
-          </a:p>
-          <a:p>
-            <a:pPr indent="0" lvl="0" marL="0" rtl="0" algn="l">
+            <a:endParaRPr b="1" dirty="0"/>
+          </a:p>
+          <a:p>
+            <a:pPr marL="0" lvl="0" indent="0" algn="l" rtl="0">
               <a:spcBef>
                 <a:spcPts val="1200"/>
               </a:spcBef>
@@ -8653,10 +8853,7 @@
               </a:spcAft>
               <a:buNone/>
             </a:pPr>
-            <a:r>
-              <a:t/>
-            </a:r>
-            <a:endParaRPr/>
+            <a:endParaRPr dirty="0"/>
           </a:p>
         </p:txBody>
       </p:sp>
@@ -8669,11 +8866,11 @@
 </file>
 
 <file path=ppt/slides/slide7.xml><?xml version="1.0" encoding="utf-8"?>
-<p:sld xmlns:a="http://schemas.openxmlformats.org/drawingml/2006/main" xmlns:r="http://schemas.openxmlformats.org/officeDocument/2006/relationships" xmlns:mc="http://schemas.openxmlformats.org/markup-compatibility/2006" xmlns:mv="urn:schemas-microsoft-com:mac:vml" xmlns:p="http://schemas.openxmlformats.org/presentationml/2006/main" xmlns:c="http://schemas.openxmlformats.org/drawingml/2006/chart" xmlns:dgm="http://schemas.openxmlformats.org/drawingml/2006/diagram" xmlns:o="urn:schemas-microsoft-com:office:office" xmlns:v="urn:schemas-microsoft-com:vml" xmlns:pvml="urn:schemas-microsoft-com:office:powerpoint" xmlns:com="http://schemas.openxmlformats.org/drawingml/2006/compatibility" xmlns:p14="http://schemas.microsoft.com/office/powerpoint/2010/main" xmlns:p15="http://schemas.microsoft.com/office/powerpoint/2012/main" xmlns:ahyp="http://schemas.microsoft.com/office/drawing/2018/hyperlinkcolor">
+<p:sld xmlns:a="http://schemas.openxmlformats.org/drawingml/2006/main" xmlns:r="http://schemas.openxmlformats.org/officeDocument/2006/relationships" xmlns:p="http://schemas.openxmlformats.org/presentationml/2006/main">
   <p:cSld>
     <p:spTree>
       <p:nvGrpSpPr>
-        <p:cNvPr id="89" name="Shape 89"/>
+        <p:cNvPr id="1" name="Shape 89"/>
         <p:cNvGrpSpPr/>
         <p:nvPr/>
       </p:nvGrpSpPr>
@@ -8688,7 +8885,9 @@
       <p:sp>
         <p:nvSpPr>
           <p:cNvPr id="90" name="Google Shape;90;p19"/>
-          <p:cNvSpPr txBox="1"/>
+          <p:cNvSpPr txBox="1">
+            <a:spLocks noGrp="1"/>
+          </p:cNvSpPr>
           <p:nvPr>
             <p:ph type="title"/>
           </p:nvPr>
@@ -8703,12 +8902,12 @@
           </a:prstGeom>
         </p:spPr>
         <p:txBody>
-          <a:bodyPr anchorCtr="0" anchor="t" bIns="91425" lIns="91425" spcFirstLastPara="1" rIns="91425" wrap="square" tIns="91425">
+          <a:bodyPr spcFirstLastPara="1" wrap="square" lIns="91425" tIns="91425" rIns="91425" bIns="91425" anchor="t" anchorCtr="0">
             <a:normAutofit fontScale="90000"/>
           </a:bodyPr>
           <a:lstStyle/>
           <a:p>
-            <a:pPr indent="0" lvl="0" marL="0" rtl="0" algn="l">
+            <a:pPr marL="0" lvl="0" indent="0" algn="l" rtl="0">
               <a:spcBef>
                 <a:spcPts val="0"/>
               </a:spcBef>
@@ -8728,9 +8927,11 @@
       <p:sp>
         <p:nvSpPr>
           <p:cNvPr id="91" name="Google Shape;91;p19"/>
-          <p:cNvSpPr txBox="1"/>
+          <p:cNvSpPr txBox="1">
+            <a:spLocks noGrp="1"/>
+          </p:cNvSpPr>
           <p:nvPr>
-            <p:ph idx="1" type="body"/>
+            <p:ph type="body" idx="1"/>
           </p:nvPr>
         </p:nvSpPr>
         <p:spPr>
@@ -8743,12 +8944,12 @@
           </a:prstGeom>
         </p:spPr>
         <p:txBody>
-          <a:bodyPr anchorCtr="0" anchor="t" bIns="91425" lIns="91425" spcFirstLastPara="1" rIns="91425" wrap="square" tIns="91425">
+          <a:bodyPr spcFirstLastPara="1" wrap="square" lIns="91425" tIns="91425" rIns="91425" bIns="91425" anchor="t" anchorCtr="0">
             <a:normAutofit/>
           </a:bodyPr>
           <a:lstStyle/>
           <a:p>
-            <a:pPr indent="0" lvl="0" marL="457200" rtl="0" algn="l">
+            <a:pPr marL="457200" lvl="0" indent="0" algn="l" rtl="0">
               <a:spcBef>
                 <a:spcPts val="0"/>
               </a:spcBef>
@@ -8763,21 +8964,21 @@
               <a:buNone/>
             </a:pPr>
             <a:r>
-              <a:rPr lang="ru">
+              <a:rPr lang="ru" dirty="0">
                 <a:solidFill>
                   <a:srgbClr val="FF0000"/>
                 </a:solidFill>
               </a:rPr>
               <a:t>name = input("What is your name? ")</a:t>
             </a:r>
-            <a:endParaRPr>
+            <a:endParaRPr dirty="0">
               <a:solidFill>
                 <a:srgbClr val="FF0000"/>
               </a:solidFill>
             </a:endParaRPr>
           </a:p>
           <a:p>
-            <a:pPr indent="0" lvl="0" marL="457200" rtl="0" algn="l">
+            <a:pPr marL="457200" lvl="0" indent="0" algn="l" rtl="0">
               <a:spcBef>
                 <a:spcPts val="1200"/>
               </a:spcBef>
@@ -8792,21 +8993,21 @@
               <a:buNone/>
             </a:pPr>
             <a:r>
-              <a:rPr lang="ru">
+              <a:rPr lang="ru" dirty="0">
                 <a:solidFill>
                   <a:srgbClr val="FF0000"/>
                 </a:solidFill>
               </a:rPr>
               <a:t>print("Hello, " + name)</a:t>
             </a:r>
-            <a:endParaRPr>
+            <a:endParaRPr dirty="0">
               <a:solidFill>
                 <a:srgbClr val="FF0000"/>
               </a:solidFill>
             </a:endParaRPr>
           </a:p>
           <a:p>
-            <a:pPr indent="0" lvl="0" marL="0" rtl="0" algn="l">
+            <a:pPr marL="0" lvl="0" indent="0" algn="l" rtl="0">
               <a:spcBef>
                 <a:spcPts val="1200"/>
               </a:spcBef>
@@ -8815,26 +9016,23 @@
               </a:spcAft>
               <a:buNone/>
             </a:pPr>
+            <a:endParaRPr dirty="0"/>
+          </a:p>
+          <a:p>
+            <a:pPr marL="0" lvl="0" indent="0" algn="l" rtl="0">
+              <a:spcBef>
+                <a:spcPts val="1200"/>
+              </a:spcBef>
+              <a:spcAft>
+                <a:spcPts val="1200"/>
+              </a:spcAft>
+              <a:buNone/>
+            </a:pPr>
             <a:r>
-              <a:t/>
-            </a:r>
-            <a:endParaRPr/>
-          </a:p>
-          <a:p>
-            <a:pPr indent="0" lvl="0" marL="0" rtl="0" algn="l">
-              <a:spcBef>
-                <a:spcPts val="1200"/>
-              </a:spcBef>
-              <a:spcAft>
-                <a:spcPts val="1200"/>
-              </a:spcAft>
-              <a:buNone/>
-            </a:pPr>
-            <a:r>
-              <a:rPr lang="ru"/>
+              <a:rPr lang="ru" dirty="0"/>
               <a:t>Use print() function.</a:t>
             </a:r>
-            <a:endParaRPr/>
+            <a:endParaRPr dirty="0"/>
           </a:p>
         </p:txBody>
       </p:sp>
@@ -8847,11 +9045,11 @@
 </file>
 
 <file path=ppt/slides/slide8.xml><?xml version="1.0" encoding="utf-8"?>
-<p:sld xmlns:a="http://schemas.openxmlformats.org/drawingml/2006/main" xmlns:r="http://schemas.openxmlformats.org/officeDocument/2006/relationships" xmlns:mc="http://schemas.openxmlformats.org/markup-compatibility/2006" xmlns:mv="urn:schemas-microsoft-com:mac:vml" xmlns:p="http://schemas.openxmlformats.org/presentationml/2006/main" xmlns:c="http://schemas.openxmlformats.org/drawingml/2006/chart" xmlns:dgm="http://schemas.openxmlformats.org/drawingml/2006/diagram" xmlns:o="urn:schemas-microsoft-com:office:office" xmlns:v="urn:schemas-microsoft-com:vml" xmlns:pvml="urn:schemas-microsoft-com:office:powerpoint" xmlns:com="http://schemas.openxmlformats.org/drawingml/2006/compatibility" xmlns:p14="http://schemas.microsoft.com/office/powerpoint/2010/main" xmlns:p15="http://schemas.microsoft.com/office/powerpoint/2012/main" xmlns:ahyp="http://schemas.microsoft.com/office/drawing/2018/hyperlinkcolor">
+<p:sld xmlns:a="http://schemas.openxmlformats.org/drawingml/2006/main" xmlns:r="http://schemas.openxmlformats.org/officeDocument/2006/relationships" xmlns:p="http://schemas.openxmlformats.org/presentationml/2006/main">
   <p:cSld>
     <p:spTree>
       <p:nvGrpSpPr>
-        <p:cNvPr id="95" name="Shape 95"/>
+        <p:cNvPr id="1" name="Shape 95"/>
         <p:cNvGrpSpPr/>
         <p:nvPr/>
       </p:nvGrpSpPr>
@@ -8866,7 +9064,9 @@
       <p:sp>
         <p:nvSpPr>
           <p:cNvPr id="96" name="Google Shape;96;p20"/>
-          <p:cNvSpPr txBox="1"/>
+          <p:cNvSpPr txBox="1">
+            <a:spLocks noGrp="1"/>
+          </p:cNvSpPr>
           <p:nvPr>
             <p:ph type="title"/>
           </p:nvPr>
@@ -8881,12 +9081,12 @@
           </a:prstGeom>
         </p:spPr>
         <p:txBody>
-          <a:bodyPr anchorCtr="0" anchor="t" bIns="91425" lIns="91425" spcFirstLastPara="1" rIns="91425" wrap="square" tIns="91425">
+          <a:bodyPr spcFirstLastPara="1" wrap="square" lIns="91425" tIns="91425" rIns="91425" bIns="91425" anchor="t" anchorCtr="0">
             <a:normAutofit fontScale="90000"/>
           </a:bodyPr>
           <a:lstStyle/>
           <a:p>
-            <a:pPr indent="0" lvl="0" marL="0" rtl="0" algn="l">
+            <a:pPr marL="0" lvl="0" indent="0" algn="l" rtl="0">
               <a:spcBef>
                 <a:spcPts val="0"/>
               </a:spcBef>
@@ -8906,9 +9106,11 @@
       <p:sp>
         <p:nvSpPr>
           <p:cNvPr id="97" name="Google Shape;97;p20"/>
-          <p:cNvSpPr txBox="1"/>
+          <p:cNvSpPr txBox="1">
+            <a:spLocks noGrp="1"/>
+          </p:cNvSpPr>
           <p:nvPr>
-            <p:ph idx="1" type="body"/>
+            <p:ph type="body" idx="1"/>
           </p:nvPr>
         </p:nvSpPr>
         <p:spPr>
@@ -8921,12 +9123,12 @@
           </a:prstGeom>
         </p:spPr>
         <p:txBody>
-          <a:bodyPr anchorCtr="0" anchor="t" bIns="91425" lIns="91425" spcFirstLastPara="1" rIns="91425" wrap="square" tIns="91425">
+          <a:bodyPr spcFirstLastPara="1" wrap="square" lIns="91425" tIns="91425" rIns="91425" bIns="91425" anchor="t" anchorCtr="0">
             <a:normAutofit/>
           </a:bodyPr>
           <a:lstStyle/>
           <a:p>
-            <a:pPr indent="0" lvl="0" marL="0" rtl="0" algn="l">
+            <a:pPr marL="0" lvl="0" indent="0" algn="l" rtl="0">
               <a:spcBef>
                 <a:spcPts val="1200"/>
               </a:spcBef>
@@ -8936,21 +9138,21 @@
               <a:buNone/>
             </a:pPr>
             <a:r>
-              <a:rPr b="1" lang="ru" sz="1100">
+              <a:rPr lang="ru" sz="1100" b="1" dirty="0">
                 <a:solidFill>
                   <a:schemeClr val="dk1"/>
                 </a:solidFill>
               </a:rPr>
               <a:t>If-Else Statements:</a:t>
             </a:r>
-            <a:endParaRPr b="1" sz="1100">
+            <a:endParaRPr sz="1100" b="1" dirty="0">
               <a:solidFill>
                 <a:schemeClr val="dk1"/>
               </a:solidFill>
             </a:endParaRPr>
           </a:p>
           <a:p>
-            <a:pPr indent="0" lvl="0" marL="457200" rtl="0" algn="l">
+            <a:pPr marL="457200" lvl="0" indent="0" algn="l" rtl="0">
               <a:spcBef>
                 <a:spcPts val="1200"/>
               </a:spcBef>
@@ -8960,21 +9162,21 @@
               <a:buNone/>
             </a:pPr>
             <a:r>
-              <a:rPr lang="ru" sz="1100">
+              <a:rPr lang="ru" sz="1100" dirty="0">
                 <a:solidFill>
                   <a:srgbClr val="FF0000"/>
                 </a:solidFill>
               </a:rPr>
               <a:t>age = 18</a:t>
             </a:r>
-            <a:endParaRPr sz="1100">
+            <a:endParaRPr sz="1100" dirty="0">
               <a:solidFill>
                 <a:srgbClr val="FF0000"/>
               </a:solidFill>
             </a:endParaRPr>
           </a:p>
           <a:p>
-            <a:pPr indent="0" lvl="0" marL="457200" rtl="0" algn="l">
+            <a:pPr marL="457200" lvl="0" indent="0" algn="l" rtl="0">
               <a:spcBef>
                 <a:spcPts val="1200"/>
               </a:spcBef>
@@ -8984,21 +9186,21 @@
               <a:buNone/>
             </a:pPr>
             <a:r>
-              <a:rPr lang="ru" sz="1100">
+              <a:rPr lang="ru" sz="1100" dirty="0">
                 <a:solidFill>
                   <a:srgbClr val="FF0000"/>
                 </a:solidFill>
               </a:rPr>
               <a:t>if age &gt;= 18:</a:t>
             </a:r>
-            <a:endParaRPr sz="1100">
+            <a:endParaRPr sz="1100" dirty="0">
               <a:solidFill>
                 <a:srgbClr val="FF0000"/>
               </a:solidFill>
             </a:endParaRPr>
           </a:p>
           <a:p>
-            <a:pPr indent="0" lvl="0" marL="457200" rtl="0" algn="l">
+            <a:pPr marL="457200" lvl="0" indent="0" algn="l" rtl="0">
               <a:spcBef>
                 <a:spcPts val="1200"/>
               </a:spcBef>
@@ -9008,21 +9210,21 @@
               <a:buNone/>
             </a:pPr>
             <a:r>
-              <a:rPr lang="ru" sz="1100">
+              <a:rPr lang="ru" sz="1100" dirty="0">
                 <a:solidFill>
                   <a:srgbClr val="FF0000"/>
                 </a:solidFill>
               </a:rPr>
               <a:t>    print("You are an adult.")</a:t>
             </a:r>
-            <a:endParaRPr sz="1100">
+            <a:endParaRPr sz="1100" dirty="0">
               <a:solidFill>
                 <a:srgbClr val="FF0000"/>
               </a:solidFill>
             </a:endParaRPr>
           </a:p>
           <a:p>
-            <a:pPr indent="0" lvl="0" marL="457200" rtl="0" algn="l">
+            <a:pPr marL="457200" lvl="0" indent="0" algn="l" rtl="0">
               <a:spcBef>
                 <a:spcPts val="1200"/>
               </a:spcBef>
@@ -9032,21 +9234,21 @@
               <a:buNone/>
             </a:pPr>
             <a:r>
-              <a:rPr lang="ru" sz="1100">
+              <a:rPr lang="ru" sz="1100" dirty="0">
                 <a:solidFill>
                   <a:srgbClr val="FF0000"/>
                 </a:solidFill>
               </a:rPr>
               <a:t>else:</a:t>
             </a:r>
-            <a:endParaRPr sz="1100">
+            <a:endParaRPr sz="1100" dirty="0">
               <a:solidFill>
                 <a:srgbClr val="FF0000"/>
               </a:solidFill>
             </a:endParaRPr>
           </a:p>
           <a:p>
-            <a:pPr indent="0" lvl="0" marL="457200" rtl="0" algn="l">
+            <a:pPr marL="457200" lvl="0" indent="0" algn="l" rtl="0">
               <a:spcBef>
                 <a:spcPts val="1200"/>
               </a:spcBef>
@@ -9056,21 +9258,21 @@
               <a:buNone/>
             </a:pPr>
             <a:r>
-              <a:rPr lang="ru" sz="1100">
+              <a:rPr lang="ru" sz="1100" dirty="0">
                 <a:solidFill>
                   <a:srgbClr val="FF0000"/>
                 </a:solidFill>
               </a:rPr>
               <a:t>    print("You are a minor.")</a:t>
             </a:r>
-            <a:endParaRPr sz="1100">
+            <a:endParaRPr sz="1100" dirty="0">
               <a:solidFill>
                 <a:srgbClr val="FF0000"/>
               </a:solidFill>
             </a:endParaRPr>
           </a:p>
           <a:p>
-            <a:pPr indent="0" lvl="0" marL="0" rtl="0" algn="l">
+            <a:pPr marL="0" lvl="0" indent="0" algn="l" rtl="0">
               <a:spcBef>
                 <a:spcPts val="1200"/>
               </a:spcBef>
@@ -9084,17 +9286,14 @@
               <a:buFont typeface="Arial"/>
               <a:buNone/>
             </a:pPr>
-            <a:r>
-              <a:t/>
-            </a:r>
-            <a:endParaRPr b="1" sz="1100">
+            <a:endParaRPr sz="1100" b="1" dirty="0">
               <a:solidFill>
                 <a:schemeClr val="dk1"/>
               </a:solidFill>
             </a:endParaRPr>
           </a:p>
           <a:p>
-            <a:pPr indent="0" lvl="0" marL="0" rtl="0" algn="l">
+            <a:pPr marL="0" lvl="0" indent="0" algn="l" rtl="0">
               <a:spcBef>
                 <a:spcPts val="1200"/>
               </a:spcBef>
@@ -9103,10 +9302,7 @@
               </a:spcAft>
               <a:buNone/>
             </a:pPr>
-            <a:r>
-              <a:t/>
-            </a:r>
-            <a:endParaRPr/>
+            <a:endParaRPr dirty="0"/>
           </a:p>
         </p:txBody>
       </p:sp>
@@ -9119,11 +9315,11 @@
 </file>
 
 <file path=ppt/slides/slide9.xml><?xml version="1.0" encoding="utf-8"?>
-<p:sld xmlns:a="http://schemas.openxmlformats.org/drawingml/2006/main" xmlns:r="http://schemas.openxmlformats.org/officeDocument/2006/relationships" xmlns:mc="http://schemas.openxmlformats.org/markup-compatibility/2006" xmlns:mv="urn:schemas-microsoft-com:mac:vml" xmlns:p="http://schemas.openxmlformats.org/presentationml/2006/main" xmlns:c="http://schemas.openxmlformats.org/drawingml/2006/chart" xmlns:dgm="http://schemas.openxmlformats.org/drawingml/2006/diagram" xmlns:o="urn:schemas-microsoft-com:office:office" xmlns:v="urn:schemas-microsoft-com:vml" xmlns:pvml="urn:schemas-microsoft-com:office:powerpoint" xmlns:com="http://schemas.openxmlformats.org/drawingml/2006/compatibility" xmlns:p14="http://schemas.microsoft.com/office/powerpoint/2010/main" xmlns:p15="http://schemas.microsoft.com/office/powerpoint/2012/main" xmlns:ahyp="http://schemas.microsoft.com/office/drawing/2018/hyperlinkcolor">
+<p:sld xmlns:a="http://schemas.openxmlformats.org/drawingml/2006/main" xmlns:r="http://schemas.openxmlformats.org/officeDocument/2006/relationships" xmlns:p="http://schemas.openxmlformats.org/presentationml/2006/main">
   <p:cSld>
     <p:spTree>
       <p:nvGrpSpPr>
-        <p:cNvPr id="101" name="Shape 101"/>
+        <p:cNvPr id="1" name="Shape 101"/>
         <p:cNvGrpSpPr/>
         <p:nvPr/>
       </p:nvGrpSpPr>
@@ -9138,7 +9334,9 @@
       <p:sp>
         <p:nvSpPr>
           <p:cNvPr id="102" name="Google Shape;102;p21"/>
-          <p:cNvSpPr txBox="1"/>
+          <p:cNvSpPr txBox="1">
+            <a:spLocks noGrp="1"/>
+          </p:cNvSpPr>
           <p:nvPr>
             <p:ph type="title"/>
           </p:nvPr>
@@ -9153,12 +9351,12 @@
           </a:prstGeom>
         </p:spPr>
         <p:txBody>
-          <a:bodyPr anchorCtr="0" anchor="t" bIns="91425" lIns="91425" spcFirstLastPara="1" rIns="91425" wrap="square" tIns="91425">
+          <a:bodyPr spcFirstLastPara="1" wrap="square" lIns="91425" tIns="91425" rIns="91425" bIns="91425" anchor="t" anchorCtr="0">
             <a:normAutofit fontScale="90000"/>
           </a:bodyPr>
           <a:lstStyle/>
           <a:p>
-            <a:pPr indent="0" lvl="0" marL="0" rtl="0" algn="l">
+            <a:pPr marL="0" lvl="0" indent="0" algn="l" rtl="0">
               <a:spcBef>
                 <a:spcPts val="0"/>
               </a:spcBef>
@@ -9174,18 +9372,15 @@
             <a:endParaRPr/>
           </a:p>
           <a:p>
-            <a:pPr indent="0" lvl="0" marL="0" rtl="0" algn="l">
-              <a:spcBef>
-                <a:spcPts val="0"/>
-              </a:spcBef>
-              <a:spcAft>
-                <a:spcPts val="0"/>
-              </a:spcAft>
-              <a:buNone/>
-            </a:pPr>
-            <a:r>
-              <a:t/>
-            </a:r>
+            <a:pPr marL="0" lvl="0" indent="0" algn="l" rtl="0">
+              <a:spcBef>
+                <a:spcPts val="0"/>
+              </a:spcBef>
+              <a:spcAft>
+                <a:spcPts val="0"/>
+              </a:spcAft>
+              <a:buNone/>
+            </a:pPr>
             <a:endParaRPr/>
           </a:p>
         </p:txBody>
@@ -9193,9 +9388,11 @@
       <p:sp>
         <p:nvSpPr>
           <p:cNvPr id="103" name="Google Shape;103;p21"/>
-          <p:cNvSpPr txBox="1"/>
+          <p:cNvSpPr txBox="1">
+            <a:spLocks noGrp="1"/>
+          </p:cNvSpPr>
           <p:nvPr>
-            <p:ph idx="1" type="body"/>
+            <p:ph type="body" idx="1"/>
           </p:nvPr>
         </p:nvSpPr>
         <p:spPr>
@@ -9208,12 +9405,12 @@
           </a:prstGeom>
         </p:spPr>
         <p:txBody>
-          <a:bodyPr anchorCtr="0" anchor="t" bIns="91425" lIns="91425" spcFirstLastPara="1" rIns="91425" wrap="square" tIns="91425">
-            <a:normAutofit fontScale="85000" lnSpcReduction="20000"/>
+          <a:bodyPr spcFirstLastPara="1" wrap="square" lIns="91425" tIns="91425" rIns="91425" bIns="91425" anchor="t" anchorCtr="0">
+            <a:normAutofit fontScale="92500" lnSpcReduction="20000"/>
           </a:bodyPr>
           <a:lstStyle/>
           <a:p>
-            <a:pPr indent="0" lvl="0" marL="0" rtl="0" algn="l">
+            <a:pPr marL="0" lvl="0" indent="0" algn="l" rtl="0">
               <a:spcBef>
                 <a:spcPts val="0"/>
               </a:spcBef>
@@ -9228,21 +9425,21 @@
               <a:buNone/>
             </a:pPr>
             <a:r>
-              <a:rPr lang="ru">
+              <a:rPr lang="ru" dirty="0">
                 <a:solidFill>
                   <a:srgbClr val="FF0000"/>
                 </a:solidFill>
               </a:rPr>
               <a:t>for i in range(5):</a:t>
             </a:r>
-            <a:endParaRPr>
+            <a:endParaRPr dirty="0">
               <a:solidFill>
                 <a:srgbClr val="FF0000"/>
               </a:solidFill>
             </a:endParaRPr>
           </a:p>
           <a:p>
-            <a:pPr indent="0" lvl="0" marL="0" rtl="0" algn="l">
+            <a:pPr marL="0" lvl="0" indent="0" algn="l" rtl="0">
               <a:spcBef>
                 <a:spcPts val="1200"/>
               </a:spcBef>
@@ -9257,21 +9454,21 @@
               <a:buNone/>
             </a:pPr>
             <a:r>
-              <a:rPr lang="ru">
+              <a:rPr lang="ru" dirty="0">
                 <a:solidFill>
                   <a:srgbClr val="FF0000"/>
                 </a:solidFill>
               </a:rPr>
               <a:t>    print(i)</a:t>
             </a:r>
-            <a:endParaRPr>
+            <a:endParaRPr dirty="0">
               <a:solidFill>
                 <a:srgbClr val="FF0000"/>
               </a:solidFill>
             </a:endParaRPr>
           </a:p>
           <a:p>
-            <a:pPr indent="0" lvl="0" marL="0" rtl="0" algn="l">
+            <a:pPr marL="0" lvl="0" indent="0" algn="l" rtl="0">
               <a:spcBef>
                 <a:spcPts val="1200"/>
               </a:spcBef>
@@ -9280,29 +9477,26 @@
               </a:spcAft>
               <a:buNone/>
             </a:pPr>
+            <a:endParaRPr dirty="0"/>
+          </a:p>
+          <a:p>
+            <a:pPr marL="0" lvl="0" indent="0" algn="l" rtl="0">
+              <a:spcBef>
+                <a:spcPts val="1200"/>
+              </a:spcBef>
+              <a:spcAft>
+                <a:spcPts val="0"/>
+              </a:spcAft>
+              <a:buNone/>
+            </a:pPr>
             <a:r>
-              <a:t/>
-            </a:r>
-            <a:endParaRPr/>
-          </a:p>
-          <a:p>
-            <a:pPr indent="0" lvl="0" marL="0" rtl="0" algn="l">
-              <a:spcBef>
-                <a:spcPts val="1200"/>
-              </a:spcBef>
-              <a:spcAft>
-                <a:spcPts val="0"/>
-              </a:spcAft>
-              <a:buNone/>
-            </a:pPr>
-            <a:r>
-              <a:rPr lang="ru"/>
+              <a:rPr lang="ru" dirty="0"/>
               <a:t>while loop</a:t>
             </a:r>
-            <a:endParaRPr/>
-          </a:p>
-          <a:p>
-            <a:pPr indent="0" lvl="0" marL="0" rtl="0" algn="l">
+            <a:endParaRPr dirty="0"/>
+          </a:p>
+          <a:p>
+            <a:pPr marL="0" lvl="0" indent="0" algn="l" rtl="0">
               <a:spcBef>
                 <a:spcPts val="1200"/>
               </a:spcBef>
@@ -9312,25 +9506,29 @@
               <a:buNone/>
             </a:pPr>
             <a:r>
-              <a:rPr lang="ru"/>
-              <a:t>	</a:t>
+              <a:rPr lang="en-US" dirty="0">
+                <a:solidFill>
+                  <a:srgbClr val="FF0000"/>
+                </a:solidFill>
+              </a:rPr>
+              <a:t>              </a:t>
             </a:r>
             <a:r>
-              <a:rPr lang="ru">
+              <a:rPr lang="ru" dirty="0">
                 <a:solidFill>
                   <a:srgbClr val="FF0000"/>
                 </a:solidFill>
               </a:rPr>
               <a:t>count = 0</a:t>
             </a:r>
-            <a:endParaRPr>
+            <a:endParaRPr dirty="0">
               <a:solidFill>
                 <a:srgbClr val="FF0000"/>
               </a:solidFill>
             </a:endParaRPr>
           </a:p>
           <a:p>
-            <a:pPr indent="0" lvl="0" marL="457200" rtl="0" algn="l">
+            <a:pPr marL="457200" lvl="0" indent="0" algn="l" rtl="0">
               <a:spcBef>
                 <a:spcPts val="1200"/>
               </a:spcBef>
@@ -9345,21 +9543,29 @@
               <a:buNone/>
             </a:pPr>
             <a:r>
-              <a:rPr lang="ru">
+              <a:rPr lang="en-US" dirty="0">
+                <a:solidFill>
+                  <a:srgbClr val="FF0000"/>
+                </a:solidFill>
+              </a:rPr>
+              <a:t>    </a:t>
+            </a:r>
+            <a:r>
+              <a:rPr lang="ru" dirty="0">
                 <a:solidFill>
                   <a:srgbClr val="FF0000"/>
                 </a:solidFill>
               </a:rPr>
               <a:t>while count &lt; 5:</a:t>
             </a:r>
-            <a:endParaRPr>
+            <a:endParaRPr dirty="0">
               <a:solidFill>
                 <a:srgbClr val="FF0000"/>
               </a:solidFill>
             </a:endParaRPr>
           </a:p>
           <a:p>
-            <a:pPr indent="0" lvl="0" marL="457200" rtl="0" algn="l">
+            <a:pPr marL="457200" lvl="0" indent="0" algn="l" rtl="0">
               <a:spcBef>
                 <a:spcPts val="1200"/>
               </a:spcBef>
@@ -9374,21 +9580,21 @@
               <a:buNone/>
             </a:pPr>
             <a:r>
-              <a:rPr lang="ru">
+              <a:rPr lang="ru" dirty="0">
                 <a:solidFill>
                   <a:srgbClr val="FF0000"/>
                 </a:solidFill>
               </a:rPr>
               <a:t>    print(count)</a:t>
             </a:r>
-            <a:endParaRPr>
+            <a:endParaRPr dirty="0">
               <a:solidFill>
                 <a:srgbClr val="FF0000"/>
               </a:solidFill>
             </a:endParaRPr>
           </a:p>
           <a:p>
-            <a:pPr indent="0" lvl="0" marL="457200" rtl="0" algn="l">
+            <a:pPr marL="457200" lvl="0" indent="0" algn="l" rtl="0">
               <a:spcBef>
                 <a:spcPts val="1200"/>
               </a:spcBef>
@@ -9403,21 +9609,21 @@
               <a:buNone/>
             </a:pPr>
             <a:r>
-              <a:rPr lang="ru">
+              <a:rPr lang="ru" dirty="0">
                 <a:solidFill>
                   <a:srgbClr val="FF0000"/>
                 </a:solidFill>
               </a:rPr>
               <a:t>    count += 1</a:t>
             </a:r>
-            <a:endParaRPr>
+            <a:endParaRPr dirty="0">
               <a:solidFill>
                 <a:srgbClr val="FF0000"/>
               </a:solidFill>
             </a:endParaRPr>
           </a:p>
           <a:p>
-            <a:pPr indent="0" lvl="0" marL="0" rtl="0" algn="l">
+            <a:pPr marL="0" lvl="0" indent="0" algn="l" rtl="0">
               <a:spcBef>
                 <a:spcPts val="1200"/>
               </a:spcBef>
@@ -9426,10 +9632,7 @@
               </a:spcAft>
               <a:buNone/>
             </a:pPr>
-            <a:r>
-              <a:t/>
-            </a:r>
-            <a:endParaRPr/>
+            <a:endParaRPr dirty="0"/>
           </a:p>
         </p:txBody>
       </p:sp>
@@ -9442,7 +9645,288 @@
 </file>
 
 <file path=ppt/theme/theme1.xml><?xml version="1.0" encoding="utf-8"?>
-<a:theme xmlns:a="http://schemas.openxmlformats.org/drawingml/2006/main" xmlns:r="http://schemas.openxmlformats.org/officeDocument/2006/relationships">
+<a:theme xmlns:a="http://schemas.openxmlformats.org/drawingml/2006/main" name="Simple Dark">
+  <a:themeElements>
+    <a:clrScheme name="Simple Dark">
+      <a:dk1>
+        <a:srgbClr val="FFFFFF"/>
+      </a:dk1>
+      <a:lt1>
+        <a:srgbClr val="212121"/>
+      </a:lt1>
+      <a:dk2>
+        <a:srgbClr val="303030"/>
+      </a:dk2>
+      <a:lt2>
+        <a:srgbClr val="ADADAD"/>
+      </a:lt2>
+      <a:accent1>
+        <a:srgbClr val="009688"/>
+      </a:accent1>
+      <a:accent2>
+        <a:srgbClr val="EEEEEE"/>
+      </a:accent2>
+      <a:accent3>
+        <a:srgbClr val="78909C"/>
+      </a:accent3>
+      <a:accent4>
+        <a:srgbClr val="FFAB40"/>
+      </a:accent4>
+      <a:accent5>
+        <a:srgbClr val="4DD0E1"/>
+      </a:accent5>
+      <a:accent6>
+        <a:srgbClr val="EEFF41"/>
+      </a:accent6>
+      <a:hlink>
+        <a:srgbClr val="4DD0E1"/>
+      </a:hlink>
+      <a:folHlink>
+        <a:srgbClr val="4DD0E1"/>
+      </a:folHlink>
+    </a:clrScheme>
+    <a:fontScheme name="Office">
+      <a:majorFont>
+        <a:latin typeface="Arial"/>
+        <a:ea typeface=""/>
+        <a:cs typeface=""/>
+        <a:font script="Jpan" typeface="ＭＳ Ｐゴシック"/>
+        <a:font script="Hang" typeface="맑은 고딕"/>
+        <a:font script="Hans" typeface="宋体"/>
+        <a:font script="Hant" typeface="新細明體"/>
+        <a:font script="Arab" typeface="Times New Roman"/>
+        <a:font script="Hebr" typeface="Times New Roman"/>
+        <a:font script="Thai" typeface="Angsana New"/>
+        <a:font script="Ethi" typeface="Nyala"/>
+        <a:font script="Beng" typeface="Vrinda"/>
+        <a:font script="Gujr" typeface="Shruti"/>
+        <a:font script="Khmr" typeface="MoolBoran"/>
+        <a:font script="Knda" typeface="Tunga"/>
+        <a:font script="Guru" typeface="Raavi"/>
+        <a:font script="Cans" typeface="Euphemia"/>
+        <a:font script="Cher" typeface="Plantagenet Cherokee"/>
+        <a:font script="Yiii" typeface="Microsoft Yi Baiti"/>
+        <a:font script="Tibt" typeface="Microsoft Himalaya"/>
+        <a:font script="Thaa" typeface="MV Boli"/>
+        <a:font script="Deva" typeface="Mangal"/>
+        <a:font script="Telu" typeface="Gautami"/>
+        <a:font script="Taml" typeface="Latha"/>
+        <a:font script="Syrc" typeface="Estrangelo Edessa"/>
+        <a:font script="Orya" typeface="Kalinga"/>
+        <a:font script="Mlym" typeface="Kartika"/>
+        <a:font script="Laoo" typeface="DokChampa"/>
+        <a:font script="Sinh" typeface="Iskoola Pota"/>
+        <a:font script="Mong" typeface="Mongolian Baiti"/>
+        <a:font script="Viet" typeface="Times New Roman"/>
+        <a:font script="Uigh" typeface="Microsoft Uighur"/>
+        <a:font script="Geor" typeface="Sylfaen"/>
+      </a:majorFont>
+      <a:minorFont>
+        <a:latin typeface="Arial"/>
+        <a:ea typeface=""/>
+        <a:cs typeface=""/>
+        <a:font script="Jpan" typeface="ＭＳ Ｐゴシック"/>
+        <a:font script="Hang" typeface="맑은 고딕"/>
+        <a:font script="Hans" typeface="宋体"/>
+        <a:font script="Hant" typeface="新細明體"/>
+        <a:font script="Arab" typeface="Arial"/>
+        <a:font script="Hebr" typeface="Arial"/>
+        <a:font script="Thai" typeface="Cordia New"/>
+        <a:font script="Ethi" typeface="Nyala"/>
+        <a:font script="Beng" typeface="Vrinda"/>
+        <a:font script="Gujr" typeface="Shruti"/>
+        <a:font script="Khmr" typeface="DaunPenh"/>
+        <a:font script="Knda" typeface="Tunga"/>
+        <a:font script="Guru" typeface="Raavi"/>
+        <a:font script="Cans" typeface="Euphemia"/>
+        <a:font script="Cher" typeface="Plantagenet Cherokee"/>
+        <a:font script="Yiii" typeface="Microsoft Yi Baiti"/>
+        <a:font script="Tibt" typeface="Microsoft Himalaya"/>
+        <a:font script="Thaa" typeface="MV Boli"/>
+        <a:font script="Deva" typeface="Mangal"/>
+        <a:font script="Telu" typeface="Gautami"/>
+        <a:font script="Taml" typeface="Latha"/>
+        <a:font script="Syrc" typeface="Estrangelo Edessa"/>
+        <a:font script="Orya" typeface="Kalinga"/>
+        <a:font script="Mlym" typeface="Kartika"/>
+        <a:font script="Laoo" typeface="DokChampa"/>
+        <a:font script="Sinh" typeface="Iskoola Pota"/>
+        <a:font script="Mong" typeface="Mongolian Baiti"/>
+        <a:font script="Viet" typeface="Arial"/>
+        <a:font script="Uigh" typeface="Microsoft Uighur"/>
+        <a:font script="Geor" typeface="Sylfaen"/>
+      </a:minorFont>
+    </a:fontScheme>
+    <a:fmtScheme name="Office">
+      <a:fillStyleLst>
+        <a:solidFill>
+          <a:schemeClr val="phClr"/>
+        </a:solidFill>
+        <a:gradFill rotWithShape="1">
+          <a:gsLst>
+            <a:gs pos="0">
+              <a:schemeClr val="phClr">
+                <a:tint val="50000"/>
+                <a:satMod val="300000"/>
+              </a:schemeClr>
+            </a:gs>
+            <a:gs pos="35000">
+              <a:schemeClr val="phClr">
+                <a:tint val="37000"/>
+                <a:satMod val="300000"/>
+              </a:schemeClr>
+            </a:gs>
+            <a:gs pos="100000">
+              <a:schemeClr val="phClr">
+                <a:tint val="15000"/>
+                <a:satMod val="350000"/>
+              </a:schemeClr>
+            </a:gs>
+          </a:gsLst>
+          <a:lin ang="16200000" scaled="1"/>
+        </a:gradFill>
+        <a:gradFill rotWithShape="1">
+          <a:gsLst>
+            <a:gs pos="0">
+              <a:schemeClr val="phClr">
+                <a:tint val="100000"/>
+                <a:shade val="100000"/>
+                <a:satMod val="130000"/>
+              </a:schemeClr>
+            </a:gs>
+            <a:gs pos="100000">
+              <a:schemeClr val="phClr">
+                <a:tint val="50000"/>
+                <a:shade val="100000"/>
+                <a:satMod val="350000"/>
+              </a:schemeClr>
+            </a:gs>
+          </a:gsLst>
+          <a:lin ang="16200000" scaled="0"/>
+        </a:gradFill>
+      </a:fillStyleLst>
+      <a:lnStyleLst>
+        <a:ln w="9525" cap="flat" cmpd="sng" algn="ctr">
+          <a:solidFill>
+            <a:schemeClr val="phClr">
+              <a:shade val="95000"/>
+              <a:satMod val="105000"/>
+            </a:schemeClr>
+          </a:solidFill>
+          <a:prstDash val="solid"/>
+        </a:ln>
+        <a:ln w="25400" cap="flat" cmpd="sng" algn="ctr">
+          <a:solidFill>
+            <a:schemeClr val="phClr"/>
+          </a:solidFill>
+          <a:prstDash val="solid"/>
+        </a:ln>
+        <a:ln w="38100" cap="flat" cmpd="sng" algn="ctr">
+          <a:solidFill>
+            <a:schemeClr val="phClr"/>
+          </a:solidFill>
+          <a:prstDash val="solid"/>
+        </a:ln>
+      </a:lnStyleLst>
+      <a:effectStyleLst>
+        <a:effectStyle>
+          <a:effectLst>
+            <a:outerShdw blurRad="40000" dist="20000" dir="5400000" rotWithShape="0">
+              <a:srgbClr val="000000">
+                <a:alpha val="38000"/>
+              </a:srgbClr>
+            </a:outerShdw>
+          </a:effectLst>
+        </a:effectStyle>
+        <a:effectStyle>
+          <a:effectLst>
+            <a:outerShdw blurRad="40000" dist="23000" dir="5400000" rotWithShape="0">
+              <a:srgbClr val="000000">
+                <a:alpha val="35000"/>
+              </a:srgbClr>
+            </a:outerShdw>
+          </a:effectLst>
+        </a:effectStyle>
+        <a:effectStyle>
+          <a:effectLst>
+            <a:outerShdw blurRad="40000" dist="23000" dir="5400000" rotWithShape="0">
+              <a:srgbClr val="000000">
+                <a:alpha val="35000"/>
+              </a:srgbClr>
+            </a:outerShdw>
+          </a:effectLst>
+          <a:scene3d>
+            <a:camera prst="orthographicFront">
+              <a:rot lat="0" lon="0" rev="0"/>
+            </a:camera>
+            <a:lightRig rig="threePt" dir="t">
+              <a:rot lat="0" lon="0" rev="1200000"/>
+            </a:lightRig>
+          </a:scene3d>
+          <a:sp3d>
+            <a:bevelT w="63500" h="25400"/>
+          </a:sp3d>
+        </a:effectStyle>
+      </a:effectStyleLst>
+      <a:bgFillStyleLst>
+        <a:solidFill>
+          <a:schemeClr val="phClr"/>
+        </a:solidFill>
+        <a:gradFill rotWithShape="1">
+          <a:gsLst>
+            <a:gs pos="0">
+              <a:schemeClr val="phClr">
+                <a:tint val="40000"/>
+                <a:satMod val="350000"/>
+              </a:schemeClr>
+            </a:gs>
+            <a:gs pos="40000">
+              <a:schemeClr val="phClr">
+                <a:tint val="45000"/>
+                <a:shade val="99000"/>
+                <a:satMod val="350000"/>
+              </a:schemeClr>
+            </a:gs>
+            <a:gs pos="100000">
+              <a:schemeClr val="phClr">
+                <a:shade val="20000"/>
+                <a:satMod val="255000"/>
+              </a:schemeClr>
+            </a:gs>
+          </a:gsLst>
+          <a:path path="circle">
+            <a:fillToRect l="50000" t="-80000" r="50000" b="180000"/>
+          </a:path>
+        </a:gradFill>
+        <a:gradFill rotWithShape="1">
+          <a:gsLst>
+            <a:gs pos="0">
+              <a:schemeClr val="phClr">
+                <a:tint val="80000"/>
+                <a:satMod val="300000"/>
+              </a:schemeClr>
+            </a:gs>
+            <a:gs pos="100000">
+              <a:schemeClr val="phClr">
+                <a:shade val="30000"/>
+                <a:satMod val="200000"/>
+              </a:schemeClr>
+            </a:gs>
+          </a:gsLst>
+          <a:path path="circle">
+            <a:fillToRect l="50000" t="50000" r="50000" b="50000"/>
+          </a:path>
+        </a:gradFill>
+      </a:bgFillStyleLst>
+    </a:fmtScheme>
+  </a:themeElements>
+  <a:objectDefaults/>
+  <a:extraClrSchemeLst/>
+</a:theme>
+</file>
+
+<file path=ppt/theme/theme2.xml><?xml version="1.0" encoding="utf-8"?>
+<a:theme xmlns:a="http://schemas.openxmlformats.org/drawingml/2006/main">
   <a:themeElements>
     <a:clrScheme name="Default">
       <a:dk1>
@@ -9717,284 +10201,7 @@
       </a:bgFillStyleLst>
     </a:fmtScheme>
   </a:themeElements>
-</a:theme>
-</file>
-
-<file path=ppt/theme/theme2.xml><?xml version="1.0" encoding="utf-8"?>
-<a:theme xmlns:a="http://schemas.openxmlformats.org/drawingml/2006/main" xmlns:r="http://schemas.openxmlformats.org/officeDocument/2006/relationships" name="Simple Dark">
-  <a:themeElements>
-    <a:clrScheme name="Simple Dark">
-      <a:dk1>
-        <a:srgbClr val="FFFFFF"/>
-      </a:dk1>
-      <a:lt1>
-        <a:srgbClr val="212121"/>
-      </a:lt1>
-      <a:dk2>
-        <a:srgbClr val="303030"/>
-      </a:dk2>
-      <a:lt2>
-        <a:srgbClr val="ADADAD"/>
-      </a:lt2>
-      <a:accent1>
-        <a:srgbClr val="009688"/>
-      </a:accent1>
-      <a:accent2>
-        <a:srgbClr val="EEEEEE"/>
-      </a:accent2>
-      <a:accent3>
-        <a:srgbClr val="78909C"/>
-      </a:accent3>
-      <a:accent4>
-        <a:srgbClr val="FFAB40"/>
-      </a:accent4>
-      <a:accent5>
-        <a:srgbClr val="4DD0E1"/>
-      </a:accent5>
-      <a:accent6>
-        <a:srgbClr val="EEFF41"/>
-      </a:accent6>
-      <a:hlink>
-        <a:srgbClr val="4DD0E1"/>
-      </a:hlink>
-      <a:folHlink>
-        <a:srgbClr val="4DD0E1"/>
-      </a:folHlink>
-    </a:clrScheme>
-    <a:fontScheme name="Office">
-      <a:majorFont>
-        <a:latin typeface="Arial"/>
-        <a:ea typeface=""/>
-        <a:cs typeface=""/>
-        <a:font script="Jpan" typeface="ＭＳ Ｐゴシック"/>
-        <a:font script="Hang" typeface="맑은 고딕"/>
-        <a:font script="Hans" typeface="宋体"/>
-        <a:font script="Hant" typeface="新細明體"/>
-        <a:font script="Arab" typeface="Times New Roman"/>
-        <a:font script="Hebr" typeface="Times New Roman"/>
-        <a:font script="Thai" typeface="Angsana New"/>
-        <a:font script="Ethi" typeface="Nyala"/>
-        <a:font script="Beng" typeface="Vrinda"/>
-        <a:font script="Gujr" typeface="Shruti"/>
-        <a:font script="Khmr" typeface="MoolBoran"/>
-        <a:font script="Knda" typeface="Tunga"/>
-        <a:font script="Guru" typeface="Raavi"/>
-        <a:font script="Cans" typeface="Euphemia"/>
-        <a:font script="Cher" typeface="Plantagenet Cherokee"/>
-        <a:font script="Yiii" typeface="Microsoft Yi Baiti"/>
-        <a:font script="Tibt" typeface="Microsoft Himalaya"/>
-        <a:font script="Thaa" typeface="MV Boli"/>
-        <a:font script="Deva" typeface="Mangal"/>
-        <a:font script="Telu" typeface="Gautami"/>
-        <a:font script="Taml" typeface="Latha"/>
-        <a:font script="Syrc" typeface="Estrangelo Edessa"/>
-        <a:font script="Orya" typeface="Kalinga"/>
-        <a:font script="Mlym" typeface="Kartika"/>
-        <a:font script="Laoo" typeface="DokChampa"/>
-        <a:font script="Sinh" typeface="Iskoola Pota"/>
-        <a:font script="Mong" typeface="Mongolian Baiti"/>
-        <a:font script="Viet" typeface="Times New Roman"/>
-        <a:font script="Uigh" typeface="Microsoft Uighur"/>
-        <a:font script="Geor" typeface="Sylfaen"/>
-      </a:majorFont>
-      <a:minorFont>
-        <a:latin typeface="Arial"/>
-        <a:ea typeface=""/>
-        <a:cs typeface=""/>
-        <a:font script="Jpan" typeface="ＭＳ Ｐゴシック"/>
-        <a:font script="Hang" typeface="맑은 고딕"/>
-        <a:font script="Hans" typeface="宋体"/>
-        <a:font script="Hant" typeface="新細明體"/>
-        <a:font script="Arab" typeface="Arial"/>
-        <a:font script="Hebr" typeface="Arial"/>
-        <a:font script="Thai" typeface="Cordia New"/>
-        <a:font script="Ethi" typeface="Nyala"/>
-        <a:font script="Beng" typeface="Vrinda"/>
-        <a:font script="Gujr" typeface="Shruti"/>
-        <a:font script="Khmr" typeface="DaunPenh"/>
-        <a:font script="Knda" typeface="Tunga"/>
-        <a:font script="Guru" typeface="Raavi"/>
-        <a:font script="Cans" typeface="Euphemia"/>
-        <a:font script="Cher" typeface="Plantagenet Cherokee"/>
-        <a:font script="Yiii" typeface="Microsoft Yi Baiti"/>
-        <a:font script="Tibt" typeface="Microsoft Himalaya"/>
-        <a:font script="Thaa" typeface="MV Boli"/>
-        <a:font script="Deva" typeface="Mangal"/>
-        <a:font script="Telu" typeface="Gautami"/>
-        <a:font script="Taml" typeface="Latha"/>
-        <a:font script="Syrc" typeface="Estrangelo Edessa"/>
-        <a:font script="Orya" typeface="Kalinga"/>
-        <a:font script="Mlym" typeface="Kartika"/>
-        <a:font script="Laoo" typeface="DokChampa"/>
-        <a:font script="Sinh" typeface="Iskoola Pota"/>
-        <a:font script="Mong" typeface="Mongolian Baiti"/>
-        <a:font script="Viet" typeface="Arial"/>
-        <a:font script="Uigh" typeface="Microsoft Uighur"/>
-        <a:font script="Geor" typeface="Sylfaen"/>
-      </a:minorFont>
-    </a:fontScheme>
-    <a:fmtScheme name="Office">
-      <a:fillStyleLst>
-        <a:solidFill>
-          <a:schemeClr val="phClr"/>
-        </a:solidFill>
-        <a:gradFill rotWithShape="1">
-          <a:gsLst>
-            <a:gs pos="0">
-              <a:schemeClr val="phClr">
-                <a:tint val="50000"/>
-                <a:satMod val="300000"/>
-              </a:schemeClr>
-            </a:gs>
-            <a:gs pos="35000">
-              <a:schemeClr val="phClr">
-                <a:tint val="37000"/>
-                <a:satMod val="300000"/>
-              </a:schemeClr>
-            </a:gs>
-            <a:gs pos="100000">
-              <a:schemeClr val="phClr">
-                <a:tint val="15000"/>
-                <a:satMod val="350000"/>
-              </a:schemeClr>
-            </a:gs>
-          </a:gsLst>
-          <a:lin ang="16200000" scaled="1"/>
-        </a:gradFill>
-        <a:gradFill rotWithShape="1">
-          <a:gsLst>
-            <a:gs pos="0">
-              <a:schemeClr val="phClr">
-                <a:tint val="100000"/>
-                <a:shade val="100000"/>
-                <a:satMod val="130000"/>
-              </a:schemeClr>
-            </a:gs>
-            <a:gs pos="100000">
-              <a:schemeClr val="phClr">
-                <a:tint val="50000"/>
-                <a:shade val="100000"/>
-                <a:satMod val="350000"/>
-              </a:schemeClr>
-            </a:gs>
-          </a:gsLst>
-          <a:lin ang="16200000" scaled="0"/>
-        </a:gradFill>
-      </a:fillStyleLst>
-      <a:lnStyleLst>
-        <a:ln w="9525" cap="flat" cmpd="sng" algn="ctr">
-          <a:solidFill>
-            <a:schemeClr val="phClr">
-              <a:shade val="95000"/>
-              <a:satMod val="105000"/>
-            </a:schemeClr>
-          </a:solidFill>
-          <a:prstDash val="solid"/>
-        </a:ln>
-        <a:ln w="25400" cap="flat" cmpd="sng" algn="ctr">
-          <a:solidFill>
-            <a:schemeClr val="phClr"/>
-          </a:solidFill>
-          <a:prstDash val="solid"/>
-        </a:ln>
-        <a:ln w="38100" cap="flat" cmpd="sng" algn="ctr">
-          <a:solidFill>
-            <a:schemeClr val="phClr"/>
-          </a:solidFill>
-          <a:prstDash val="solid"/>
-        </a:ln>
-      </a:lnStyleLst>
-      <a:effectStyleLst>
-        <a:effectStyle>
-          <a:effectLst>
-            <a:outerShdw blurRad="40000" dist="20000" dir="5400000" rotWithShape="0">
-              <a:srgbClr val="000000">
-                <a:alpha val="38000"/>
-              </a:srgbClr>
-            </a:outerShdw>
-          </a:effectLst>
-        </a:effectStyle>
-        <a:effectStyle>
-          <a:effectLst>
-            <a:outerShdw blurRad="40000" dist="23000" dir="5400000" rotWithShape="0">
-              <a:srgbClr val="000000">
-                <a:alpha val="35000"/>
-              </a:srgbClr>
-            </a:outerShdw>
-          </a:effectLst>
-        </a:effectStyle>
-        <a:effectStyle>
-          <a:effectLst>
-            <a:outerShdw blurRad="40000" dist="23000" dir="5400000" rotWithShape="0">
-              <a:srgbClr val="000000">
-                <a:alpha val="35000"/>
-              </a:srgbClr>
-            </a:outerShdw>
-          </a:effectLst>
-          <a:scene3d>
-            <a:camera prst="orthographicFront">
-              <a:rot lat="0" lon="0" rev="0"/>
-            </a:camera>
-            <a:lightRig rig="threePt" dir="t">
-              <a:rot lat="0" lon="0" rev="1200000"/>
-            </a:lightRig>
-          </a:scene3d>
-          <a:sp3d>
-            <a:bevelT w="63500" h="25400"/>
-          </a:sp3d>
-        </a:effectStyle>
-      </a:effectStyleLst>
-      <a:bgFillStyleLst>
-        <a:solidFill>
-          <a:schemeClr val="phClr"/>
-        </a:solidFill>
-        <a:gradFill rotWithShape="1">
-          <a:gsLst>
-            <a:gs pos="0">
-              <a:schemeClr val="phClr">
-                <a:tint val="40000"/>
-                <a:satMod val="350000"/>
-              </a:schemeClr>
-            </a:gs>
-            <a:gs pos="40000">
-              <a:schemeClr val="phClr">
-                <a:tint val="45000"/>
-                <a:shade val="99000"/>
-                <a:satMod val="350000"/>
-              </a:schemeClr>
-            </a:gs>
-            <a:gs pos="100000">
-              <a:schemeClr val="phClr">
-                <a:shade val="20000"/>
-                <a:satMod val="255000"/>
-              </a:schemeClr>
-            </a:gs>
-          </a:gsLst>
-          <a:path path="circle">
-            <a:fillToRect l="50000" t="-80000" r="50000" b="180000"/>
-          </a:path>
-        </a:gradFill>
-        <a:gradFill rotWithShape="1">
-          <a:gsLst>
-            <a:gs pos="0">
-              <a:schemeClr val="phClr">
-                <a:tint val="80000"/>
-                <a:satMod val="300000"/>
-              </a:schemeClr>
-            </a:gs>
-            <a:gs pos="100000">
-              <a:schemeClr val="phClr">
-                <a:shade val="30000"/>
-                <a:satMod val="200000"/>
-              </a:schemeClr>
-            </a:gs>
-          </a:gsLst>
-          <a:path path="circle">
-            <a:fillToRect l="50000" t="50000" r="50000" b="50000"/>
-          </a:path>
-        </a:gradFill>
-      </a:bgFillStyleLst>
-    </a:fmtScheme>
-  </a:themeElements>
+  <a:objectDefaults/>
+  <a:extraClrSchemeLst/>
 </a:theme>
 </file>